--- a/Wi20_content/SEDS/L10.Communication.pptx
+++ b/Wi20_content/SEDS/L10.Communication.pptx
@@ -5,23 +5,19 @@
     <p:sldMasterId id="2147483648" r:id="rId1"/>
   </p:sldMasterIdLst>
   <p:notesMasterIdLst>
-    <p:notesMasterId r:id="rId16"/>
+    <p:notesMasterId r:id="rId12"/>
   </p:notesMasterIdLst>
   <p:sldIdLst>
     <p:sldId id="256" r:id="rId2"/>
     <p:sldId id="335" r:id="rId3"/>
-    <p:sldId id="336" r:id="rId4"/>
-    <p:sldId id="337" r:id="rId5"/>
-    <p:sldId id="338" r:id="rId6"/>
-    <p:sldId id="339" r:id="rId7"/>
-    <p:sldId id="340" r:id="rId8"/>
-    <p:sldId id="341" r:id="rId9"/>
-    <p:sldId id="342" r:id="rId10"/>
-    <p:sldId id="343" r:id="rId11"/>
-    <p:sldId id="345" r:id="rId12"/>
-    <p:sldId id="344" r:id="rId13"/>
-    <p:sldId id="346" r:id="rId14"/>
-    <p:sldId id="347" r:id="rId15"/>
+    <p:sldId id="339" r:id="rId4"/>
+    <p:sldId id="340" r:id="rId5"/>
+    <p:sldId id="341" r:id="rId6"/>
+    <p:sldId id="342" r:id="rId7"/>
+    <p:sldId id="343" r:id="rId8"/>
+    <p:sldId id="345" r:id="rId9"/>
+    <p:sldId id="344" r:id="rId10"/>
+    <p:sldId id="346" r:id="rId11"/>
   </p:sldIdLst>
   <p:sldSz cx="9144000" cy="6858000" type="screen4x3"/>
   <p:notesSz cx="6858000" cy="9144000"/>
@@ -238,7 +234,7 @@
           <a:p>
             <a:fld id="{08F62E20-B1AA-3442-B8F1-F4A56998389D}" type="datetimeFigureOut">
               <a:rPr lang="en-US" smtClean="0"/>
-              <a:t>2/14/19</a:t>
+              <a:t>2/13/20</a:t>
             </a:fld>
             <a:endParaRPr lang="en-US"/>
           </a:p>
@@ -302,38 +298,37 @@
           <a:p>
             <a:pPr lvl="0"/>
             <a:r>
-              <a:rPr lang="en-US" smtClean="0"/>
+              <a:rPr lang="en-US"/>
               <a:t>Click to edit Master text styles</a:t>
             </a:r>
           </a:p>
           <a:p>
             <a:pPr lvl="1"/>
             <a:r>
-              <a:rPr lang="en-US" smtClean="0"/>
+              <a:rPr lang="en-US"/>
               <a:t>Second level</a:t>
             </a:r>
           </a:p>
           <a:p>
             <a:pPr lvl="2"/>
             <a:r>
-              <a:rPr lang="en-US" smtClean="0"/>
+              <a:rPr lang="en-US"/>
               <a:t>Third level</a:t>
             </a:r>
           </a:p>
           <a:p>
             <a:pPr lvl="3"/>
             <a:r>
-              <a:rPr lang="en-US" smtClean="0"/>
+              <a:rPr lang="en-US"/>
               <a:t>Fourth level</a:t>
             </a:r>
           </a:p>
           <a:p>
             <a:pPr lvl="4"/>
             <a:r>
-              <a:rPr lang="en-US" smtClean="0"/>
+              <a:rPr lang="en-US"/>
               <a:t>Fifth level</a:t>
             </a:r>
-            <a:endParaRPr lang="en-US"/>
           </a:p>
         </p:txBody>
       </p:sp>
@@ -590,12 +585,12 @@
 </p:notes>
 </file>
 
-<file path=ppt/notesSlides/notesSlide10.xml><?xml version="1.0" encoding="utf-8"?>
+<file path=ppt/notesSlides/notesSlide2.xml><?xml version="1.0" encoding="utf-8"?>
 <p:notes xmlns:a="http://schemas.openxmlformats.org/drawingml/2006/main" xmlns:r="http://schemas.openxmlformats.org/officeDocument/2006/relationships" xmlns:p="http://schemas.openxmlformats.org/presentationml/2006/main" showMasterSp="0" showMasterPhAnim="0">
   <p:cSld>
     <p:spTree>
       <p:nvGrpSpPr>
-        <p:cNvPr id="1" name="Shape 369"/>
+        <p:cNvPr id="1" name="Shape 286"/>
         <p:cNvGrpSpPr/>
         <p:nvPr/>
       </p:nvGrpSpPr>
@@ -609,7 +604,7 @@
       </p:grpSpPr>
       <p:sp>
         <p:nvSpPr>
-          <p:cNvPr id="370" name="Shape 370"/>
+          <p:cNvPr id="287" name="Shape 287"/>
           <p:cNvSpPr txBox="1">
             <a:spLocks noGrp="1"/>
           </p:cNvSpPr>
@@ -644,7 +639,7 @@
       </p:sp>
       <p:sp>
         <p:nvSpPr>
-          <p:cNvPr id="371" name="Shape 371"/>
+          <p:cNvPr id="288" name="Shape 288"/>
           <p:cNvSpPr>
             <a:spLocks noGrp="1" noRot="1" noChangeAspect="1"/>
           </p:cNvSpPr>
@@ -686,7 +681,7 @@
     </p:spTree>
     <p:extLst>
       <p:ext uri="{BB962C8B-B14F-4D97-AF65-F5344CB8AC3E}">
-        <p14:creationId xmlns:p14="http://schemas.microsoft.com/office/powerpoint/2010/main" val="1229988050"/>
+        <p14:creationId xmlns:p14="http://schemas.microsoft.com/office/powerpoint/2010/main" val="694411996"/>
       </p:ext>
     </p:extLst>
   </p:cSld>
@@ -696,12 +691,12 @@
 </p:notes>
 </file>
 
-<file path=ppt/notesSlides/notesSlide11.xml><?xml version="1.0" encoding="utf-8"?>
+<file path=ppt/notesSlides/notesSlide3.xml><?xml version="1.0" encoding="utf-8"?>
 <p:notes xmlns:a="http://schemas.openxmlformats.org/drawingml/2006/main" xmlns:r="http://schemas.openxmlformats.org/officeDocument/2006/relationships" xmlns:p="http://schemas.openxmlformats.org/presentationml/2006/main" showMasterSp="0" showMasterPhAnim="0">
   <p:cSld>
     <p:spTree>
       <p:nvGrpSpPr>
-        <p:cNvPr id="1" name="Shape 408"/>
+        <p:cNvPr id="1" name="Shape 319"/>
         <p:cNvGrpSpPr/>
         <p:nvPr/>
       </p:nvGrpSpPr>
@@ -715,7 +710,7 @@
       </p:grpSpPr>
       <p:sp>
         <p:nvSpPr>
-          <p:cNvPr id="409" name="Shape 409"/>
+          <p:cNvPr id="320" name="Shape 320"/>
           <p:cNvSpPr txBox="1">
             <a:spLocks noGrp="1"/>
           </p:cNvSpPr>
@@ -750,7 +745,7 @@
       </p:sp>
       <p:sp>
         <p:nvSpPr>
-          <p:cNvPr id="410" name="Shape 410"/>
+          <p:cNvPr id="321" name="Shape 321"/>
           <p:cNvSpPr>
             <a:spLocks noGrp="1" noRot="1" noChangeAspect="1"/>
           </p:cNvSpPr>
@@ -792,7 +787,7 @@
     </p:spTree>
     <p:extLst>
       <p:ext uri="{BB962C8B-B14F-4D97-AF65-F5344CB8AC3E}">
-        <p14:creationId xmlns:p14="http://schemas.microsoft.com/office/powerpoint/2010/main" val="1797936324"/>
+        <p14:creationId xmlns:p14="http://schemas.microsoft.com/office/powerpoint/2010/main" val="1772212392"/>
       </p:ext>
     </p:extLst>
   </p:cSld>
@@ -802,12 +797,12 @@
 </p:notes>
 </file>
 
-<file path=ppt/notesSlides/notesSlide12.xml><?xml version="1.0" encoding="utf-8"?>
+<file path=ppt/notesSlides/notesSlide4.xml><?xml version="1.0" encoding="utf-8"?>
 <p:notes xmlns:a="http://schemas.openxmlformats.org/drawingml/2006/main" xmlns:r="http://schemas.openxmlformats.org/officeDocument/2006/relationships" xmlns:p="http://schemas.openxmlformats.org/presentationml/2006/main" showMasterSp="0" showMasterPhAnim="0">
   <p:cSld>
     <p:spTree>
       <p:nvGrpSpPr>
-        <p:cNvPr id="1" name="Shape 408"/>
+        <p:cNvPr id="1" name="Shape 356"/>
         <p:cNvGrpSpPr/>
         <p:nvPr/>
       </p:nvGrpSpPr>
@@ -821,7 +816,7 @@
       </p:grpSpPr>
       <p:sp>
         <p:nvSpPr>
-          <p:cNvPr id="409" name="Shape 409"/>
+          <p:cNvPr id="357" name="Shape 357"/>
           <p:cNvSpPr txBox="1">
             <a:spLocks noGrp="1"/>
           </p:cNvSpPr>
@@ -856,7 +851,7 @@
       </p:sp>
       <p:sp>
         <p:nvSpPr>
-          <p:cNvPr id="410" name="Shape 410"/>
+          <p:cNvPr id="358" name="Shape 358"/>
           <p:cNvSpPr>
             <a:spLocks noGrp="1" noRot="1" noChangeAspect="1"/>
           </p:cNvSpPr>
@@ -898,7 +893,7 @@
     </p:spTree>
     <p:extLst>
       <p:ext uri="{BB962C8B-B14F-4D97-AF65-F5344CB8AC3E}">
-        <p14:creationId xmlns:p14="http://schemas.microsoft.com/office/powerpoint/2010/main" val="1099207143"/>
+        <p14:creationId xmlns:p14="http://schemas.microsoft.com/office/powerpoint/2010/main" val="902632177"/>
       </p:ext>
     </p:extLst>
   </p:cSld>
@@ -908,12 +903,12 @@
 </p:notes>
 </file>
 
-<file path=ppt/notesSlides/notesSlide13.xml><?xml version="1.0" encoding="utf-8"?>
+<file path=ppt/notesSlides/notesSlide5.xml><?xml version="1.0" encoding="utf-8"?>
 <p:notes xmlns:a="http://schemas.openxmlformats.org/drawingml/2006/main" xmlns:r="http://schemas.openxmlformats.org/officeDocument/2006/relationships" xmlns:p="http://schemas.openxmlformats.org/presentationml/2006/main" showMasterSp="0" showMasterPhAnim="0">
   <p:cSld>
     <p:spTree>
       <p:nvGrpSpPr>
-        <p:cNvPr id="1" name="Shape 408"/>
+        <p:cNvPr id="1" name="Shape 356"/>
         <p:cNvGrpSpPr/>
         <p:nvPr/>
       </p:nvGrpSpPr>
@@ -927,7 +922,7 @@
       </p:grpSpPr>
       <p:sp>
         <p:nvSpPr>
-          <p:cNvPr id="409" name="Shape 409"/>
+          <p:cNvPr id="357" name="Shape 357"/>
           <p:cNvSpPr txBox="1">
             <a:spLocks noGrp="1"/>
           </p:cNvSpPr>
@@ -962,7 +957,7 @@
       </p:sp>
       <p:sp>
         <p:nvSpPr>
-          <p:cNvPr id="410" name="Shape 410"/>
+          <p:cNvPr id="358" name="Shape 358"/>
           <p:cNvSpPr>
             <a:spLocks noGrp="1" noRot="1" noChangeAspect="1"/>
           </p:cNvSpPr>
@@ -1004,7 +999,7 @@
     </p:spTree>
     <p:extLst>
       <p:ext uri="{BB962C8B-B14F-4D97-AF65-F5344CB8AC3E}">
-        <p14:creationId xmlns:p14="http://schemas.microsoft.com/office/powerpoint/2010/main" val="1326167583"/>
+        <p14:creationId xmlns:p14="http://schemas.microsoft.com/office/powerpoint/2010/main" val="1919130288"/>
       </p:ext>
     </p:extLst>
   </p:cSld>
@@ -1014,12 +1009,12 @@
 </p:notes>
 </file>
 
-<file path=ppt/notesSlides/notesSlide2.xml><?xml version="1.0" encoding="utf-8"?>
+<file path=ppt/notesSlides/notesSlide6.xml><?xml version="1.0" encoding="utf-8"?>
 <p:notes xmlns:a="http://schemas.openxmlformats.org/drawingml/2006/main" xmlns:r="http://schemas.openxmlformats.org/officeDocument/2006/relationships" xmlns:p="http://schemas.openxmlformats.org/presentationml/2006/main" showMasterSp="0" showMasterPhAnim="0">
   <p:cSld>
     <p:spTree>
       <p:nvGrpSpPr>
-        <p:cNvPr id="1" name="Shape 250"/>
+        <p:cNvPr id="1" name="Shape 369"/>
         <p:cNvGrpSpPr/>
         <p:nvPr/>
       </p:nvGrpSpPr>
@@ -1033,7 +1028,7 @@
       </p:grpSpPr>
       <p:sp>
         <p:nvSpPr>
-          <p:cNvPr id="251" name="Shape 251"/>
+          <p:cNvPr id="370" name="Shape 370"/>
           <p:cNvSpPr txBox="1">
             <a:spLocks noGrp="1"/>
           </p:cNvSpPr>
@@ -1068,7 +1063,7 @@
       </p:sp>
       <p:sp>
         <p:nvSpPr>
-          <p:cNvPr id="252" name="Shape 252"/>
+          <p:cNvPr id="371" name="Shape 371"/>
           <p:cNvSpPr>
             <a:spLocks noGrp="1" noRot="1" noChangeAspect="1"/>
           </p:cNvSpPr>
@@ -1110,7 +1105,7 @@
     </p:spTree>
     <p:extLst>
       <p:ext uri="{BB962C8B-B14F-4D97-AF65-F5344CB8AC3E}">
-        <p14:creationId xmlns:p14="http://schemas.microsoft.com/office/powerpoint/2010/main" val="1281534062"/>
+        <p14:creationId xmlns:p14="http://schemas.microsoft.com/office/powerpoint/2010/main" val="437364455"/>
       </p:ext>
     </p:extLst>
   </p:cSld>
@@ -1120,12 +1115,12 @@
 </p:notes>
 </file>
 
-<file path=ppt/notesSlides/notesSlide3.xml><?xml version="1.0" encoding="utf-8"?>
+<file path=ppt/notesSlides/notesSlide7.xml><?xml version="1.0" encoding="utf-8"?>
 <p:notes xmlns:a="http://schemas.openxmlformats.org/drawingml/2006/main" xmlns:r="http://schemas.openxmlformats.org/officeDocument/2006/relationships" xmlns:p="http://schemas.openxmlformats.org/presentationml/2006/main" showMasterSp="0" showMasterPhAnim="0">
   <p:cSld>
     <p:spTree>
       <p:nvGrpSpPr>
-        <p:cNvPr id="1" name="Shape 257"/>
+        <p:cNvPr id="1" name="Shape 369"/>
         <p:cNvGrpSpPr/>
         <p:nvPr/>
       </p:nvGrpSpPr>
@@ -1139,7 +1134,7 @@
       </p:grpSpPr>
       <p:sp>
         <p:nvSpPr>
-          <p:cNvPr id="258" name="Shape 258"/>
+          <p:cNvPr id="370" name="Shape 370"/>
           <p:cNvSpPr txBox="1">
             <a:spLocks noGrp="1"/>
           </p:cNvSpPr>
@@ -1174,7 +1169,7 @@
       </p:sp>
       <p:sp>
         <p:nvSpPr>
-          <p:cNvPr id="259" name="Shape 259"/>
+          <p:cNvPr id="371" name="Shape 371"/>
           <p:cNvSpPr>
             <a:spLocks noGrp="1" noRot="1" noChangeAspect="1"/>
           </p:cNvSpPr>
@@ -1216,7 +1211,7 @@
     </p:spTree>
     <p:extLst>
       <p:ext uri="{BB962C8B-B14F-4D97-AF65-F5344CB8AC3E}">
-        <p14:creationId xmlns:p14="http://schemas.microsoft.com/office/powerpoint/2010/main" val="2030676153"/>
+        <p14:creationId xmlns:p14="http://schemas.microsoft.com/office/powerpoint/2010/main" val="1229988050"/>
       </p:ext>
     </p:extLst>
   </p:cSld>
@@ -1226,12 +1221,12 @@
 </p:notes>
 </file>
 
-<file path=ppt/notesSlides/notesSlide4.xml><?xml version="1.0" encoding="utf-8"?>
+<file path=ppt/notesSlides/notesSlide8.xml><?xml version="1.0" encoding="utf-8"?>
 <p:notes xmlns:a="http://schemas.openxmlformats.org/drawingml/2006/main" xmlns:r="http://schemas.openxmlformats.org/officeDocument/2006/relationships" xmlns:p="http://schemas.openxmlformats.org/presentationml/2006/main" showMasterSp="0" showMasterPhAnim="0">
   <p:cSld>
     <p:spTree>
       <p:nvGrpSpPr>
-        <p:cNvPr id="1" name="Shape 268"/>
+        <p:cNvPr id="1" name="Shape 408"/>
         <p:cNvGrpSpPr/>
         <p:nvPr/>
       </p:nvGrpSpPr>
@@ -1245,7 +1240,7 @@
       </p:grpSpPr>
       <p:sp>
         <p:nvSpPr>
-          <p:cNvPr id="269" name="Shape 269"/>
+          <p:cNvPr id="409" name="Shape 409"/>
           <p:cNvSpPr txBox="1">
             <a:spLocks noGrp="1"/>
           </p:cNvSpPr>
@@ -1280,7 +1275,7 @@
       </p:sp>
       <p:sp>
         <p:nvSpPr>
-          <p:cNvPr id="270" name="Shape 270"/>
+          <p:cNvPr id="410" name="Shape 410"/>
           <p:cNvSpPr>
             <a:spLocks noGrp="1" noRot="1" noChangeAspect="1"/>
           </p:cNvSpPr>
@@ -1322,7 +1317,7 @@
     </p:spTree>
     <p:extLst>
       <p:ext uri="{BB962C8B-B14F-4D97-AF65-F5344CB8AC3E}">
-        <p14:creationId xmlns:p14="http://schemas.microsoft.com/office/powerpoint/2010/main" val="1289980194"/>
+        <p14:creationId xmlns:p14="http://schemas.microsoft.com/office/powerpoint/2010/main" val="1797936324"/>
       </p:ext>
     </p:extLst>
   </p:cSld>
@@ -1332,12 +1327,12 @@
 </p:notes>
 </file>
 
-<file path=ppt/notesSlides/notesSlide5.xml><?xml version="1.0" encoding="utf-8"?>
+<file path=ppt/notesSlides/notesSlide9.xml><?xml version="1.0" encoding="utf-8"?>
 <p:notes xmlns:a="http://schemas.openxmlformats.org/drawingml/2006/main" xmlns:r="http://schemas.openxmlformats.org/officeDocument/2006/relationships" xmlns:p="http://schemas.openxmlformats.org/presentationml/2006/main" showMasterSp="0" showMasterPhAnim="0">
   <p:cSld>
     <p:spTree>
       <p:nvGrpSpPr>
-        <p:cNvPr id="1" name="Shape 286"/>
+        <p:cNvPr id="1" name="Shape 408"/>
         <p:cNvGrpSpPr/>
         <p:nvPr/>
       </p:nvGrpSpPr>
@@ -1351,7 +1346,7 @@
       </p:grpSpPr>
       <p:sp>
         <p:nvSpPr>
-          <p:cNvPr id="287" name="Shape 287"/>
+          <p:cNvPr id="409" name="Shape 409"/>
           <p:cNvSpPr txBox="1">
             <a:spLocks noGrp="1"/>
           </p:cNvSpPr>
@@ -1386,7 +1381,7 @@
       </p:sp>
       <p:sp>
         <p:nvSpPr>
-          <p:cNvPr id="288" name="Shape 288"/>
+          <p:cNvPr id="410" name="Shape 410"/>
           <p:cNvSpPr>
             <a:spLocks noGrp="1" noRot="1" noChangeAspect="1"/>
           </p:cNvSpPr>
@@ -1428,431 +1423,7 @@
     </p:spTree>
     <p:extLst>
       <p:ext uri="{BB962C8B-B14F-4D97-AF65-F5344CB8AC3E}">
-        <p14:creationId xmlns:p14="http://schemas.microsoft.com/office/powerpoint/2010/main" val="694411996"/>
-      </p:ext>
-    </p:extLst>
-  </p:cSld>
-  <p:clrMapOvr>
-    <a:masterClrMapping/>
-  </p:clrMapOvr>
-</p:notes>
-</file>
-
-<file path=ppt/notesSlides/notesSlide6.xml><?xml version="1.0" encoding="utf-8"?>
-<p:notes xmlns:a="http://schemas.openxmlformats.org/drawingml/2006/main" xmlns:r="http://schemas.openxmlformats.org/officeDocument/2006/relationships" xmlns:p="http://schemas.openxmlformats.org/presentationml/2006/main" showMasterSp="0" showMasterPhAnim="0">
-  <p:cSld>
-    <p:spTree>
-      <p:nvGrpSpPr>
-        <p:cNvPr id="1" name="Shape 319"/>
-        <p:cNvGrpSpPr/>
-        <p:nvPr/>
-      </p:nvGrpSpPr>
-      <p:grpSpPr>
-        <a:xfrm>
-          <a:off x="0" y="0"/>
-          <a:ext cx="0" cy="0"/>
-          <a:chOff x="0" y="0"/>
-          <a:chExt cx="0" cy="0"/>
-        </a:xfrm>
-      </p:grpSpPr>
-      <p:sp>
-        <p:nvSpPr>
-          <p:cNvPr id="320" name="Shape 320"/>
-          <p:cNvSpPr txBox="1">
-            <a:spLocks noGrp="1"/>
-          </p:cNvSpPr>
-          <p:nvPr>
-            <p:ph type="body" idx="1"/>
-          </p:nvPr>
-        </p:nvSpPr>
-        <p:spPr>
-          <a:xfrm>
-            <a:off x="685800" y="4343400"/>
-            <a:ext cx="5486399" cy="4114800"/>
-          </a:xfrm>
-          <a:prstGeom prst="rect">
-            <a:avLst/>
-          </a:prstGeom>
-        </p:spPr>
-        <p:txBody>
-          <a:bodyPr lIns="91425" tIns="91425" rIns="91425" bIns="91425" anchor="t" anchorCtr="0">
-            <a:noAutofit/>
-          </a:bodyPr>
-          <a:lstStyle/>
-          <a:p>
-            <a:pPr lvl="0">
-              <a:spcBef>
-                <a:spcPts val="0"/>
-              </a:spcBef>
-              <a:buNone/>
-            </a:pPr>
-            <a:endParaRPr/>
-          </a:p>
-        </p:txBody>
-      </p:sp>
-      <p:sp>
-        <p:nvSpPr>
-          <p:cNvPr id="321" name="Shape 321"/>
-          <p:cNvSpPr>
-            <a:spLocks noGrp="1" noRot="1" noChangeAspect="1"/>
-          </p:cNvSpPr>
-          <p:nvPr>
-            <p:ph type="sldImg" idx="2"/>
-          </p:nvPr>
-        </p:nvSpPr>
-        <p:spPr>
-          <a:xfrm>
-            <a:off x="1143000" y="685800"/>
-            <a:ext cx="4572000" cy="3429000"/>
-          </a:xfrm>
-          <a:custGeom>
-            <a:avLst/>
-            <a:gdLst/>
-            <a:ahLst/>
-            <a:cxnLst/>
-            <a:rect l="0" t="0" r="0" b="0"/>
-            <a:pathLst>
-              <a:path w="120000" h="120000" extrusionOk="0">
-                <a:moveTo>
-                  <a:pt x="0" y="0"/>
-                </a:moveTo>
-                <a:lnTo>
-                  <a:pt x="120000" y="0"/>
-                </a:lnTo>
-                <a:lnTo>
-                  <a:pt x="120000" y="120000"/>
-                </a:lnTo>
-                <a:lnTo>
-                  <a:pt x="0" y="120000"/>
-                </a:lnTo>
-                <a:close/>
-              </a:path>
-            </a:pathLst>
-          </a:custGeom>
-        </p:spPr>
-      </p:sp>
-    </p:spTree>
-    <p:extLst>
-      <p:ext uri="{BB962C8B-B14F-4D97-AF65-F5344CB8AC3E}">
-        <p14:creationId xmlns:p14="http://schemas.microsoft.com/office/powerpoint/2010/main" val="1772212392"/>
-      </p:ext>
-    </p:extLst>
-  </p:cSld>
-  <p:clrMapOvr>
-    <a:masterClrMapping/>
-  </p:clrMapOvr>
-</p:notes>
-</file>
-
-<file path=ppt/notesSlides/notesSlide7.xml><?xml version="1.0" encoding="utf-8"?>
-<p:notes xmlns:a="http://schemas.openxmlformats.org/drawingml/2006/main" xmlns:r="http://schemas.openxmlformats.org/officeDocument/2006/relationships" xmlns:p="http://schemas.openxmlformats.org/presentationml/2006/main" showMasterSp="0" showMasterPhAnim="0">
-  <p:cSld>
-    <p:spTree>
-      <p:nvGrpSpPr>
-        <p:cNvPr id="1" name="Shape 356"/>
-        <p:cNvGrpSpPr/>
-        <p:nvPr/>
-      </p:nvGrpSpPr>
-      <p:grpSpPr>
-        <a:xfrm>
-          <a:off x="0" y="0"/>
-          <a:ext cx="0" cy="0"/>
-          <a:chOff x="0" y="0"/>
-          <a:chExt cx="0" cy="0"/>
-        </a:xfrm>
-      </p:grpSpPr>
-      <p:sp>
-        <p:nvSpPr>
-          <p:cNvPr id="357" name="Shape 357"/>
-          <p:cNvSpPr txBox="1">
-            <a:spLocks noGrp="1"/>
-          </p:cNvSpPr>
-          <p:nvPr>
-            <p:ph type="body" idx="1"/>
-          </p:nvPr>
-        </p:nvSpPr>
-        <p:spPr>
-          <a:xfrm>
-            <a:off x="685800" y="4343400"/>
-            <a:ext cx="5486399" cy="4114800"/>
-          </a:xfrm>
-          <a:prstGeom prst="rect">
-            <a:avLst/>
-          </a:prstGeom>
-        </p:spPr>
-        <p:txBody>
-          <a:bodyPr lIns="91425" tIns="91425" rIns="91425" bIns="91425" anchor="t" anchorCtr="0">
-            <a:noAutofit/>
-          </a:bodyPr>
-          <a:lstStyle/>
-          <a:p>
-            <a:pPr lvl="0">
-              <a:spcBef>
-                <a:spcPts val="0"/>
-              </a:spcBef>
-              <a:buNone/>
-            </a:pPr>
-            <a:endParaRPr/>
-          </a:p>
-        </p:txBody>
-      </p:sp>
-      <p:sp>
-        <p:nvSpPr>
-          <p:cNvPr id="358" name="Shape 358"/>
-          <p:cNvSpPr>
-            <a:spLocks noGrp="1" noRot="1" noChangeAspect="1"/>
-          </p:cNvSpPr>
-          <p:nvPr>
-            <p:ph type="sldImg" idx="2"/>
-          </p:nvPr>
-        </p:nvSpPr>
-        <p:spPr>
-          <a:xfrm>
-            <a:off x="1143000" y="685800"/>
-            <a:ext cx="4572000" cy="3429000"/>
-          </a:xfrm>
-          <a:custGeom>
-            <a:avLst/>
-            <a:gdLst/>
-            <a:ahLst/>
-            <a:cxnLst/>
-            <a:rect l="0" t="0" r="0" b="0"/>
-            <a:pathLst>
-              <a:path w="120000" h="120000" extrusionOk="0">
-                <a:moveTo>
-                  <a:pt x="0" y="0"/>
-                </a:moveTo>
-                <a:lnTo>
-                  <a:pt x="120000" y="0"/>
-                </a:lnTo>
-                <a:lnTo>
-                  <a:pt x="120000" y="120000"/>
-                </a:lnTo>
-                <a:lnTo>
-                  <a:pt x="0" y="120000"/>
-                </a:lnTo>
-                <a:close/>
-              </a:path>
-            </a:pathLst>
-          </a:custGeom>
-        </p:spPr>
-      </p:sp>
-    </p:spTree>
-    <p:extLst>
-      <p:ext uri="{BB962C8B-B14F-4D97-AF65-F5344CB8AC3E}">
-        <p14:creationId xmlns:p14="http://schemas.microsoft.com/office/powerpoint/2010/main" val="902632177"/>
-      </p:ext>
-    </p:extLst>
-  </p:cSld>
-  <p:clrMapOvr>
-    <a:masterClrMapping/>
-  </p:clrMapOvr>
-</p:notes>
-</file>
-
-<file path=ppt/notesSlides/notesSlide8.xml><?xml version="1.0" encoding="utf-8"?>
-<p:notes xmlns:a="http://schemas.openxmlformats.org/drawingml/2006/main" xmlns:r="http://schemas.openxmlformats.org/officeDocument/2006/relationships" xmlns:p="http://schemas.openxmlformats.org/presentationml/2006/main" showMasterSp="0" showMasterPhAnim="0">
-  <p:cSld>
-    <p:spTree>
-      <p:nvGrpSpPr>
-        <p:cNvPr id="1" name="Shape 356"/>
-        <p:cNvGrpSpPr/>
-        <p:nvPr/>
-      </p:nvGrpSpPr>
-      <p:grpSpPr>
-        <a:xfrm>
-          <a:off x="0" y="0"/>
-          <a:ext cx="0" cy="0"/>
-          <a:chOff x="0" y="0"/>
-          <a:chExt cx="0" cy="0"/>
-        </a:xfrm>
-      </p:grpSpPr>
-      <p:sp>
-        <p:nvSpPr>
-          <p:cNvPr id="357" name="Shape 357"/>
-          <p:cNvSpPr txBox="1">
-            <a:spLocks noGrp="1"/>
-          </p:cNvSpPr>
-          <p:nvPr>
-            <p:ph type="body" idx="1"/>
-          </p:nvPr>
-        </p:nvSpPr>
-        <p:spPr>
-          <a:xfrm>
-            <a:off x="685800" y="4343400"/>
-            <a:ext cx="5486399" cy="4114800"/>
-          </a:xfrm>
-          <a:prstGeom prst="rect">
-            <a:avLst/>
-          </a:prstGeom>
-        </p:spPr>
-        <p:txBody>
-          <a:bodyPr lIns="91425" tIns="91425" rIns="91425" bIns="91425" anchor="t" anchorCtr="0">
-            <a:noAutofit/>
-          </a:bodyPr>
-          <a:lstStyle/>
-          <a:p>
-            <a:pPr lvl="0">
-              <a:spcBef>
-                <a:spcPts val="0"/>
-              </a:spcBef>
-              <a:buNone/>
-            </a:pPr>
-            <a:endParaRPr/>
-          </a:p>
-        </p:txBody>
-      </p:sp>
-      <p:sp>
-        <p:nvSpPr>
-          <p:cNvPr id="358" name="Shape 358"/>
-          <p:cNvSpPr>
-            <a:spLocks noGrp="1" noRot="1" noChangeAspect="1"/>
-          </p:cNvSpPr>
-          <p:nvPr>
-            <p:ph type="sldImg" idx="2"/>
-          </p:nvPr>
-        </p:nvSpPr>
-        <p:spPr>
-          <a:xfrm>
-            <a:off x="1143000" y="685800"/>
-            <a:ext cx="4572000" cy="3429000"/>
-          </a:xfrm>
-          <a:custGeom>
-            <a:avLst/>
-            <a:gdLst/>
-            <a:ahLst/>
-            <a:cxnLst/>
-            <a:rect l="0" t="0" r="0" b="0"/>
-            <a:pathLst>
-              <a:path w="120000" h="120000" extrusionOk="0">
-                <a:moveTo>
-                  <a:pt x="0" y="0"/>
-                </a:moveTo>
-                <a:lnTo>
-                  <a:pt x="120000" y="0"/>
-                </a:lnTo>
-                <a:lnTo>
-                  <a:pt x="120000" y="120000"/>
-                </a:lnTo>
-                <a:lnTo>
-                  <a:pt x="0" y="120000"/>
-                </a:lnTo>
-                <a:close/>
-              </a:path>
-            </a:pathLst>
-          </a:custGeom>
-        </p:spPr>
-      </p:sp>
-    </p:spTree>
-    <p:extLst>
-      <p:ext uri="{BB962C8B-B14F-4D97-AF65-F5344CB8AC3E}">
-        <p14:creationId xmlns:p14="http://schemas.microsoft.com/office/powerpoint/2010/main" val="1919130288"/>
-      </p:ext>
-    </p:extLst>
-  </p:cSld>
-  <p:clrMapOvr>
-    <a:masterClrMapping/>
-  </p:clrMapOvr>
-</p:notes>
-</file>
-
-<file path=ppt/notesSlides/notesSlide9.xml><?xml version="1.0" encoding="utf-8"?>
-<p:notes xmlns:a="http://schemas.openxmlformats.org/drawingml/2006/main" xmlns:r="http://schemas.openxmlformats.org/officeDocument/2006/relationships" xmlns:p="http://schemas.openxmlformats.org/presentationml/2006/main" showMasterSp="0" showMasterPhAnim="0">
-  <p:cSld>
-    <p:spTree>
-      <p:nvGrpSpPr>
-        <p:cNvPr id="1" name="Shape 369"/>
-        <p:cNvGrpSpPr/>
-        <p:nvPr/>
-      </p:nvGrpSpPr>
-      <p:grpSpPr>
-        <a:xfrm>
-          <a:off x="0" y="0"/>
-          <a:ext cx="0" cy="0"/>
-          <a:chOff x="0" y="0"/>
-          <a:chExt cx="0" cy="0"/>
-        </a:xfrm>
-      </p:grpSpPr>
-      <p:sp>
-        <p:nvSpPr>
-          <p:cNvPr id="370" name="Shape 370"/>
-          <p:cNvSpPr txBox="1">
-            <a:spLocks noGrp="1"/>
-          </p:cNvSpPr>
-          <p:nvPr>
-            <p:ph type="body" idx="1"/>
-          </p:nvPr>
-        </p:nvSpPr>
-        <p:spPr>
-          <a:xfrm>
-            <a:off x="685800" y="4343400"/>
-            <a:ext cx="5486399" cy="4114800"/>
-          </a:xfrm>
-          <a:prstGeom prst="rect">
-            <a:avLst/>
-          </a:prstGeom>
-        </p:spPr>
-        <p:txBody>
-          <a:bodyPr lIns="91425" tIns="91425" rIns="91425" bIns="91425" anchor="t" anchorCtr="0">
-            <a:noAutofit/>
-          </a:bodyPr>
-          <a:lstStyle/>
-          <a:p>
-            <a:pPr lvl="0">
-              <a:spcBef>
-                <a:spcPts val="0"/>
-              </a:spcBef>
-              <a:buNone/>
-            </a:pPr>
-            <a:endParaRPr/>
-          </a:p>
-        </p:txBody>
-      </p:sp>
-      <p:sp>
-        <p:nvSpPr>
-          <p:cNvPr id="371" name="Shape 371"/>
-          <p:cNvSpPr>
-            <a:spLocks noGrp="1" noRot="1" noChangeAspect="1"/>
-          </p:cNvSpPr>
-          <p:nvPr>
-            <p:ph type="sldImg" idx="2"/>
-          </p:nvPr>
-        </p:nvSpPr>
-        <p:spPr>
-          <a:xfrm>
-            <a:off x="1143000" y="685800"/>
-            <a:ext cx="4572000" cy="3429000"/>
-          </a:xfrm>
-          <a:custGeom>
-            <a:avLst/>
-            <a:gdLst/>
-            <a:ahLst/>
-            <a:cxnLst/>
-            <a:rect l="0" t="0" r="0" b="0"/>
-            <a:pathLst>
-              <a:path w="120000" h="120000" extrusionOk="0">
-                <a:moveTo>
-                  <a:pt x="0" y="0"/>
-                </a:moveTo>
-                <a:lnTo>
-                  <a:pt x="120000" y="0"/>
-                </a:lnTo>
-                <a:lnTo>
-                  <a:pt x="120000" y="120000"/>
-                </a:lnTo>
-                <a:lnTo>
-                  <a:pt x="0" y="120000"/>
-                </a:lnTo>
-                <a:close/>
-              </a:path>
-            </a:pathLst>
-          </a:custGeom>
-        </p:spPr>
-      </p:sp>
-    </p:spTree>
-    <p:extLst>
-      <p:ext uri="{BB962C8B-B14F-4D97-AF65-F5344CB8AC3E}">
-        <p14:creationId xmlns:p14="http://schemas.microsoft.com/office/powerpoint/2010/main" val="437364455"/>
+        <p14:creationId xmlns:p14="http://schemas.microsoft.com/office/powerpoint/2010/main" val="1099207143"/>
       </p:ext>
     </p:extLst>
   </p:cSld>
@@ -1900,10 +1471,9 @@
           <a:lstStyle/>
           <a:p>
             <a:r>
-              <a:rPr lang="en-US" smtClean="0"/>
+              <a:rPr lang="en-US"/>
               <a:t>Click to edit Master title style</a:t>
             </a:r>
-            <a:endParaRPr lang="en-US"/>
           </a:p>
         </p:txBody>
       </p:sp>
@@ -2019,10 +1589,9 @@
           </a:lstStyle>
           <a:p>
             <a:r>
-              <a:rPr lang="en-US" smtClean="0"/>
+              <a:rPr lang="en-US"/>
               <a:t>Click to edit Master subtitle style</a:t>
             </a:r>
-            <a:endParaRPr lang="en-US"/>
           </a:p>
         </p:txBody>
       </p:sp>
@@ -2072,10 +1641,9 @@
           <a:lstStyle/>
           <a:p>
             <a:r>
-              <a:rPr lang="en-US" smtClean="0"/>
+              <a:rPr lang="en-US"/>
               <a:t>Click to edit Master title style</a:t>
             </a:r>
-            <a:endParaRPr lang="en-US"/>
           </a:p>
         </p:txBody>
       </p:sp>
@@ -2096,38 +1664,37 @@
           <a:p>
             <a:pPr lvl="0"/>
             <a:r>
-              <a:rPr lang="en-US" smtClean="0"/>
+              <a:rPr lang="en-US"/>
               <a:t>Click to edit Master text styles</a:t>
             </a:r>
           </a:p>
           <a:p>
             <a:pPr lvl="1"/>
             <a:r>
-              <a:rPr lang="en-US" smtClean="0"/>
+              <a:rPr lang="en-US"/>
               <a:t>Second level</a:t>
             </a:r>
           </a:p>
           <a:p>
             <a:pPr lvl="2"/>
             <a:r>
-              <a:rPr lang="en-US" smtClean="0"/>
+              <a:rPr lang="en-US"/>
               <a:t>Third level</a:t>
             </a:r>
           </a:p>
           <a:p>
             <a:pPr lvl="3"/>
             <a:r>
-              <a:rPr lang="en-US" smtClean="0"/>
+              <a:rPr lang="en-US"/>
               <a:t>Fourth level</a:t>
             </a:r>
           </a:p>
           <a:p>
             <a:pPr lvl="4"/>
             <a:r>
-              <a:rPr lang="en-US" smtClean="0"/>
+              <a:rPr lang="en-US"/>
               <a:t>Fifth level</a:t>
             </a:r>
-            <a:endParaRPr lang="en-US"/>
           </a:p>
         </p:txBody>
       </p:sp>
@@ -2182,10 +1749,9 @@
           <a:lstStyle/>
           <a:p>
             <a:r>
-              <a:rPr lang="en-US" smtClean="0"/>
+              <a:rPr lang="en-US"/>
               <a:t>Click to edit Master title style</a:t>
             </a:r>
-            <a:endParaRPr lang="en-US"/>
           </a:p>
         </p:txBody>
       </p:sp>
@@ -2211,38 +1777,37 @@
           <a:p>
             <a:pPr lvl="0"/>
             <a:r>
-              <a:rPr lang="en-US" smtClean="0"/>
+              <a:rPr lang="en-US"/>
               <a:t>Click to edit Master text styles</a:t>
             </a:r>
           </a:p>
           <a:p>
             <a:pPr lvl="1"/>
             <a:r>
-              <a:rPr lang="en-US" smtClean="0"/>
+              <a:rPr lang="en-US"/>
               <a:t>Second level</a:t>
             </a:r>
           </a:p>
           <a:p>
             <a:pPr lvl="2"/>
             <a:r>
-              <a:rPr lang="en-US" smtClean="0"/>
+              <a:rPr lang="en-US"/>
               <a:t>Third level</a:t>
             </a:r>
           </a:p>
           <a:p>
             <a:pPr lvl="3"/>
             <a:r>
-              <a:rPr lang="en-US" smtClean="0"/>
+              <a:rPr lang="en-US"/>
               <a:t>Fourth level</a:t>
             </a:r>
           </a:p>
           <a:p>
             <a:pPr lvl="4"/>
             <a:r>
-              <a:rPr lang="en-US" smtClean="0"/>
+              <a:rPr lang="en-US"/>
               <a:t>Fifth level</a:t>
             </a:r>
-            <a:endParaRPr lang="en-US"/>
           </a:p>
         </p:txBody>
       </p:sp>
@@ -2297,10 +1862,9 @@
           <a:lstStyle/>
           <a:p>
             <a:r>
-              <a:rPr lang="en-US" smtClean="0"/>
+              <a:rPr lang="en-US"/>
               <a:t>Click to edit Master title style</a:t>
             </a:r>
-            <a:endParaRPr lang="en-US"/>
           </a:p>
         </p:txBody>
       </p:sp>
@@ -2321,38 +1885,37 @@
           <a:p>
             <a:pPr lvl="0"/>
             <a:r>
-              <a:rPr lang="en-US" smtClean="0"/>
+              <a:rPr lang="en-US"/>
               <a:t>Click to edit Master text styles</a:t>
             </a:r>
           </a:p>
           <a:p>
             <a:pPr lvl="1"/>
             <a:r>
-              <a:rPr lang="en-US" smtClean="0"/>
+              <a:rPr lang="en-US"/>
               <a:t>Second level</a:t>
             </a:r>
           </a:p>
           <a:p>
             <a:pPr lvl="2"/>
             <a:r>
-              <a:rPr lang="en-US" smtClean="0"/>
+              <a:rPr lang="en-US"/>
               <a:t>Third level</a:t>
             </a:r>
           </a:p>
           <a:p>
             <a:pPr lvl="3"/>
             <a:r>
-              <a:rPr lang="en-US" smtClean="0"/>
+              <a:rPr lang="en-US"/>
               <a:t>Fourth level</a:t>
             </a:r>
           </a:p>
           <a:p>
             <a:pPr lvl="4"/>
             <a:r>
-              <a:rPr lang="en-US" smtClean="0"/>
+              <a:rPr lang="en-US"/>
               <a:t>Fifth level</a:t>
             </a:r>
-            <a:endParaRPr lang="en-US"/>
           </a:p>
         </p:txBody>
       </p:sp>
@@ -2411,10 +1974,9 @@
           </a:lstStyle>
           <a:p>
             <a:r>
-              <a:rPr lang="en-US" smtClean="0"/>
+              <a:rPr lang="en-US"/>
               <a:t>Click to edit Master title style</a:t>
             </a:r>
-            <a:endParaRPr lang="en-US"/>
           </a:p>
         </p:txBody>
       </p:sp>
@@ -2531,7 +2093,7 @@
           <a:p>
             <a:pPr lvl="0"/>
             <a:r>
-              <a:rPr lang="en-US" smtClean="0"/>
+              <a:rPr lang="en-US"/>
               <a:t>Click to edit Master text styles</a:t>
             </a:r>
           </a:p>
@@ -2583,10 +2145,9 @@
           <a:lstStyle/>
           <a:p>
             <a:r>
-              <a:rPr lang="en-US" smtClean="0"/>
+              <a:rPr lang="en-US"/>
               <a:t>Click to edit Master title style</a:t>
             </a:r>
-            <a:endParaRPr lang="en-US"/>
           </a:p>
         </p:txBody>
       </p:sp>
@@ -2640,38 +2201,37 @@
           <a:p>
             <a:pPr lvl="0"/>
             <a:r>
-              <a:rPr lang="en-US" smtClean="0"/>
+              <a:rPr lang="en-US"/>
               <a:t>Click to edit Master text styles</a:t>
             </a:r>
           </a:p>
           <a:p>
             <a:pPr lvl="1"/>
             <a:r>
-              <a:rPr lang="en-US" smtClean="0"/>
+              <a:rPr lang="en-US"/>
               <a:t>Second level</a:t>
             </a:r>
           </a:p>
           <a:p>
             <a:pPr lvl="2"/>
             <a:r>
-              <a:rPr lang="en-US" smtClean="0"/>
+              <a:rPr lang="en-US"/>
               <a:t>Third level</a:t>
             </a:r>
           </a:p>
           <a:p>
             <a:pPr lvl="3"/>
             <a:r>
-              <a:rPr lang="en-US" smtClean="0"/>
+              <a:rPr lang="en-US"/>
               <a:t>Fourth level</a:t>
             </a:r>
           </a:p>
           <a:p>
             <a:pPr lvl="4"/>
             <a:r>
-              <a:rPr lang="en-US" smtClean="0"/>
+              <a:rPr lang="en-US"/>
               <a:t>Fifth level</a:t>
             </a:r>
-            <a:endParaRPr lang="en-US"/>
           </a:p>
         </p:txBody>
       </p:sp>
@@ -2725,38 +2285,37 @@
           <a:p>
             <a:pPr lvl="0"/>
             <a:r>
-              <a:rPr lang="en-US" smtClean="0"/>
+              <a:rPr lang="en-US"/>
               <a:t>Click to edit Master text styles</a:t>
             </a:r>
           </a:p>
           <a:p>
             <a:pPr lvl="1"/>
             <a:r>
-              <a:rPr lang="en-US" smtClean="0"/>
+              <a:rPr lang="en-US"/>
               <a:t>Second level</a:t>
             </a:r>
           </a:p>
           <a:p>
             <a:pPr lvl="2"/>
             <a:r>
-              <a:rPr lang="en-US" smtClean="0"/>
+              <a:rPr lang="en-US"/>
               <a:t>Third level</a:t>
             </a:r>
           </a:p>
           <a:p>
             <a:pPr lvl="3"/>
             <a:r>
-              <a:rPr lang="en-US" smtClean="0"/>
+              <a:rPr lang="en-US"/>
               <a:t>Fourth level</a:t>
             </a:r>
           </a:p>
           <a:p>
             <a:pPr lvl="4"/>
             <a:r>
-              <a:rPr lang="en-US" smtClean="0"/>
+              <a:rPr lang="en-US"/>
               <a:t>Fifth level</a:t>
             </a:r>
-            <a:endParaRPr lang="en-US"/>
           </a:p>
         </p:txBody>
       </p:sp>
@@ -2810,10 +2369,9 @@
           </a:lstStyle>
           <a:p>
             <a:r>
-              <a:rPr lang="en-US" smtClean="0"/>
+              <a:rPr lang="en-US"/>
               <a:t>Click to edit Master title style</a:t>
             </a:r>
-            <a:endParaRPr lang="en-US"/>
           </a:p>
         </p:txBody>
       </p:sp>
@@ -2876,7 +2434,7 @@
           <a:p>
             <a:pPr lvl="0"/>
             <a:r>
-              <a:rPr lang="en-US" smtClean="0"/>
+              <a:rPr lang="en-US"/>
               <a:t>Click to edit Master text styles</a:t>
             </a:r>
           </a:p>
@@ -2932,38 +2490,37 @@
           <a:p>
             <a:pPr lvl="0"/>
             <a:r>
-              <a:rPr lang="en-US" smtClean="0"/>
+              <a:rPr lang="en-US"/>
               <a:t>Click to edit Master text styles</a:t>
             </a:r>
           </a:p>
           <a:p>
             <a:pPr lvl="1"/>
             <a:r>
-              <a:rPr lang="en-US" smtClean="0"/>
+              <a:rPr lang="en-US"/>
               <a:t>Second level</a:t>
             </a:r>
           </a:p>
           <a:p>
             <a:pPr lvl="2"/>
             <a:r>
-              <a:rPr lang="en-US" smtClean="0"/>
+              <a:rPr lang="en-US"/>
               <a:t>Third level</a:t>
             </a:r>
           </a:p>
           <a:p>
             <a:pPr lvl="3"/>
             <a:r>
-              <a:rPr lang="en-US" smtClean="0"/>
+              <a:rPr lang="en-US"/>
               <a:t>Fourth level</a:t>
             </a:r>
           </a:p>
           <a:p>
             <a:pPr lvl="4"/>
             <a:r>
-              <a:rPr lang="en-US" smtClean="0"/>
+              <a:rPr lang="en-US"/>
               <a:t>Fifth level</a:t>
             </a:r>
-            <a:endParaRPr lang="en-US"/>
           </a:p>
         </p:txBody>
       </p:sp>
@@ -3026,7 +2583,7 @@
           <a:p>
             <a:pPr lvl="0"/>
             <a:r>
-              <a:rPr lang="en-US" smtClean="0"/>
+              <a:rPr lang="en-US"/>
               <a:t>Click to edit Master text styles</a:t>
             </a:r>
           </a:p>
@@ -3082,38 +2639,37 @@
           <a:p>
             <a:pPr lvl="0"/>
             <a:r>
-              <a:rPr lang="en-US" smtClean="0"/>
+              <a:rPr lang="en-US"/>
               <a:t>Click to edit Master text styles</a:t>
             </a:r>
           </a:p>
           <a:p>
             <a:pPr lvl="1"/>
             <a:r>
-              <a:rPr lang="en-US" smtClean="0"/>
+              <a:rPr lang="en-US"/>
               <a:t>Second level</a:t>
             </a:r>
           </a:p>
           <a:p>
             <a:pPr lvl="2"/>
             <a:r>
-              <a:rPr lang="en-US" smtClean="0"/>
+              <a:rPr lang="en-US"/>
               <a:t>Third level</a:t>
             </a:r>
           </a:p>
           <a:p>
             <a:pPr lvl="3"/>
             <a:r>
-              <a:rPr lang="en-US" smtClean="0"/>
+              <a:rPr lang="en-US"/>
               <a:t>Fourth level</a:t>
             </a:r>
           </a:p>
           <a:p>
             <a:pPr lvl="4"/>
             <a:r>
-              <a:rPr lang="en-US" smtClean="0"/>
+              <a:rPr lang="en-US"/>
               <a:t>Fifth level</a:t>
             </a:r>
-            <a:endParaRPr lang="en-US"/>
           </a:p>
         </p:txBody>
       </p:sp>
@@ -3163,10 +2719,9 @@
           <a:lstStyle/>
           <a:p>
             <a:r>
-              <a:rPr lang="en-US" smtClean="0"/>
+              <a:rPr lang="en-US"/>
               <a:t>Click to edit Master title style</a:t>
             </a:r>
-            <a:endParaRPr lang="en-US"/>
           </a:p>
         </p:txBody>
       </p:sp>
@@ -3255,10 +2810,9 @@
           </a:lstStyle>
           <a:p>
             <a:r>
-              <a:rPr lang="en-US" smtClean="0"/>
+              <a:rPr lang="en-US"/>
               <a:t>Click to edit Master title style</a:t>
             </a:r>
-            <a:endParaRPr lang="en-US"/>
           </a:p>
         </p:txBody>
       </p:sp>
@@ -3312,38 +2866,37 @@
           <a:p>
             <a:pPr lvl="0"/>
             <a:r>
-              <a:rPr lang="en-US" smtClean="0"/>
+              <a:rPr lang="en-US"/>
               <a:t>Click to edit Master text styles</a:t>
             </a:r>
           </a:p>
           <a:p>
             <a:pPr lvl="1"/>
             <a:r>
-              <a:rPr lang="en-US" smtClean="0"/>
+              <a:rPr lang="en-US"/>
               <a:t>Second level</a:t>
             </a:r>
           </a:p>
           <a:p>
             <a:pPr lvl="2"/>
             <a:r>
-              <a:rPr lang="en-US" smtClean="0"/>
+              <a:rPr lang="en-US"/>
               <a:t>Third level</a:t>
             </a:r>
           </a:p>
           <a:p>
             <a:pPr lvl="3"/>
             <a:r>
-              <a:rPr lang="en-US" smtClean="0"/>
+              <a:rPr lang="en-US"/>
               <a:t>Fourth level</a:t>
             </a:r>
           </a:p>
           <a:p>
             <a:pPr lvl="4"/>
             <a:r>
-              <a:rPr lang="en-US" smtClean="0"/>
+              <a:rPr lang="en-US"/>
               <a:t>Fifth level</a:t>
             </a:r>
-            <a:endParaRPr lang="en-US"/>
           </a:p>
         </p:txBody>
       </p:sp>
@@ -3406,7 +2959,7 @@
           <a:p>
             <a:pPr lvl="0"/>
             <a:r>
-              <a:rPr lang="en-US" smtClean="0"/>
+              <a:rPr lang="en-US"/>
               <a:t>Click to edit Master text styles</a:t>
             </a:r>
           </a:p>
@@ -3467,10 +3020,9 @@
           </a:lstStyle>
           <a:p>
             <a:r>
-              <a:rPr lang="en-US" smtClean="0"/>
+              <a:rPr lang="en-US"/>
               <a:t>Click to edit Master title style</a:t>
             </a:r>
-            <a:endParaRPr lang="en-US"/>
           </a:p>
         </p:txBody>
       </p:sp>
@@ -3594,7 +3146,7 @@
           <a:p>
             <a:pPr lvl="0"/>
             <a:r>
-              <a:rPr lang="en-US" smtClean="0"/>
+              <a:rPr lang="en-US"/>
               <a:t>Click to edit Master text styles</a:t>
             </a:r>
           </a:p>
@@ -3661,10 +3213,9 @@
           <a:lstStyle/>
           <a:p>
             <a:r>
-              <a:rPr lang="en-US" smtClean="0"/>
+              <a:rPr lang="en-US"/>
               <a:t>Click to edit Master title style</a:t>
             </a:r>
-            <a:endParaRPr lang="en-US"/>
           </a:p>
         </p:txBody>
       </p:sp>
@@ -3695,38 +3246,37 @@
           <a:p>
             <a:pPr lvl="0"/>
             <a:r>
-              <a:rPr lang="en-US" smtClean="0"/>
+              <a:rPr lang="en-US"/>
               <a:t>Click to edit Master text styles</a:t>
             </a:r>
           </a:p>
           <a:p>
             <a:pPr lvl="1"/>
             <a:r>
-              <a:rPr lang="en-US" smtClean="0"/>
+              <a:rPr lang="en-US"/>
               <a:t>Second level</a:t>
             </a:r>
           </a:p>
           <a:p>
             <a:pPr lvl="2"/>
             <a:r>
-              <a:rPr lang="en-US" smtClean="0"/>
+              <a:rPr lang="en-US"/>
               <a:t>Third level</a:t>
             </a:r>
           </a:p>
           <a:p>
             <a:pPr lvl="3"/>
             <a:r>
-              <a:rPr lang="en-US" smtClean="0"/>
+              <a:rPr lang="en-US"/>
               <a:t>Fourth level</a:t>
             </a:r>
           </a:p>
           <a:p>
             <a:pPr lvl="4"/>
             <a:r>
-              <a:rPr lang="en-US" smtClean="0"/>
+              <a:rPr lang="en-US"/>
               <a:t>Fifth level</a:t>
             </a:r>
-            <a:endParaRPr lang="en-US"/>
           </a:p>
         </p:txBody>
       </p:sp>
@@ -4151,10 +3701,9 @@
           <a:lstStyle/>
           <a:p>
             <a:r>
-              <a:rPr lang="en-US" sz="3600" dirty="0" smtClean="0"/>
+              <a:rPr lang="en-US" sz="3600" dirty="0"/>
               <a:t>Software Engineering for Data Scientists</a:t>
             </a:r>
-            <a:endParaRPr lang="en-US" sz="3600" dirty="0"/>
           </a:p>
         </p:txBody>
       </p:sp>
@@ -4181,24 +3730,23 @@
           <a:lstStyle/>
           <a:p>
             <a:r>
-              <a:rPr lang="en-US" dirty="0" smtClean="0"/>
+              <a:rPr lang="en-US" dirty="0"/>
               <a:t>David A. C. Beck (dacb)</a:t>
             </a:r>
           </a:p>
           <a:p>
             <a:r>
-              <a:rPr lang="en-US" dirty="0" smtClean="0"/>
+              <a:rPr lang="en-US" dirty="0"/>
               <a:t>Chemical Engineering &amp; </a:t>
             </a:r>
             <a:r>
-              <a:rPr lang="en-US" dirty="0" err="1" smtClean="0"/>
+              <a:rPr lang="en-US" dirty="0" err="1"/>
               <a:t>eScience</a:t>
             </a:r>
             <a:r>
-              <a:rPr lang="en-US" dirty="0" smtClean="0"/>
+              <a:rPr lang="en-US" dirty="0"/>
               <a:t> Institute</a:t>
             </a:r>
-            <a:endParaRPr lang="en-US" dirty="0"/>
           </a:p>
         </p:txBody>
       </p:sp>
@@ -4273,14 +3821,13 @@
           <a:p>
             <a:pPr algn="ctr"/>
             <a:r>
-              <a:rPr lang="en-US" smtClean="0"/>
+              <a:rPr lang="en-US"/>
               <a:t>Advancing data-intensive </a:t>
             </a:r>
             <a:r>
-              <a:rPr lang="en-US" dirty="0" smtClean="0"/>
+              <a:rPr lang="en-US" dirty="0"/>
               <a:t>discovery in all fields</a:t>
             </a:r>
-            <a:endParaRPr lang="en-US" dirty="0"/>
           </a:p>
         </p:txBody>
       </p:sp>
@@ -4410,10 +3957,9 @@
           <a:p>
             <a:pPr algn="ctr"/>
             <a:r>
-              <a:rPr lang="en-US" dirty="0" smtClean="0"/>
+              <a:rPr lang="en-US" dirty="0"/>
               <a:t>Be boundless</a:t>
             </a:r>
-            <a:endParaRPr lang="en-US" dirty="0"/>
           </a:p>
         </p:txBody>
       </p:sp>
@@ -4574,13 +4120,13 @@
           </a:lstStyle>
           <a:p>
             <a:r>
-              <a:rPr lang="en-US" sz="3600" dirty="0" smtClean="0"/>
+              <a:rPr lang="en-US" sz="3600" dirty="0"/>
               <a:t>UW DIRECT</a:t>
             </a:r>
           </a:p>
           <a:p>
             <a:r>
-              <a:rPr lang="en-US" sz="2400" dirty="0" smtClean="0"/>
+              <a:rPr lang="en-US" sz="2400" dirty="0"/>
               <a:t>() </a:t>
             </a:r>
           </a:p>
@@ -4589,15 +4135,9 @@
               <a:rPr lang="en-US" sz="3600" dirty="0">
                 <a:hlinkClick r:id="rId6"/>
               </a:rPr>
-              <a:t>https://</a:t>
-            </a:r>
-            <a:r>
-              <a:rPr lang="en-US" sz="3600" dirty="0" smtClean="0">
-                <a:hlinkClick r:id="rId6"/>
-              </a:rPr>
-              <a:t>uwdirect.github.io</a:t>
-            </a:r>
-            <a:endParaRPr lang="en-US" sz="3600" dirty="0" smtClean="0"/>
+              <a:t>https://uwdirect.github.io</a:t>
+            </a:r>
+            <a:endParaRPr lang="en-US" sz="3600" dirty="0"/>
           </a:p>
         </p:txBody>
       </p:sp>
@@ -4611,13 +4151,6 @@
   <p:clrMapOvr>
     <a:masterClrMapping/>
   </p:clrMapOvr>
-  <p:timing>
-    <p:tnLst>
-      <p:par>
-        <p:cTn id="1" dur="indefinite" restart="never" nodeType="tmRoot"/>
-      </p:par>
-    </p:tnLst>
-  </p:timing>
 </p:sld>
 </file>
 
@@ -4626,7 +4159,7 @@
   <p:cSld>
     <p:spTree>
       <p:nvGrpSpPr>
-        <p:cNvPr id="1" name="Shape 372"/>
+        <p:cNvPr id="1" name="Shape 411"/>
         <p:cNvGrpSpPr/>
         <p:nvPr/>
       </p:nvGrpSpPr>
@@ -4640,7 +4173,7 @@
       </p:grpSpPr>
       <p:sp>
         <p:nvSpPr>
-          <p:cNvPr id="373" name="Shape 373"/>
+          <p:cNvPr id="412" name="Shape 412"/>
           <p:cNvSpPr txBox="1">
             <a:spLocks noGrp="1"/>
           </p:cNvSpPr>
@@ -4685,1423 +4218,7 @@
               <a:buNone/>
             </a:pPr>
             <a:r>
-              <a:rPr lang="en-US" sz="3600" b="1" i="0" u="none" strike="noStrike" cap="none">
-                <a:solidFill>
-                  <a:schemeClr val="dk1"/>
-                </a:solidFill>
-                <a:latin typeface="Calibri"/>
-                <a:ea typeface="Calibri"/>
-                <a:cs typeface="Calibri"/>
-                <a:sym typeface="Calibri"/>
-              </a:rPr>
-              <a:t>Technology Review Template</a:t>
-            </a:r>
-          </a:p>
-        </p:txBody>
-      </p:sp>
-      <p:sp>
-        <p:nvSpPr>
-          <p:cNvPr id="374" name="Shape 374"/>
-          <p:cNvSpPr txBox="1">
-            <a:spLocks noGrp="1"/>
-          </p:cNvSpPr>
-          <p:nvPr>
-            <p:ph type="body" idx="1"/>
-          </p:nvPr>
-        </p:nvSpPr>
-        <p:spPr>
-          <a:xfrm>
-            <a:off x="457200" y="1519516"/>
-            <a:ext cx="8229600" cy="1066799"/>
-          </a:xfrm>
-          <a:prstGeom prst="rect">
-            <a:avLst/>
-          </a:prstGeom>
-          <a:noFill/>
-          <a:ln>
-            <a:noFill/>
-          </a:ln>
-        </p:spPr>
-        <p:txBody>
-          <a:bodyPr lIns="91425" tIns="45700" rIns="91425" bIns="45700" anchor="t" anchorCtr="0">
-            <a:noAutofit/>
-          </a:bodyPr>
-          <a:lstStyle/>
-          <a:p>
-            <a:pPr marL="342900" marR="0" lvl="0" indent="-342900" algn="l" rtl="0">
-              <a:lnSpc>
-                <a:spcPct val="100000"/>
-              </a:lnSpc>
-              <a:spcBef>
-                <a:spcPts val="0"/>
-              </a:spcBef>
-              <a:spcAft>
-                <a:spcPts val="0"/>
-              </a:spcAft>
-              <a:buClr>
-                <a:schemeClr val="dk1"/>
-              </a:buClr>
-              <a:buSzPct val="100000"/>
-              <a:buFont typeface="Arial"/>
-              <a:buChar char="•"/>
-            </a:pPr>
-            <a:r>
-              <a:rPr lang="en-US" sz="2800" b="0" i="0" u="none" dirty="0">
-                <a:solidFill>
-                  <a:schemeClr val="dk1"/>
-                </a:solidFill>
-                <a:latin typeface="Calibri"/>
-                <a:ea typeface="Calibri"/>
-                <a:cs typeface="Calibri"/>
-                <a:sym typeface="Calibri"/>
-              </a:rPr>
-              <a:t>Why technology reviews?</a:t>
-            </a:r>
-          </a:p>
-          <a:p>
-            <a:pPr marL="742950" marR="0" lvl="1" indent="-285750" algn="l" rtl="0">
-              <a:lnSpc>
-                <a:spcPct val="100000"/>
-              </a:lnSpc>
-              <a:spcBef>
-                <a:spcPts val="480"/>
-              </a:spcBef>
-              <a:spcAft>
-                <a:spcPts val="0"/>
-              </a:spcAft>
-              <a:buClr>
-                <a:schemeClr val="dk1"/>
-              </a:buClr>
-              <a:buSzPct val="100000"/>
-              <a:buFont typeface="Arial"/>
-              <a:buChar char="–"/>
-            </a:pPr>
-            <a:r>
-              <a:rPr lang="en-US" sz="2400" b="0" i="0" u="none" strike="noStrike" cap="none" dirty="0" smtClean="0">
-                <a:solidFill>
-                  <a:schemeClr val="dk1"/>
-                </a:solidFill>
-                <a:latin typeface="Calibri"/>
-                <a:ea typeface="Calibri"/>
-                <a:cs typeface="Calibri"/>
-                <a:sym typeface="Calibri"/>
-              </a:rPr>
-              <a:t>Evaluate a package for deployment in a project</a:t>
-            </a:r>
-            <a:endParaRPr lang="en-US" sz="2400" b="0" i="0" u="none" strike="noStrike" cap="none" dirty="0">
-              <a:solidFill>
-                <a:schemeClr val="dk1"/>
-              </a:solidFill>
-              <a:latin typeface="Calibri"/>
-              <a:ea typeface="Calibri"/>
-              <a:cs typeface="Calibri"/>
-              <a:sym typeface="Calibri"/>
-            </a:endParaRPr>
-          </a:p>
-        </p:txBody>
-      </p:sp>
-      <p:sp>
-        <p:nvSpPr>
-          <p:cNvPr id="376" name="Shape 376"/>
-          <p:cNvSpPr txBox="1"/>
-          <p:nvPr/>
-        </p:nvSpPr>
-        <p:spPr>
-          <a:xfrm>
-            <a:off x="457200" y="2891116"/>
-            <a:ext cx="8229600" cy="3200399"/>
-          </a:xfrm>
-          <a:prstGeom prst="rect">
-            <a:avLst/>
-          </a:prstGeom>
-          <a:solidFill>
-            <a:srgbClr val="D9D9D9"/>
-          </a:solidFill>
-          <a:ln>
-            <a:noFill/>
-          </a:ln>
-        </p:spPr>
-        <p:txBody>
-          <a:bodyPr lIns="91425" tIns="45700" rIns="91425" bIns="45700" anchor="t" anchorCtr="0">
-            <a:noAutofit/>
-          </a:bodyPr>
-          <a:lstStyle/>
-          <a:p>
-            <a:pPr marL="342900" marR="0" lvl="0" indent="-342900" algn="l" rtl="0">
-              <a:lnSpc>
-                <a:spcPct val="100000"/>
-              </a:lnSpc>
-              <a:spcBef>
-                <a:spcPts val="0"/>
-              </a:spcBef>
-              <a:spcAft>
-                <a:spcPts val="0"/>
-              </a:spcAft>
-              <a:buClr>
-                <a:schemeClr val="dk1"/>
-              </a:buClr>
-              <a:buSzPct val="100000"/>
-              <a:buFont typeface="Arial"/>
-              <a:buChar char="•"/>
-            </a:pPr>
-            <a:r>
-              <a:rPr lang="en-US" sz="2800" b="0" i="0" u="none" dirty="0">
-                <a:solidFill>
-                  <a:schemeClr val="dk1"/>
-                </a:solidFill>
-                <a:latin typeface="Calibri"/>
-                <a:ea typeface="Calibri"/>
-                <a:cs typeface="Calibri"/>
-                <a:sym typeface="Calibri"/>
-              </a:rPr>
-              <a:t>Background</a:t>
-            </a:r>
-          </a:p>
-          <a:p>
-            <a:pPr marL="742950" marR="0" lvl="1" indent="-285750" algn="l" rtl="0">
-              <a:lnSpc>
-                <a:spcPct val="100000"/>
-              </a:lnSpc>
-              <a:spcBef>
-                <a:spcPts val="480"/>
-              </a:spcBef>
-              <a:spcAft>
-                <a:spcPts val="0"/>
-              </a:spcAft>
-              <a:buClr>
-                <a:schemeClr val="dk1"/>
-              </a:buClr>
-              <a:buSzPct val="100000"/>
-              <a:buFont typeface="Arial"/>
-              <a:buChar char="–"/>
-            </a:pPr>
-            <a:r>
-              <a:rPr lang="en-US" sz="2400" b="0" i="0" u="none" strike="noStrike" cap="none" dirty="0">
-                <a:solidFill>
-                  <a:schemeClr val="dk1"/>
-                </a:solidFill>
-                <a:latin typeface="Calibri"/>
-                <a:ea typeface="Calibri"/>
-                <a:cs typeface="Calibri"/>
-                <a:sym typeface="Calibri"/>
-              </a:rPr>
-              <a:t>Requirements that indicate a need for the proposed package</a:t>
-            </a:r>
-          </a:p>
-          <a:p>
-            <a:pPr marL="342900" marR="0" lvl="0" indent="-342900" algn="l" rtl="0">
-              <a:lnSpc>
-                <a:spcPct val="100000"/>
-              </a:lnSpc>
-              <a:spcBef>
-                <a:spcPts val="560"/>
-              </a:spcBef>
-              <a:spcAft>
-                <a:spcPts val="0"/>
-              </a:spcAft>
-              <a:buClr>
-                <a:schemeClr val="dk1"/>
-              </a:buClr>
-              <a:buSzPct val="100000"/>
-              <a:buFont typeface="Arial"/>
-              <a:buChar char="•"/>
-            </a:pPr>
-            <a:r>
-              <a:rPr lang="en-US" sz="2800" b="0" i="0" u="none" dirty="0">
-                <a:solidFill>
-                  <a:schemeClr val="dk1"/>
-                </a:solidFill>
-                <a:latin typeface="Calibri"/>
-                <a:ea typeface="Calibri"/>
-                <a:cs typeface="Calibri"/>
-                <a:sym typeface="Calibri"/>
-              </a:rPr>
-              <a:t>Discuss</a:t>
-            </a:r>
-          </a:p>
-          <a:p>
-            <a:pPr marL="742950" marR="0" lvl="1" indent="-285750" algn="l" rtl="0">
-              <a:lnSpc>
-                <a:spcPct val="100000"/>
-              </a:lnSpc>
-              <a:spcBef>
-                <a:spcPts val="480"/>
-              </a:spcBef>
-              <a:spcAft>
-                <a:spcPts val="0"/>
-              </a:spcAft>
-              <a:buClr>
-                <a:schemeClr val="dk1"/>
-              </a:buClr>
-              <a:buSzPct val="100000"/>
-              <a:buFont typeface="Arial"/>
-              <a:buChar char="–"/>
-            </a:pPr>
-            <a:r>
-              <a:rPr lang="en-US" sz="2400" b="0" i="0" u="none" strike="noStrike" cap="none" dirty="0">
-                <a:solidFill>
-                  <a:schemeClr val="dk1"/>
-                </a:solidFill>
-                <a:latin typeface="Calibri"/>
-                <a:ea typeface="Calibri"/>
-                <a:cs typeface="Calibri"/>
-                <a:sym typeface="Calibri"/>
-              </a:rPr>
-              <a:t>How the package works</a:t>
-            </a:r>
-          </a:p>
-          <a:p>
-            <a:pPr marL="742950" marR="0" lvl="1" indent="-285750" algn="l" rtl="0">
-              <a:lnSpc>
-                <a:spcPct val="100000"/>
-              </a:lnSpc>
-              <a:spcBef>
-                <a:spcPts val="480"/>
-              </a:spcBef>
-              <a:spcAft>
-                <a:spcPts val="0"/>
-              </a:spcAft>
-              <a:buClr>
-                <a:schemeClr val="dk1"/>
-              </a:buClr>
-              <a:buSzPct val="100000"/>
-              <a:buFont typeface="Arial"/>
-              <a:buChar char="–"/>
-            </a:pPr>
-            <a:r>
-              <a:rPr lang="en-US" sz="2400" b="0" i="0" u="none" strike="noStrike" cap="none" dirty="0">
-                <a:solidFill>
-                  <a:schemeClr val="dk1"/>
-                </a:solidFill>
-                <a:latin typeface="Calibri"/>
-                <a:ea typeface="Calibri"/>
-                <a:cs typeface="Calibri"/>
-                <a:sym typeface="Calibri"/>
-              </a:rPr>
-              <a:t>Appeal of using the package</a:t>
-            </a:r>
-          </a:p>
-          <a:p>
-            <a:pPr marL="742950" marR="0" lvl="1" indent="-285750" algn="l" rtl="0">
-              <a:lnSpc>
-                <a:spcPct val="100000"/>
-              </a:lnSpc>
-              <a:spcBef>
-                <a:spcPts val="480"/>
-              </a:spcBef>
-              <a:spcAft>
-                <a:spcPts val="0"/>
-              </a:spcAft>
-              <a:buClr>
-                <a:schemeClr val="dk1"/>
-              </a:buClr>
-              <a:buSzPct val="100000"/>
-              <a:buFont typeface="Arial"/>
-              <a:buChar char="–"/>
-            </a:pPr>
-            <a:r>
-              <a:rPr lang="en-US" sz="2400" b="0" i="0" u="none" strike="noStrike" cap="none" dirty="0">
-                <a:solidFill>
-                  <a:schemeClr val="dk1"/>
-                </a:solidFill>
-                <a:latin typeface="Calibri"/>
-                <a:ea typeface="Calibri"/>
-                <a:cs typeface="Calibri"/>
-                <a:sym typeface="Calibri"/>
-              </a:rPr>
-              <a:t>Drawbacks of using the package</a:t>
-            </a:r>
-          </a:p>
-        </p:txBody>
-      </p:sp>
-    </p:spTree>
-    <p:extLst>
-      <p:ext uri="{BB962C8B-B14F-4D97-AF65-F5344CB8AC3E}">
-        <p14:creationId xmlns:p14="http://schemas.microsoft.com/office/powerpoint/2010/main" val="1104241747"/>
-      </p:ext>
-    </p:extLst>
-  </p:cSld>
-  <p:clrMapOvr>
-    <a:masterClrMapping/>
-  </p:clrMapOvr>
-</p:sld>
-</file>
-
-<file path=ppt/slides/slide11.xml><?xml version="1.0" encoding="utf-8"?>
-<p:sld xmlns:a="http://schemas.openxmlformats.org/drawingml/2006/main" xmlns:r="http://schemas.openxmlformats.org/officeDocument/2006/relationships" xmlns:p="http://schemas.openxmlformats.org/presentationml/2006/main">
-  <p:cSld>
-    <p:spTree>
-      <p:nvGrpSpPr>
-        <p:cNvPr id="1" name="Shape 372"/>
-        <p:cNvGrpSpPr/>
-        <p:nvPr/>
-      </p:nvGrpSpPr>
-      <p:grpSpPr>
-        <a:xfrm>
-          <a:off x="0" y="0"/>
-          <a:ext cx="0" cy="0"/>
-          <a:chOff x="0" y="0"/>
-          <a:chExt cx="0" cy="0"/>
-        </a:xfrm>
-      </p:grpSpPr>
-      <p:sp>
-        <p:nvSpPr>
-          <p:cNvPr id="373" name="Shape 373"/>
-          <p:cNvSpPr txBox="1">
-            <a:spLocks noGrp="1"/>
-          </p:cNvSpPr>
-          <p:nvPr>
-            <p:ph type="title"/>
-          </p:nvPr>
-        </p:nvSpPr>
-        <p:spPr>
-          <a:xfrm>
-            <a:off x="457200" y="381000"/>
-            <a:ext cx="8229600" cy="838199"/>
-          </a:xfrm>
-          <a:prstGeom prst="rect">
-            <a:avLst/>
-          </a:prstGeom>
-          <a:noFill/>
-          <a:ln>
-            <a:noFill/>
-          </a:ln>
-        </p:spPr>
-        <p:txBody>
-          <a:bodyPr lIns="91425" tIns="45700" rIns="91425" bIns="45700" anchor="t" anchorCtr="0">
-            <a:noAutofit/>
-          </a:bodyPr>
-          <a:lstStyle/>
-          <a:p>
-            <a:pPr marL="0" marR="0" lvl="0" indent="0" algn="ctr" rtl="0">
-              <a:lnSpc>
-                <a:spcPct val="100000"/>
-              </a:lnSpc>
-              <a:spcBef>
-                <a:spcPts val="0"/>
-              </a:spcBef>
-              <a:spcAft>
-                <a:spcPts val="0"/>
-              </a:spcAft>
-              <a:buClr>
-                <a:schemeClr val="dk1"/>
-              </a:buClr>
-              <a:buSzPct val="25000"/>
-              <a:buFont typeface="Calibri"/>
-              <a:buNone/>
-            </a:pPr>
-            <a:r>
-              <a:rPr lang="en-US" sz="3600" b="1" i="0" u="none" strike="noStrike" cap="none" dirty="0">
-                <a:solidFill>
-                  <a:schemeClr val="dk1"/>
-                </a:solidFill>
-                <a:latin typeface="Calibri"/>
-                <a:ea typeface="Calibri"/>
-                <a:cs typeface="Calibri"/>
-                <a:sym typeface="Calibri"/>
-              </a:rPr>
-              <a:t>Technology </a:t>
-            </a:r>
-            <a:r>
-              <a:rPr lang="en-US" sz="3600" b="1" i="0" u="none" strike="noStrike" cap="none" dirty="0" smtClean="0">
-                <a:solidFill>
-                  <a:schemeClr val="dk1"/>
-                </a:solidFill>
-                <a:latin typeface="Calibri"/>
-                <a:ea typeface="Calibri"/>
-                <a:cs typeface="Calibri"/>
-                <a:sym typeface="Calibri"/>
-              </a:rPr>
-              <a:t>Review: NEXT WEEK</a:t>
-            </a:r>
-            <a:endParaRPr lang="en-US" sz="3600" b="1" i="0" u="none" strike="noStrike" cap="none" dirty="0">
-              <a:solidFill>
-                <a:schemeClr val="dk1"/>
-              </a:solidFill>
-              <a:latin typeface="Calibri"/>
-              <a:ea typeface="Calibri"/>
-              <a:cs typeface="Calibri"/>
-              <a:sym typeface="Calibri"/>
-            </a:endParaRPr>
-          </a:p>
-        </p:txBody>
-      </p:sp>
-      <p:sp>
-        <p:nvSpPr>
-          <p:cNvPr id="374" name="Shape 374"/>
-          <p:cNvSpPr txBox="1">
-            <a:spLocks noGrp="1"/>
-          </p:cNvSpPr>
-          <p:nvPr>
-            <p:ph type="body" idx="1"/>
-          </p:nvPr>
-        </p:nvSpPr>
-        <p:spPr>
-          <a:xfrm>
-            <a:off x="457200" y="1519516"/>
-            <a:ext cx="8229600" cy="4988860"/>
-          </a:xfrm>
-          <a:prstGeom prst="rect">
-            <a:avLst/>
-          </a:prstGeom>
-          <a:noFill/>
-          <a:ln>
-            <a:noFill/>
-          </a:ln>
-        </p:spPr>
-        <p:txBody>
-          <a:bodyPr lIns="91425" tIns="45700" rIns="91425" bIns="45700" anchor="t" anchorCtr="0">
-            <a:noAutofit/>
-          </a:bodyPr>
-          <a:lstStyle/>
-          <a:p>
-            <a:pPr marL="342900" marR="0" lvl="0" indent="-342900" algn="l" rtl="0">
-              <a:lnSpc>
-                <a:spcPct val="100000"/>
-              </a:lnSpc>
-              <a:spcBef>
-                <a:spcPts val="0"/>
-              </a:spcBef>
-              <a:spcAft>
-                <a:spcPts val="0"/>
-              </a:spcAft>
-              <a:buClr>
-                <a:schemeClr val="dk1"/>
-              </a:buClr>
-              <a:buSzPct val="100000"/>
-              <a:buFont typeface="Arial"/>
-              <a:buChar char="•"/>
-            </a:pPr>
-            <a:r>
-              <a:rPr lang="en-US" sz="2800" dirty="0" smtClean="0">
-                <a:solidFill>
-                  <a:schemeClr val="dk1"/>
-                </a:solidFill>
-                <a:latin typeface="Calibri"/>
-                <a:ea typeface="Calibri"/>
-                <a:cs typeface="Calibri"/>
-                <a:sym typeface="Calibri"/>
-              </a:rPr>
-              <a:t>Next Wed. every project will present</a:t>
-            </a:r>
-          </a:p>
-          <a:p>
-            <a:pPr lvl="1" indent="-342900">
-              <a:spcBef>
-                <a:spcPts val="0"/>
-              </a:spcBef>
-              <a:buClr>
-                <a:schemeClr val="dk1"/>
-              </a:buClr>
-              <a:buSzPct val="100000"/>
-              <a:buFont typeface="Arial"/>
-              <a:buChar char="•"/>
-            </a:pPr>
-            <a:r>
-              <a:rPr lang="en-US" sz="2400" dirty="0">
-                <a:solidFill>
-                  <a:schemeClr val="dk1"/>
-                </a:solidFill>
-                <a:latin typeface="Calibri"/>
-                <a:ea typeface="Calibri"/>
-                <a:cs typeface="Calibri"/>
-                <a:sym typeface="Calibri"/>
-              </a:rPr>
-              <a:t>M</a:t>
-            </a:r>
-            <a:r>
-              <a:rPr lang="en-US" sz="2400" dirty="0" smtClean="0">
-                <a:solidFill>
-                  <a:schemeClr val="dk1"/>
-                </a:solidFill>
-                <a:latin typeface="Calibri"/>
-                <a:ea typeface="Calibri"/>
-                <a:cs typeface="Calibri"/>
-                <a:sym typeface="Calibri"/>
-              </a:rPr>
-              <a:t>ax 15 minutes </a:t>
-            </a:r>
-            <a:r>
-              <a:rPr lang="mr-IN" sz="2400" dirty="0" smtClean="0">
-                <a:solidFill>
-                  <a:schemeClr val="dk1"/>
-                </a:solidFill>
-                <a:latin typeface="Calibri"/>
-                <a:ea typeface="Calibri"/>
-                <a:cs typeface="Calibri"/>
-                <a:sym typeface="Calibri"/>
-              </a:rPr>
-              <a:t>–</a:t>
-            </a:r>
-            <a:r>
-              <a:rPr lang="en-US" sz="2400" dirty="0" smtClean="0">
-                <a:solidFill>
-                  <a:schemeClr val="dk1"/>
-                </a:solidFill>
-                <a:latin typeface="Calibri"/>
-                <a:ea typeface="Calibri"/>
-                <a:cs typeface="Calibri"/>
-                <a:sym typeface="Calibri"/>
-              </a:rPr>
-              <a:t> I will cut you off</a:t>
-            </a:r>
-          </a:p>
-          <a:p>
-            <a:pPr marL="342900" marR="0" lvl="0" indent="-342900" algn="l" rtl="0">
-              <a:lnSpc>
-                <a:spcPct val="100000"/>
-              </a:lnSpc>
-              <a:spcBef>
-                <a:spcPts val="0"/>
-              </a:spcBef>
-              <a:spcAft>
-                <a:spcPts val="0"/>
-              </a:spcAft>
-              <a:buClr>
-                <a:schemeClr val="dk1"/>
-              </a:buClr>
-              <a:buSzPct val="100000"/>
-              <a:buFont typeface="Arial"/>
-              <a:buChar char="•"/>
-            </a:pPr>
-            <a:endParaRPr lang="en-US" sz="2800" dirty="0" smtClean="0">
-              <a:solidFill>
-                <a:schemeClr val="dk1"/>
-              </a:solidFill>
-              <a:latin typeface="Calibri"/>
-              <a:ea typeface="Calibri"/>
-              <a:cs typeface="Calibri"/>
-              <a:sym typeface="Calibri"/>
-            </a:endParaRPr>
-          </a:p>
-          <a:p>
-            <a:pPr marL="342900" marR="0" lvl="0" indent="-342900" algn="l" rtl="0">
-              <a:lnSpc>
-                <a:spcPct val="100000"/>
-              </a:lnSpc>
-              <a:spcBef>
-                <a:spcPts val="0"/>
-              </a:spcBef>
-              <a:spcAft>
-                <a:spcPts val="0"/>
-              </a:spcAft>
-              <a:buClr>
-                <a:schemeClr val="dk1"/>
-              </a:buClr>
-              <a:buSzPct val="100000"/>
-              <a:buFont typeface="Arial"/>
-              <a:buChar char="•"/>
-            </a:pPr>
-            <a:r>
-              <a:rPr lang="en-US" sz="2800" b="0" i="0" u="none" strike="noStrike" cap="none" dirty="0" smtClean="0">
-                <a:solidFill>
-                  <a:schemeClr val="dk1"/>
-                </a:solidFill>
-                <a:latin typeface="Calibri"/>
-                <a:ea typeface="Calibri"/>
-                <a:cs typeface="Calibri"/>
-                <a:sym typeface="Calibri"/>
-              </a:rPr>
-              <a:t>Everyone in the team will speak</a:t>
-            </a:r>
-          </a:p>
-          <a:p>
-            <a:pPr lvl="1" indent="-342900">
-              <a:spcBef>
-                <a:spcPts val="0"/>
-              </a:spcBef>
-              <a:buClr>
-                <a:schemeClr val="dk1"/>
-              </a:buClr>
-              <a:buSzPct val="100000"/>
-              <a:buFont typeface="Arial"/>
-              <a:buChar char="•"/>
-            </a:pPr>
-            <a:r>
-              <a:rPr lang="en-US" sz="2000" dirty="0" smtClean="0">
-                <a:solidFill>
-                  <a:schemeClr val="dk1"/>
-                </a:solidFill>
-                <a:latin typeface="Calibri"/>
-                <a:ea typeface="Calibri"/>
-                <a:cs typeface="Calibri"/>
-                <a:sym typeface="Calibri"/>
-              </a:rPr>
-              <a:t>Background</a:t>
-            </a:r>
-          </a:p>
-          <a:p>
-            <a:pPr lvl="1" indent="-342900">
-              <a:spcBef>
-                <a:spcPts val="0"/>
-              </a:spcBef>
-              <a:buClr>
-                <a:schemeClr val="dk1"/>
-              </a:buClr>
-              <a:buSzPct val="100000"/>
-              <a:buFont typeface="Arial"/>
-              <a:buChar char="•"/>
-            </a:pPr>
-            <a:r>
-              <a:rPr lang="en-US" sz="2000" b="0" i="0" u="none" strike="noStrike" cap="none" dirty="0" smtClean="0">
-                <a:solidFill>
-                  <a:schemeClr val="dk1"/>
-                </a:solidFill>
-                <a:latin typeface="Calibri"/>
-                <a:ea typeface="Calibri"/>
-                <a:cs typeface="Calibri"/>
-                <a:sym typeface="Calibri"/>
-              </a:rPr>
-              <a:t>How it works</a:t>
-            </a:r>
-          </a:p>
-          <a:p>
-            <a:pPr lvl="1" indent="-342900">
-              <a:spcBef>
-                <a:spcPts val="0"/>
-              </a:spcBef>
-              <a:buClr>
-                <a:schemeClr val="dk1"/>
-              </a:buClr>
-              <a:buSzPct val="100000"/>
-              <a:buFont typeface="Arial"/>
-              <a:buChar char="•"/>
-            </a:pPr>
-            <a:r>
-              <a:rPr lang="en-US" sz="2000" dirty="0" smtClean="0">
-                <a:solidFill>
-                  <a:schemeClr val="dk1"/>
-                </a:solidFill>
-                <a:latin typeface="Calibri"/>
-                <a:ea typeface="Calibri"/>
-                <a:cs typeface="Calibri"/>
-                <a:sym typeface="Calibri"/>
-              </a:rPr>
-              <a:t>Appeal</a:t>
-            </a:r>
-          </a:p>
-          <a:p>
-            <a:pPr lvl="1" indent="-342900">
-              <a:spcBef>
-                <a:spcPts val="0"/>
-              </a:spcBef>
-              <a:buClr>
-                <a:schemeClr val="dk1"/>
-              </a:buClr>
-              <a:buSzPct val="100000"/>
-              <a:buFont typeface="Arial"/>
-              <a:buChar char="•"/>
-            </a:pPr>
-            <a:r>
-              <a:rPr lang="en-US" sz="2000" b="0" i="0" u="none" strike="noStrike" cap="none" dirty="0" smtClean="0">
-                <a:solidFill>
-                  <a:schemeClr val="dk1"/>
-                </a:solidFill>
-                <a:latin typeface="Calibri"/>
-                <a:ea typeface="Calibri"/>
-                <a:cs typeface="Calibri"/>
-                <a:sym typeface="Calibri"/>
-              </a:rPr>
-              <a:t>Drawbacks</a:t>
-            </a:r>
-          </a:p>
-          <a:p>
-            <a:pPr lvl="1" indent="-342900">
-              <a:spcBef>
-                <a:spcPts val="0"/>
-              </a:spcBef>
-              <a:buClr>
-                <a:schemeClr val="dk1"/>
-              </a:buClr>
-              <a:buSzPct val="100000"/>
-              <a:buFont typeface="Arial"/>
-              <a:buChar char="•"/>
-            </a:pPr>
-            <a:endParaRPr lang="en-US" sz="2000" dirty="0">
-              <a:solidFill>
-                <a:schemeClr val="dk1"/>
-              </a:solidFill>
-              <a:latin typeface="Calibri"/>
-              <a:ea typeface="Calibri"/>
-              <a:cs typeface="Calibri"/>
-              <a:sym typeface="Calibri"/>
-            </a:endParaRPr>
-          </a:p>
-          <a:p>
-            <a:pPr>
-              <a:spcBef>
-                <a:spcPts val="0"/>
-              </a:spcBef>
-              <a:buClr>
-                <a:schemeClr val="dk1"/>
-              </a:buClr>
-              <a:buSzPct val="100000"/>
-            </a:pPr>
-            <a:r>
-              <a:rPr lang="en-US" sz="2400" b="0" i="0" u="none" strike="noStrike" cap="none" dirty="0" smtClean="0">
-                <a:solidFill>
-                  <a:schemeClr val="dk1"/>
-                </a:solidFill>
-                <a:latin typeface="Calibri"/>
-                <a:ea typeface="Calibri"/>
-                <a:cs typeface="Calibri"/>
-                <a:sym typeface="Calibri"/>
-              </a:rPr>
-              <a:t>Things to think about, as a starting point:</a:t>
-            </a:r>
-          </a:p>
-          <a:p>
-            <a:pPr lvl="1">
-              <a:spcBef>
-                <a:spcPts val="0"/>
-              </a:spcBef>
-              <a:buClr>
-                <a:schemeClr val="dk1"/>
-              </a:buClr>
-              <a:buSzPct val="100000"/>
-            </a:pPr>
-            <a:r>
-              <a:rPr lang="en-US" sz="2000" dirty="0" smtClean="0">
-                <a:solidFill>
-                  <a:schemeClr val="dk1"/>
-                </a:solidFill>
-                <a:latin typeface="Calibri"/>
-                <a:ea typeface="Calibri"/>
-                <a:cs typeface="Calibri"/>
-                <a:sym typeface="Calibri"/>
-              </a:rPr>
-              <a:t>Availability of relevant examples</a:t>
-            </a:r>
-          </a:p>
-          <a:p>
-            <a:pPr lvl="1">
-              <a:spcBef>
-                <a:spcPts val="0"/>
-              </a:spcBef>
-              <a:buClr>
-                <a:schemeClr val="dk1"/>
-              </a:buClr>
-              <a:buSzPct val="100000"/>
-            </a:pPr>
-            <a:r>
-              <a:rPr lang="en-US" sz="2000" b="0" i="0" u="none" strike="noStrike" cap="none" dirty="0" smtClean="0">
-                <a:solidFill>
-                  <a:schemeClr val="dk1"/>
-                </a:solidFill>
-                <a:latin typeface="Calibri"/>
-                <a:ea typeface="Calibri"/>
-                <a:cs typeface="Calibri"/>
-                <a:sym typeface="Calibri"/>
-              </a:rPr>
-              <a:t>Look at open issues on GitHub</a:t>
-            </a:r>
-          </a:p>
-          <a:p>
-            <a:pPr lvl="1" indent="-342900">
-              <a:spcBef>
-                <a:spcPts val="0"/>
-              </a:spcBef>
-              <a:buClr>
-                <a:schemeClr val="dk1"/>
-              </a:buClr>
-              <a:buSzPct val="100000"/>
-              <a:buFont typeface="Arial"/>
-              <a:buChar char="•"/>
-            </a:pPr>
-            <a:endParaRPr lang="en-US" sz="2000" dirty="0">
-              <a:solidFill>
-                <a:schemeClr val="dk1"/>
-              </a:solidFill>
-              <a:latin typeface="Calibri"/>
-              <a:ea typeface="Calibri"/>
-              <a:cs typeface="Calibri"/>
-              <a:sym typeface="Calibri"/>
-            </a:endParaRPr>
-          </a:p>
-          <a:p>
-            <a:pPr>
-              <a:spcBef>
-                <a:spcPts val="0"/>
-              </a:spcBef>
-              <a:buClr>
-                <a:schemeClr val="dk1"/>
-              </a:buClr>
-              <a:buSzPct val="100000"/>
-            </a:pPr>
-            <a:r>
-              <a:rPr lang="en-US" sz="2400" b="0" i="0" u="none" strike="noStrike" cap="none" dirty="0" smtClean="0">
-                <a:solidFill>
-                  <a:schemeClr val="dk1"/>
-                </a:solidFill>
-                <a:latin typeface="Calibri"/>
-                <a:ea typeface="Calibri"/>
-                <a:cs typeface="Calibri"/>
-                <a:sym typeface="Calibri"/>
-              </a:rPr>
-              <a:t>Questions?</a:t>
-            </a:r>
-          </a:p>
-          <a:p>
-            <a:pPr lvl="1" indent="-342900">
-              <a:spcBef>
-                <a:spcPts val="0"/>
-              </a:spcBef>
-              <a:buClr>
-                <a:schemeClr val="dk1"/>
-              </a:buClr>
-              <a:buSzPct val="100000"/>
-              <a:buFont typeface="Arial"/>
-              <a:buChar char="•"/>
-            </a:pPr>
-            <a:endParaRPr lang="en-US" sz="2000" b="0" i="0" u="none" strike="noStrike" cap="none" dirty="0">
-              <a:solidFill>
-                <a:schemeClr val="dk1"/>
-              </a:solidFill>
-              <a:latin typeface="Calibri"/>
-              <a:ea typeface="Calibri"/>
-              <a:cs typeface="Calibri"/>
-              <a:sym typeface="Calibri"/>
-            </a:endParaRPr>
-          </a:p>
-        </p:txBody>
-      </p:sp>
-    </p:spTree>
-    <p:extLst>
-      <p:ext uri="{BB962C8B-B14F-4D97-AF65-F5344CB8AC3E}">
-        <p14:creationId xmlns:p14="http://schemas.microsoft.com/office/powerpoint/2010/main" val="817054824"/>
-      </p:ext>
-    </p:extLst>
-  </p:cSld>
-  <p:clrMapOvr>
-    <a:masterClrMapping/>
-  </p:clrMapOvr>
-</p:sld>
-</file>
-
-<file path=ppt/slides/slide12.xml><?xml version="1.0" encoding="utf-8"?>
-<p:sld xmlns:a="http://schemas.openxmlformats.org/drawingml/2006/main" xmlns:r="http://schemas.openxmlformats.org/officeDocument/2006/relationships" xmlns:p="http://schemas.openxmlformats.org/presentationml/2006/main">
-  <p:cSld>
-    <p:spTree>
-      <p:nvGrpSpPr>
-        <p:cNvPr id="1" name="Shape 411"/>
-        <p:cNvGrpSpPr/>
-        <p:nvPr/>
-      </p:nvGrpSpPr>
-      <p:grpSpPr>
-        <a:xfrm>
-          <a:off x="0" y="0"/>
-          <a:ext cx="0" cy="0"/>
-          <a:chOff x="0" y="0"/>
-          <a:chExt cx="0" cy="0"/>
-        </a:xfrm>
-      </p:grpSpPr>
-      <p:sp>
-        <p:nvSpPr>
-          <p:cNvPr id="412" name="Shape 412"/>
-          <p:cNvSpPr txBox="1">
-            <a:spLocks noGrp="1"/>
-          </p:cNvSpPr>
-          <p:nvPr>
-            <p:ph type="title"/>
-          </p:nvPr>
-        </p:nvSpPr>
-        <p:spPr>
-          <a:xfrm>
-            <a:off x="457200" y="381000"/>
-            <a:ext cx="8229600" cy="838199"/>
-          </a:xfrm>
-          <a:prstGeom prst="rect">
-            <a:avLst/>
-          </a:prstGeom>
-          <a:noFill/>
-          <a:ln>
-            <a:noFill/>
-          </a:ln>
-        </p:spPr>
-        <p:txBody>
-          <a:bodyPr lIns="91425" tIns="45700" rIns="91425" bIns="45700" anchor="t" anchorCtr="0">
-            <a:noAutofit/>
-          </a:bodyPr>
-          <a:lstStyle/>
-          <a:p>
-            <a:pPr marL="0" marR="0" lvl="0" indent="0" algn="ctr" rtl="0">
-              <a:lnSpc>
-                <a:spcPct val="100000"/>
-              </a:lnSpc>
-              <a:spcBef>
-                <a:spcPts val="0"/>
-              </a:spcBef>
-              <a:spcAft>
-                <a:spcPts val="0"/>
-              </a:spcAft>
-              <a:buClr>
-                <a:schemeClr val="dk1"/>
-              </a:buClr>
-              <a:buSzPct val="25000"/>
-              <a:buFont typeface="Calibri"/>
-              <a:buNone/>
-            </a:pPr>
-            <a:r>
-              <a:rPr lang="en-US" sz="3600" b="1" i="0" u="none" strike="noStrike" cap="none">
-                <a:solidFill>
-                  <a:schemeClr val="dk1"/>
-                </a:solidFill>
-                <a:latin typeface="Calibri"/>
-                <a:ea typeface="Calibri"/>
-                <a:cs typeface="Calibri"/>
-                <a:sym typeface="Calibri"/>
-              </a:rPr>
-              <a:t>Standup Template</a:t>
-            </a:r>
-          </a:p>
-        </p:txBody>
-      </p:sp>
-      <p:sp>
-        <p:nvSpPr>
-          <p:cNvPr id="413" name="Shape 413"/>
-          <p:cNvSpPr txBox="1">
-            <a:spLocks noGrp="1"/>
-          </p:cNvSpPr>
-          <p:nvPr>
-            <p:ph type="body" idx="1"/>
-          </p:nvPr>
-        </p:nvSpPr>
-        <p:spPr>
-          <a:xfrm>
-            <a:off x="304800" y="1474692"/>
-            <a:ext cx="8458200" cy="1066799"/>
-          </a:xfrm>
-          <a:prstGeom prst="rect">
-            <a:avLst/>
-          </a:prstGeom>
-          <a:noFill/>
-          <a:ln>
-            <a:noFill/>
-          </a:ln>
-        </p:spPr>
-        <p:txBody>
-          <a:bodyPr lIns="91425" tIns="45700" rIns="91425" bIns="45700" anchor="t" anchorCtr="0">
-            <a:noAutofit/>
-          </a:bodyPr>
-          <a:lstStyle/>
-          <a:p>
-            <a:pPr marL="342900" marR="0" lvl="0" indent="-342900" algn="l" rtl="0">
-              <a:lnSpc>
-                <a:spcPct val="100000"/>
-              </a:lnSpc>
-              <a:spcBef>
-                <a:spcPts val="0"/>
-              </a:spcBef>
-              <a:spcAft>
-                <a:spcPts val="0"/>
-              </a:spcAft>
-              <a:buClr>
-                <a:schemeClr val="dk1"/>
-              </a:buClr>
-              <a:buSzPct val="100000"/>
-              <a:buFont typeface="Arial"/>
-              <a:buChar char="•"/>
-            </a:pPr>
-            <a:r>
-              <a:rPr lang="en-US" sz="2800" b="0" i="0" u="none">
-                <a:solidFill>
-                  <a:schemeClr val="dk1"/>
-                </a:solidFill>
-                <a:latin typeface="Calibri"/>
-                <a:ea typeface="Calibri"/>
-                <a:cs typeface="Calibri"/>
-                <a:sym typeface="Calibri"/>
-              </a:rPr>
-              <a:t>Why standups?</a:t>
-            </a:r>
-          </a:p>
-          <a:p>
-            <a:pPr marL="742950" marR="0" lvl="1" indent="-285750" algn="l" rtl="0">
-              <a:lnSpc>
-                <a:spcPct val="100000"/>
-              </a:lnSpc>
-              <a:spcBef>
-                <a:spcPts val="480"/>
-              </a:spcBef>
-              <a:spcAft>
-                <a:spcPts val="0"/>
-              </a:spcAft>
-              <a:buClr>
-                <a:schemeClr val="dk1"/>
-              </a:buClr>
-              <a:buSzPct val="100000"/>
-              <a:buFont typeface="Arial"/>
-              <a:buChar char="–"/>
-            </a:pPr>
-            <a:r>
-              <a:rPr lang="en-US" sz="2400" b="0" i="0" u="none" strike="noStrike" cap="none">
-                <a:solidFill>
-                  <a:schemeClr val="dk1"/>
-                </a:solidFill>
-                <a:latin typeface="Calibri"/>
-                <a:ea typeface="Calibri"/>
-                <a:cs typeface="Calibri"/>
-                <a:sym typeface="Calibri"/>
-              </a:rPr>
-              <a:t>Communicate status and actions within and between teams</a:t>
-            </a:r>
-          </a:p>
-          <a:p>
-            <a:pPr marL="342900" marR="0" lvl="0" indent="-342900" algn="l" rtl="0">
-              <a:lnSpc>
-                <a:spcPct val="100000"/>
-              </a:lnSpc>
-              <a:spcBef>
-                <a:spcPts val="560"/>
-              </a:spcBef>
-              <a:spcAft>
-                <a:spcPts val="0"/>
-              </a:spcAft>
-              <a:buClr>
-                <a:schemeClr val="dk1"/>
-              </a:buClr>
-              <a:buSzPct val="100000"/>
-              <a:buFont typeface="Arial"/>
-              <a:buChar char="•"/>
-            </a:pPr>
-            <a:r>
-              <a:rPr lang="en-US" sz="2800" b="0" i="0" u="none">
-                <a:solidFill>
-                  <a:schemeClr val="dk1"/>
-                </a:solidFill>
-                <a:latin typeface="Calibri"/>
-                <a:ea typeface="Calibri"/>
-                <a:cs typeface="Calibri"/>
-                <a:sym typeface="Calibri"/>
-              </a:rPr>
-              <a:t>Should be presented in 1-2 minutes</a:t>
-            </a:r>
-          </a:p>
-        </p:txBody>
-      </p:sp>
-      <p:sp>
-        <p:nvSpPr>
-          <p:cNvPr id="415" name="Shape 415"/>
-          <p:cNvSpPr txBox="1"/>
-          <p:nvPr/>
-        </p:nvSpPr>
-        <p:spPr>
-          <a:xfrm>
-            <a:off x="457200" y="3151092"/>
-            <a:ext cx="8229600" cy="3200399"/>
-          </a:xfrm>
-          <a:prstGeom prst="rect">
-            <a:avLst/>
-          </a:prstGeom>
-          <a:solidFill>
-            <a:srgbClr val="D9D9D9"/>
-          </a:solidFill>
-          <a:ln>
-            <a:noFill/>
-          </a:ln>
-        </p:spPr>
-        <p:txBody>
-          <a:bodyPr lIns="91425" tIns="45700" rIns="91425" bIns="45700" anchor="t" anchorCtr="0">
-            <a:noAutofit/>
-          </a:bodyPr>
-          <a:lstStyle/>
-          <a:p>
-            <a:pPr marL="342900" marR="0" lvl="0" indent="-342900" algn="l" rtl="0">
-              <a:lnSpc>
-                <a:spcPct val="100000"/>
-              </a:lnSpc>
-              <a:spcBef>
-                <a:spcPts val="0"/>
-              </a:spcBef>
-              <a:spcAft>
-                <a:spcPts val="0"/>
-              </a:spcAft>
-              <a:buClr>
-                <a:schemeClr val="dk1"/>
-              </a:buClr>
-              <a:buSzPct val="100000"/>
-              <a:buFont typeface="Arial"/>
-              <a:buChar char="•"/>
-            </a:pPr>
-            <a:r>
-              <a:rPr lang="en-US" sz="2800" b="0" i="0" u="none" dirty="0">
-                <a:solidFill>
-                  <a:schemeClr val="dk1"/>
-                </a:solidFill>
-                <a:latin typeface="Calibri"/>
-                <a:ea typeface="Calibri"/>
-                <a:cs typeface="Calibri"/>
-                <a:sym typeface="Calibri"/>
-              </a:rPr>
-              <a:t>Progress this period</a:t>
-            </a:r>
-          </a:p>
-          <a:p>
-            <a:pPr marL="742950" marR="0" lvl="1" indent="-285750" algn="l" rtl="0">
-              <a:lnSpc>
-                <a:spcPct val="100000"/>
-              </a:lnSpc>
-              <a:spcBef>
-                <a:spcPts val="480"/>
-              </a:spcBef>
-              <a:spcAft>
-                <a:spcPts val="0"/>
-              </a:spcAft>
-              <a:buClr>
-                <a:schemeClr val="dk1"/>
-              </a:buClr>
-              <a:buSzPct val="100000"/>
-              <a:buFont typeface="Arial"/>
-              <a:buChar char="–"/>
-            </a:pPr>
-            <a:r>
-              <a:rPr lang="en-US" sz="2400" b="0" i="0" u="none" strike="noStrike" cap="none" dirty="0">
-                <a:solidFill>
-                  <a:schemeClr val="dk1"/>
-                </a:solidFill>
-                <a:latin typeface="Calibri"/>
-                <a:ea typeface="Calibri"/>
-                <a:cs typeface="Calibri"/>
-                <a:sym typeface="Calibri"/>
-              </a:rPr>
-              <a:t>How it compares with the plan</a:t>
-            </a:r>
-          </a:p>
-          <a:p>
-            <a:pPr marL="742950" marR="0" lvl="1" indent="-285750" algn="l" rtl="0">
-              <a:lnSpc>
-                <a:spcPct val="100000"/>
-              </a:lnSpc>
-              <a:spcBef>
-                <a:spcPts val="480"/>
-              </a:spcBef>
-              <a:spcAft>
-                <a:spcPts val="0"/>
-              </a:spcAft>
-              <a:buClr>
-                <a:schemeClr val="dk1"/>
-              </a:buClr>
-              <a:buSzPct val="100000"/>
-              <a:buFont typeface="Arial"/>
-              <a:buChar char="–"/>
-            </a:pPr>
-            <a:r>
-              <a:rPr lang="en-US" sz="2400" b="0" i="0" u="none" strike="noStrike" cap="none" dirty="0">
-                <a:solidFill>
-                  <a:schemeClr val="dk1"/>
-                </a:solidFill>
-                <a:latin typeface="Calibri"/>
-                <a:ea typeface="Calibri"/>
-                <a:cs typeface="Calibri"/>
-                <a:sym typeface="Calibri"/>
-              </a:rPr>
-              <a:t>If behind plan, how compensate to make plan end date</a:t>
-            </a:r>
-          </a:p>
-          <a:p>
-            <a:pPr marL="342900" marR="0" lvl="0" indent="-342900" algn="l" rtl="0">
-              <a:lnSpc>
-                <a:spcPct val="100000"/>
-              </a:lnSpc>
-              <a:spcBef>
-                <a:spcPts val="560"/>
-              </a:spcBef>
-              <a:spcAft>
-                <a:spcPts val="0"/>
-              </a:spcAft>
-              <a:buClr>
-                <a:schemeClr val="dk1"/>
-              </a:buClr>
-              <a:buSzPct val="100000"/>
-              <a:buFont typeface="Arial"/>
-              <a:buChar char="•"/>
-            </a:pPr>
-            <a:r>
-              <a:rPr lang="en-US" sz="2800" b="0" i="0" u="none" dirty="0">
-                <a:solidFill>
-                  <a:schemeClr val="dk1"/>
-                </a:solidFill>
-                <a:latin typeface="Calibri"/>
-                <a:ea typeface="Calibri"/>
-                <a:cs typeface="Calibri"/>
-                <a:sym typeface="Calibri"/>
-              </a:rPr>
-              <a:t>Deliverables for next period</a:t>
-            </a:r>
-          </a:p>
-          <a:p>
-            <a:pPr marL="342900" marR="0" lvl="0" indent="-342900" algn="l" rtl="0">
-              <a:lnSpc>
-                <a:spcPct val="100000"/>
-              </a:lnSpc>
-              <a:spcBef>
-                <a:spcPts val="560"/>
-              </a:spcBef>
-              <a:spcAft>
-                <a:spcPts val="0"/>
-              </a:spcAft>
-              <a:buClr>
-                <a:schemeClr val="dk1"/>
-              </a:buClr>
-              <a:buSzPct val="100000"/>
-              <a:buFont typeface="Arial"/>
-              <a:buChar char="•"/>
-            </a:pPr>
-            <a:r>
-              <a:rPr lang="en-US" sz="2800" b="0" i="0" u="none" dirty="0">
-                <a:solidFill>
-                  <a:schemeClr val="dk1"/>
-                </a:solidFill>
-                <a:latin typeface="Calibri"/>
-                <a:ea typeface="Calibri"/>
-                <a:cs typeface="Calibri"/>
-                <a:sym typeface="Calibri"/>
-              </a:rPr>
-              <a:t>Challenges to making next deliverables such as:</a:t>
-            </a:r>
-          </a:p>
-          <a:p>
-            <a:pPr marL="742950" marR="0" lvl="1" indent="-285750" algn="l" rtl="0">
-              <a:lnSpc>
-                <a:spcPct val="100000"/>
-              </a:lnSpc>
-              <a:spcBef>
-                <a:spcPts val="480"/>
-              </a:spcBef>
-              <a:spcAft>
-                <a:spcPts val="0"/>
-              </a:spcAft>
-              <a:buClr>
-                <a:schemeClr val="dk1"/>
-              </a:buClr>
-              <a:buSzPct val="100000"/>
-              <a:buFont typeface="Arial"/>
-              <a:buChar char="–"/>
-            </a:pPr>
-            <a:r>
-              <a:rPr lang="en-US" sz="2400" b="0" i="0" u="none" strike="noStrike" cap="none" dirty="0">
-                <a:solidFill>
-                  <a:schemeClr val="dk1"/>
-                </a:solidFill>
-                <a:latin typeface="Calibri"/>
-                <a:ea typeface="Calibri"/>
-                <a:cs typeface="Calibri"/>
-                <a:sym typeface="Calibri"/>
-              </a:rPr>
-              <a:t>Technology uncertainties and blockers</a:t>
-            </a:r>
-          </a:p>
-          <a:p>
-            <a:pPr marL="742950" marR="0" lvl="1" indent="-285750" algn="l" rtl="0">
-              <a:lnSpc>
-                <a:spcPct val="100000"/>
-              </a:lnSpc>
-              <a:spcBef>
-                <a:spcPts val="480"/>
-              </a:spcBef>
-              <a:spcAft>
-                <a:spcPts val="0"/>
-              </a:spcAft>
-              <a:buClr>
-                <a:schemeClr val="dk1"/>
-              </a:buClr>
-              <a:buSzPct val="100000"/>
-              <a:buFont typeface="Arial"/>
-              <a:buChar char="–"/>
-            </a:pPr>
-            <a:r>
-              <a:rPr lang="en-US" sz="2400" b="0" i="0" u="none" strike="noStrike" cap="none" dirty="0">
-                <a:solidFill>
-                  <a:schemeClr val="dk1"/>
-                </a:solidFill>
-                <a:latin typeface="Calibri"/>
-                <a:ea typeface="Calibri"/>
-                <a:cs typeface="Calibri"/>
-                <a:sym typeface="Calibri"/>
-              </a:rPr>
-              <a:t>Team issues</a:t>
-            </a:r>
-          </a:p>
-        </p:txBody>
-      </p:sp>
-    </p:spTree>
-    <p:extLst>
-      <p:ext uri="{BB962C8B-B14F-4D97-AF65-F5344CB8AC3E}">
-        <p14:creationId xmlns:p14="http://schemas.microsoft.com/office/powerpoint/2010/main" val="1287804970"/>
-      </p:ext>
-    </p:extLst>
-  </p:cSld>
-  <p:clrMapOvr>
-    <a:masterClrMapping/>
-  </p:clrMapOvr>
-</p:sld>
-</file>
-
-<file path=ppt/slides/slide13.xml><?xml version="1.0" encoding="utf-8"?>
-<p:sld xmlns:a="http://schemas.openxmlformats.org/drawingml/2006/main" xmlns:r="http://schemas.openxmlformats.org/officeDocument/2006/relationships" xmlns:p="http://schemas.openxmlformats.org/presentationml/2006/main">
-  <p:cSld>
-    <p:spTree>
-      <p:nvGrpSpPr>
-        <p:cNvPr id="1" name="Shape 411"/>
-        <p:cNvGrpSpPr/>
-        <p:nvPr/>
-      </p:nvGrpSpPr>
-      <p:grpSpPr>
-        <a:xfrm>
-          <a:off x="0" y="0"/>
-          <a:ext cx="0" cy="0"/>
-          <a:chOff x="0" y="0"/>
-          <a:chExt cx="0" cy="0"/>
-        </a:xfrm>
-      </p:grpSpPr>
-      <p:sp>
-        <p:nvSpPr>
-          <p:cNvPr id="412" name="Shape 412"/>
-          <p:cNvSpPr txBox="1">
-            <a:spLocks noGrp="1"/>
-          </p:cNvSpPr>
-          <p:nvPr>
-            <p:ph type="title"/>
-          </p:nvPr>
-        </p:nvSpPr>
-        <p:spPr>
-          <a:xfrm>
-            <a:off x="457200" y="381000"/>
-            <a:ext cx="8229600" cy="838199"/>
-          </a:xfrm>
-          <a:prstGeom prst="rect">
-            <a:avLst/>
-          </a:prstGeom>
-          <a:noFill/>
-          <a:ln>
-            <a:noFill/>
-          </a:ln>
-        </p:spPr>
-        <p:txBody>
-          <a:bodyPr lIns="91425" tIns="45700" rIns="91425" bIns="45700" anchor="t" anchorCtr="0">
-            <a:noAutofit/>
-          </a:bodyPr>
-          <a:lstStyle/>
-          <a:p>
-            <a:pPr marL="0" marR="0" lvl="0" indent="0" algn="ctr" rtl="0">
-              <a:lnSpc>
-                <a:spcPct val="100000"/>
-              </a:lnSpc>
-              <a:spcBef>
-                <a:spcPts val="0"/>
-              </a:spcBef>
-              <a:spcAft>
-                <a:spcPts val="0"/>
-              </a:spcAft>
-              <a:buClr>
-                <a:schemeClr val="dk1"/>
-              </a:buClr>
-              <a:buSzPct val="25000"/>
-              <a:buFont typeface="Calibri"/>
-              <a:buNone/>
-            </a:pPr>
-            <a:r>
-              <a:rPr lang="en-US" sz="3600" b="1" dirty="0" smtClean="0">
+              <a:rPr lang="en-US" sz="3600" b="1" dirty="0">
                 <a:solidFill>
                   <a:schemeClr val="dk1"/>
                 </a:solidFill>
@@ -6171,7 +4288,7 @@
               <a:buChar char="•"/>
             </a:pPr>
             <a:r>
-              <a:rPr lang="en-US" sz="2800" dirty="0" smtClean="0">
+              <a:rPr lang="en-US" sz="2800" dirty="0">
                 <a:solidFill>
                   <a:schemeClr val="dk1"/>
                 </a:solidFill>
@@ -6196,7 +4313,7 @@
               <a:buChar char="•"/>
             </a:pPr>
             <a:r>
-              <a:rPr lang="en-US" sz="2400" b="0" i="0" u="none" dirty="0" smtClean="0">
+              <a:rPr lang="en-US" sz="2400" b="0" i="0" u="none" dirty="0">
                 <a:solidFill>
                   <a:schemeClr val="dk1"/>
                 </a:solidFill>
@@ -6220,7 +4337,7 @@
               <a:buFont typeface="Arial"/>
               <a:buChar char="•"/>
             </a:pPr>
-            <a:endParaRPr lang="en-US" sz="2400" b="0" i="0" u="none" dirty="0" smtClean="0">
+            <a:endParaRPr lang="en-US" sz="2400" b="0" i="0" u="none" dirty="0">
               <a:solidFill>
                 <a:schemeClr val="dk1"/>
               </a:solidFill>
@@ -6243,7 +4360,7 @@
               <a:buChar char="•"/>
             </a:pPr>
             <a:r>
-              <a:rPr lang="en-US" sz="2400" dirty="0" smtClean="0">
+              <a:rPr lang="en-US" sz="2400" dirty="0">
                 <a:solidFill>
                   <a:schemeClr val="dk1"/>
                 </a:solidFill>
@@ -6267,7 +4384,7 @@
               <a:buFont typeface="Arial"/>
               <a:buChar char="•"/>
             </a:pPr>
-            <a:endParaRPr lang="en-US" sz="2400" b="0" i="0" u="none" dirty="0" smtClean="0">
+            <a:endParaRPr lang="en-US" sz="2400" b="0" i="0" u="none" dirty="0">
               <a:solidFill>
                 <a:schemeClr val="dk1"/>
               </a:solidFill>
@@ -6290,7 +4407,7 @@
               <a:buChar char="•"/>
             </a:pPr>
             <a:r>
-              <a:rPr lang="en-US" sz="2400" b="0" i="0" u="none" dirty="0" smtClean="0">
+              <a:rPr lang="en-US" sz="2400" b="0" i="0" u="none" dirty="0">
                 <a:solidFill>
                   <a:schemeClr val="dk1"/>
                 </a:solidFill>
@@ -6308,416 +4425,6 @@
     <p:extLst>
       <p:ext uri="{BB962C8B-B14F-4D97-AF65-F5344CB8AC3E}">
         <p14:creationId xmlns:p14="http://schemas.microsoft.com/office/powerpoint/2010/main" val="765810002"/>
-      </p:ext>
-    </p:extLst>
-  </p:cSld>
-  <p:clrMapOvr>
-    <a:masterClrMapping/>
-  </p:clrMapOvr>
-</p:sld>
-</file>
-
-<file path=ppt/slides/slide14.xml><?xml version="1.0" encoding="utf-8"?>
-<p:sld xmlns:a="http://schemas.openxmlformats.org/drawingml/2006/main" xmlns:r="http://schemas.openxmlformats.org/officeDocument/2006/relationships" xmlns:p="http://schemas.openxmlformats.org/presentationml/2006/main">
-  <p:cSld>
-    <p:spTree>
-      <p:nvGrpSpPr>
-        <p:cNvPr id="1" name="Shape 411"/>
-        <p:cNvGrpSpPr/>
-        <p:nvPr/>
-      </p:nvGrpSpPr>
-      <p:grpSpPr>
-        <a:xfrm>
-          <a:off x="0" y="0"/>
-          <a:ext cx="0" cy="0"/>
-          <a:chOff x="0" y="0"/>
-          <a:chExt cx="0" cy="0"/>
-        </a:xfrm>
-      </p:grpSpPr>
-      <p:sp>
-        <p:nvSpPr>
-          <p:cNvPr id="412" name="Shape 412"/>
-          <p:cNvSpPr txBox="1">
-            <a:spLocks noGrp="1"/>
-          </p:cNvSpPr>
-          <p:nvPr>
-            <p:ph type="title"/>
-          </p:nvPr>
-        </p:nvSpPr>
-        <p:spPr>
-          <a:xfrm>
-            <a:off x="457200" y="381000"/>
-            <a:ext cx="8229600" cy="838199"/>
-          </a:xfrm>
-          <a:prstGeom prst="rect">
-            <a:avLst/>
-          </a:prstGeom>
-          <a:noFill/>
-          <a:ln>
-            <a:noFill/>
-          </a:ln>
-        </p:spPr>
-        <p:txBody>
-          <a:bodyPr lIns="91425" tIns="45700" rIns="91425" bIns="45700" anchor="t" anchorCtr="0">
-            <a:noAutofit/>
-          </a:bodyPr>
-          <a:lstStyle/>
-          <a:p>
-            <a:pPr marL="0" marR="0" lvl="0" indent="0" algn="ctr" rtl="0">
-              <a:lnSpc>
-                <a:spcPct val="100000"/>
-              </a:lnSpc>
-              <a:spcBef>
-                <a:spcPts val="0"/>
-              </a:spcBef>
-              <a:spcAft>
-                <a:spcPts val="0"/>
-              </a:spcAft>
-              <a:buClr>
-                <a:schemeClr val="dk1"/>
-              </a:buClr>
-              <a:buSzPct val="25000"/>
-              <a:buFont typeface="Calibri"/>
-              <a:buNone/>
-            </a:pPr>
-            <a:r>
-              <a:rPr lang="en-US" sz="3600" b="1" dirty="0" smtClean="0">
-                <a:solidFill>
-                  <a:schemeClr val="dk1"/>
-                </a:solidFill>
-                <a:latin typeface="Calibri"/>
-                <a:ea typeface="Calibri"/>
-                <a:cs typeface="Calibri"/>
-                <a:sym typeface="Calibri"/>
-              </a:rPr>
-              <a:t>Remainder of today</a:t>
-            </a:r>
-            <a:r>
-              <a:rPr lang="mr-IN" sz="3600" b="1" dirty="0" smtClean="0">
-                <a:solidFill>
-                  <a:schemeClr val="dk1"/>
-                </a:solidFill>
-                <a:latin typeface="Calibri"/>
-                <a:ea typeface="Calibri"/>
-                <a:cs typeface="Calibri"/>
-                <a:sym typeface="Calibri"/>
-              </a:rPr>
-              <a:t>…</a:t>
-            </a:r>
-            <a:endParaRPr lang="en-US" sz="3600" b="1" i="0" u="none" strike="noStrike" cap="none" dirty="0">
-              <a:solidFill>
-                <a:schemeClr val="dk1"/>
-              </a:solidFill>
-              <a:latin typeface="Calibri"/>
-              <a:ea typeface="Calibri"/>
-              <a:cs typeface="Calibri"/>
-              <a:sym typeface="Calibri"/>
-            </a:endParaRPr>
-          </a:p>
-        </p:txBody>
-      </p:sp>
-      <p:sp>
-        <p:nvSpPr>
-          <p:cNvPr id="413" name="Shape 413"/>
-          <p:cNvSpPr txBox="1">
-            <a:spLocks noGrp="1"/>
-          </p:cNvSpPr>
-          <p:nvPr>
-            <p:ph type="body" idx="1"/>
-          </p:nvPr>
-        </p:nvSpPr>
-        <p:spPr>
-          <a:xfrm>
-            <a:off x="304800" y="1474692"/>
-            <a:ext cx="8458200" cy="4684061"/>
-          </a:xfrm>
-          <a:prstGeom prst="rect">
-            <a:avLst/>
-          </a:prstGeom>
-          <a:noFill/>
-          <a:ln>
-            <a:noFill/>
-          </a:ln>
-        </p:spPr>
-        <p:txBody>
-          <a:bodyPr lIns="91425" tIns="45700" rIns="91425" bIns="45700" anchor="t" anchorCtr="0">
-            <a:noAutofit/>
-          </a:bodyPr>
-          <a:lstStyle/>
-          <a:p>
-            <a:pPr marL="342900" marR="0" lvl="0" indent="-342900" algn="l" rtl="0">
-              <a:lnSpc>
-                <a:spcPct val="100000"/>
-              </a:lnSpc>
-              <a:spcBef>
-                <a:spcPts val="0"/>
-              </a:spcBef>
-              <a:spcAft>
-                <a:spcPts val="0"/>
-              </a:spcAft>
-              <a:buClr>
-                <a:schemeClr val="dk1"/>
-              </a:buClr>
-              <a:buSzPct val="100000"/>
-              <a:buFont typeface="Arial"/>
-              <a:buChar char="•"/>
-            </a:pPr>
-            <a:r>
-              <a:rPr lang="en-US" sz="2800" dirty="0" smtClean="0">
-                <a:solidFill>
-                  <a:schemeClr val="dk1"/>
-                </a:solidFill>
-                <a:latin typeface="Calibri"/>
-                <a:ea typeface="Calibri"/>
-                <a:cs typeface="Calibri"/>
-                <a:sym typeface="Calibri"/>
-              </a:rPr>
-              <a:t>Take some time in your project team</a:t>
-            </a:r>
-            <a:r>
-              <a:rPr lang="mr-IN" sz="2800" dirty="0" smtClean="0">
-                <a:solidFill>
-                  <a:schemeClr val="dk1"/>
-                </a:solidFill>
-                <a:latin typeface="Calibri"/>
-                <a:ea typeface="Calibri"/>
-                <a:cs typeface="Calibri"/>
-                <a:sym typeface="Calibri"/>
-              </a:rPr>
-              <a:t>…</a:t>
-            </a:r>
-            <a:endParaRPr lang="en-US" sz="2800" b="0" i="0" u="none" dirty="0">
-              <a:solidFill>
-                <a:schemeClr val="dk1"/>
-              </a:solidFill>
-              <a:latin typeface="Calibri"/>
-              <a:ea typeface="Calibri"/>
-              <a:cs typeface="Calibri"/>
-              <a:sym typeface="Calibri"/>
-            </a:endParaRPr>
-          </a:p>
-          <a:p>
-            <a:pPr lvl="1" indent="-342900">
-              <a:spcBef>
-                <a:spcPts val="0"/>
-              </a:spcBef>
-              <a:buClr>
-                <a:schemeClr val="dk1"/>
-              </a:buClr>
-              <a:buSzPct val="100000"/>
-              <a:buFont typeface="Arial"/>
-              <a:buChar char="•"/>
-            </a:pPr>
-            <a:endParaRPr lang="en-US" sz="2400" dirty="0" smtClean="0">
-              <a:solidFill>
-                <a:schemeClr val="dk1"/>
-              </a:solidFill>
-              <a:latin typeface="Calibri"/>
-              <a:ea typeface="Calibri"/>
-              <a:cs typeface="Calibri"/>
-              <a:sym typeface="Calibri"/>
-            </a:endParaRPr>
-          </a:p>
-          <a:p>
-            <a:pPr lvl="1" indent="-342900">
-              <a:spcBef>
-                <a:spcPts val="0"/>
-              </a:spcBef>
-              <a:buClr>
-                <a:schemeClr val="dk1"/>
-              </a:buClr>
-              <a:buSzPct val="100000"/>
-              <a:buFont typeface="Arial"/>
-              <a:buChar char="•"/>
-            </a:pPr>
-            <a:r>
-              <a:rPr lang="en-US" sz="2400" dirty="0" smtClean="0">
-                <a:solidFill>
-                  <a:schemeClr val="dk1"/>
-                </a:solidFill>
-                <a:latin typeface="Calibri"/>
-                <a:ea typeface="Calibri"/>
-                <a:cs typeface="Calibri"/>
-                <a:sym typeface="Calibri"/>
-              </a:rPr>
-              <a:t>What open questions do you have about the project process?</a:t>
-            </a:r>
-          </a:p>
-          <a:p>
-            <a:pPr lvl="1" indent="-342900">
-              <a:spcBef>
-                <a:spcPts val="0"/>
-              </a:spcBef>
-              <a:buClr>
-                <a:schemeClr val="dk1"/>
-              </a:buClr>
-              <a:buSzPct val="100000"/>
-              <a:buFont typeface="Arial"/>
-              <a:buChar char="•"/>
-            </a:pPr>
-            <a:endParaRPr lang="en-US" sz="2400" dirty="0" smtClean="0">
-              <a:solidFill>
-                <a:schemeClr val="dk1"/>
-              </a:solidFill>
-              <a:latin typeface="Calibri"/>
-              <a:ea typeface="Calibri"/>
-              <a:cs typeface="Calibri"/>
-              <a:sym typeface="Calibri"/>
-            </a:endParaRPr>
-          </a:p>
-          <a:p>
-            <a:pPr lvl="1" indent="-342900">
-              <a:spcBef>
-                <a:spcPts val="0"/>
-              </a:spcBef>
-              <a:buClr>
-                <a:schemeClr val="dk1"/>
-              </a:buClr>
-              <a:buSzPct val="100000"/>
-              <a:buFont typeface="Arial"/>
-              <a:buChar char="•"/>
-            </a:pPr>
-            <a:r>
-              <a:rPr lang="en-US" sz="2400" dirty="0" smtClean="0">
-                <a:solidFill>
-                  <a:schemeClr val="dk1"/>
-                </a:solidFill>
-                <a:latin typeface="Calibri"/>
-                <a:ea typeface="Calibri"/>
-                <a:cs typeface="Calibri"/>
-                <a:sym typeface="Calibri"/>
-              </a:rPr>
-              <a:t>About your project specifically?</a:t>
-            </a:r>
-          </a:p>
-          <a:p>
-            <a:pPr lvl="1" indent="-342900">
-              <a:spcBef>
-                <a:spcPts val="0"/>
-              </a:spcBef>
-              <a:buClr>
-                <a:schemeClr val="dk1"/>
-              </a:buClr>
-              <a:buSzPct val="100000"/>
-              <a:buFont typeface="Arial"/>
-              <a:buChar char="•"/>
-            </a:pPr>
-            <a:endParaRPr lang="en-US" sz="2400" dirty="0">
-              <a:solidFill>
-                <a:schemeClr val="dk1"/>
-              </a:solidFill>
-              <a:latin typeface="Calibri"/>
-              <a:ea typeface="Calibri"/>
-              <a:cs typeface="Calibri"/>
-              <a:sym typeface="Calibri"/>
-            </a:endParaRPr>
-          </a:p>
-          <a:p>
-            <a:pPr>
-              <a:spcBef>
-                <a:spcPts val="0"/>
-              </a:spcBef>
-              <a:buClr>
-                <a:schemeClr val="dk1"/>
-              </a:buClr>
-              <a:buSzPct val="100000"/>
-            </a:pPr>
-            <a:r>
-              <a:rPr lang="en-US" dirty="0" smtClean="0">
-                <a:solidFill>
-                  <a:schemeClr val="dk1"/>
-                </a:solidFill>
-                <a:latin typeface="Calibri"/>
-                <a:ea typeface="Calibri"/>
-                <a:cs typeface="Calibri"/>
-                <a:sym typeface="Calibri"/>
-              </a:rPr>
-              <a:t>We’ll resume as a class and you can ask </a:t>
-            </a:r>
-            <a:r>
-              <a:rPr lang="en-US" dirty="0" smtClean="0">
-                <a:solidFill>
-                  <a:schemeClr val="dk1"/>
-                </a:solidFill>
-                <a:latin typeface="Calibri"/>
-                <a:ea typeface="Calibri"/>
-                <a:cs typeface="Calibri"/>
-                <a:sym typeface="Calibri"/>
-              </a:rPr>
-              <a:t>the instructional team </a:t>
-            </a:r>
-            <a:r>
-              <a:rPr lang="en-US" smtClean="0">
-                <a:solidFill>
-                  <a:schemeClr val="dk1"/>
-                </a:solidFill>
-                <a:latin typeface="Calibri"/>
-                <a:ea typeface="Calibri"/>
-                <a:cs typeface="Calibri"/>
-                <a:sym typeface="Calibri"/>
-              </a:rPr>
-              <a:t>for more input</a:t>
-            </a:r>
-            <a:endParaRPr lang="en-US" dirty="0" smtClean="0">
-              <a:solidFill>
-                <a:schemeClr val="dk1"/>
-              </a:solidFill>
-              <a:latin typeface="Calibri"/>
-              <a:ea typeface="Calibri"/>
-              <a:cs typeface="Calibri"/>
-              <a:sym typeface="Calibri"/>
-            </a:endParaRPr>
-          </a:p>
-          <a:p>
-            <a:pPr lvl="1" indent="-342900">
-              <a:spcBef>
-                <a:spcPts val="0"/>
-              </a:spcBef>
-              <a:buClr>
-                <a:schemeClr val="dk1"/>
-              </a:buClr>
-              <a:buSzPct val="100000"/>
-              <a:buFont typeface="Arial"/>
-              <a:buChar char="•"/>
-            </a:pPr>
-            <a:endParaRPr lang="en-US" sz="2000" dirty="0">
-              <a:solidFill>
-                <a:schemeClr val="dk1"/>
-              </a:solidFill>
-              <a:latin typeface="Calibri"/>
-              <a:ea typeface="Calibri"/>
-              <a:cs typeface="Calibri"/>
-              <a:sym typeface="Calibri"/>
-            </a:endParaRPr>
-          </a:p>
-          <a:p>
-            <a:pPr lvl="1" indent="-342900">
-              <a:spcBef>
-                <a:spcPts val="0"/>
-              </a:spcBef>
-              <a:buClr>
-                <a:schemeClr val="dk1"/>
-              </a:buClr>
-              <a:buSzPct val="100000"/>
-              <a:buFont typeface="Arial"/>
-              <a:buChar char="•"/>
-            </a:pPr>
-            <a:endParaRPr lang="en-US" sz="2000" dirty="0" smtClean="0">
-              <a:solidFill>
-                <a:schemeClr val="dk1"/>
-              </a:solidFill>
-              <a:latin typeface="Calibri"/>
-              <a:ea typeface="Calibri"/>
-              <a:cs typeface="Calibri"/>
-              <a:sym typeface="Calibri"/>
-            </a:endParaRPr>
-          </a:p>
-        </p:txBody>
-      </p:sp>
-    </p:spTree>
-    <p:extLst>
-      <p:ext uri="{BB962C8B-B14F-4D97-AF65-F5344CB8AC3E}">
-        <p14:creationId xmlns:p14="http://schemas.microsoft.com/office/powerpoint/2010/main" val="154045574"/>
       </p:ext>
     </p:extLst>
   </p:cSld>
@@ -6785,14 +4492,11 @@
           <a:lstStyle/>
           <a:p>
             <a:r>
-              <a:rPr lang="en-US" altLang="en-US" dirty="0" err="1" smtClean="0">
+              <a:rPr lang="en-US" altLang="en-US" dirty="0">
                 <a:ea typeface="ＭＳ Ｐゴシック" charset="-128"/>
               </a:rPr>
-              <a:t>Communcation</a:t>
-            </a:r>
-            <a:endParaRPr lang="en-US" altLang="en-US" dirty="0">
-              <a:ea typeface="ＭＳ Ｐゴシック" charset="-128"/>
-            </a:endParaRPr>
+              <a:t>Communication</a:t>
+            </a:r>
           </a:p>
         </p:txBody>
       </p:sp>
@@ -6840,7 +4544,7 @@
           <a:lstStyle/>
           <a:p>
             <a:r>
-              <a:rPr lang="en-US" altLang="en-US" dirty="0" smtClean="0">
+              <a:rPr lang="en-US" altLang="en-US" dirty="0">
                 <a:ea typeface="ＭＳ Ｐゴシック" charset="-128"/>
               </a:rPr>
               <a:t>Communication around code</a:t>
@@ -6849,7 +4553,7 @@
           <a:p>
             <a:pPr lvl="1"/>
             <a:r>
-              <a:rPr lang="en-US" altLang="en-US" dirty="0" smtClean="0">
+              <a:rPr lang="en-US" altLang="en-US" dirty="0">
                 <a:ea typeface="ＭＳ Ｐゴシック" charset="-128"/>
               </a:rPr>
               <a:t>Standups</a:t>
@@ -6858,7 +4562,7 @@
           <a:p>
             <a:pPr lvl="1"/>
             <a:r>
-              <a:rPr lang="en-US" altLang="en-US" dirty="0" smtClean="0">
+              <a:rPr lang="en-US" altLang="en-US" dirty="0">
                 <a:ea typeface="ＭＳ Ｐゴシック" charset="-128"/>
               </a:rPr>
               <a:t>Technology reviews</a:t>
@@ -6867,7 +4571,7 @@
           <a:p>
             <a:pPr lvl="1"/>
             <a:r>
-              <a:rPr lang="en-US" altLang="en-US" dirty="0" smtClean="0">
+              <a:rPr lang="en-US" altLang="en-US" dirty="0">
                 <a:ea typeface="ＭＳ Ｐゴシック" charset="-128"/>
               </a:rPr>
               <a:t>Code review</a:t>
@@ -6875,7 +4579,7 @@
           </a:p>
           <a:p>
             <a:r>
-              <a:rPr lang="en-US" altLang="en-US" dirty="0" smtClean="0">
+              <a:rPr lang="en-US" altLang="en-US" dirty="0">
                 <a:ea typeface="ＭＳ Ｐゴシック" charset="-128"/>
               </a:rPr>
               <a:t>Project stuff</a:t>
@@ -6898,1005 +4602,10 @@
   <p:clrMapOvr>
     <a:masterClrMapping/>
   </p:clrMapOvr>
-  <p:timing>
-    <p:tnLst>
-      <p:par>
-        <p:cTn id="1" dur="indefinite" restart="never" nodeType="tmRoot"/>
-      </p:par>
-    </p:tnLst>
-  </p:timing>
 </p:sld>
 </file>
 
 <file path=ppt/slides/slide3.xml><?xml version="1.0" encoding="utf-8"?>
-<p:sld xmlns:a="http://schemas.openxmlformats.org/drawingml/2006/main" xmlns:r="http://schemas.openxmlformats.org/officeDocument/2006/relationships" xmlns:p="http://schemas.openxmlformats.org/presentationml/2006/main">
-  <p:cSld>
-    <p:spTree>
-      <p:nvGrpSpPr>
-        <p:cNvPr id="1" name="Shape 253"/>
-        <p:cNvGrpSpPr/>
-        <p:nvPr/>
-      </p:nvGrpSpPr>
-      <p:grpSpPr>
-        <a:xfrm>
-          <a:off x="0" y="0"/>
-          <a:ext cx="0" cy="0"/>
-          <a:chOff x="0" y="0"/>
-          <a:chExt cx="0" cy="0"/>
-        </a:xfrm>
-      </p:grpSpPr>
-      <p:sp>
-        <p:nvSpPr>
-          <p:cNvPr id="254" name="Shape 254"/>
-          <p:cNvSpPr txBox="1">
-            <a:spLocks noGrp="1"/>
-          </p:cNvSpPr>
-          <p:nvPr>
-            <p:ph type="title"/>
-          </p:nvPr>
-        </p:nvSpPr>
-        <p:spPr>
-          <a:xfrm>
-            <a:off x="457200" y="228600"/>
-            <a:ext cx="8229600" cy="838199"/>
-          </a:xfrm>
-          <a:prstGeom prst="rect">
-            <a:avLst/>
-          </a:prstGeom>
-          <a:noFill/>
-          <a:ln>
-            <a:noFill/>
-          </a:ln>
-        </p:spPr>
-        <p:txBody>
-          <a:bodyPr lIns="91425" tIns="45700" rIns="91425" bIns="45700" anchor="t" anchorCtr="0">
-            <a:noAutofit/>
-          </a:bodyPr>
-          <a:lstStyle/>
-          <a:p>
-            <a:pPr marL="0" marR="0" lvl="0" indent="0" algn="ctr" rtl="0">
-              <a:lnSpc>
-                <a:spcPct val="100000"/>
-              </a:lnSpc>
-              <a:spcBef>
-                <a:spcPts val="0"/>
-              </a:spcBef>
-              <a:spcAft>
-                <a:spcPts val="0"/>
-              </a:spcAft>
-              <a:buClr>
-                <a:schemeClr val="dk1"/>
-              </a:buClr>
-              <a:buSzPct val="25000"/>
-              <a:buFont typeface="Calibri"/>
-              <a:buNone/>
-            </a:pPr>
-            <a:r>
-              <a:rPr lang="en-US" sz="3600" b="1" i="0" u="none" strike="noStrike" cap="none">
-                <a:solidFill>
-                  <a:schemeClr val="dk1"/>
-                </a:solidFill>
-                <a:latin typeface="Calibri"/>
-                <a:ea typeface="Calibri"/>
-                <a:cs typeface="Calibri"/>
-                <a:sym typeface="Calibri"/>
-              </a:rPr>
-              <a:t>Software Development Phases</a:t>
-            </a:r>
-          </a:p>
-        </p:txBody>
-      </p:sp>
-      <p:pic>
-        <p:nvPicPr>
-          <p:cNvPr id="256" name="Shape 256"/>
-          <p:cNvPicPr preferRelativeResize="0"/>
-          <p:nvPr/>
-        </p:nvPicPr>
-        <p:blipFill rotWithShape="1">
-          <a:blip r:embed="rId3">
-            <a:alphaModFix/>
-          </a:blip>
-          <a:srcRect/>
-          <a:stretch/>
-        </p:blipFill>
-        <p:spPr>
-          <a:xfrm>
-            <a:off x="2425700" y="1600200"/>
-            <a:ext cx="4292600" cy="4241799"/>
-          </a:xfrm>
-          <a:prstGeom prst="rect">
-            <a:avLst/>
-          </a:prstGeom>
-          <a:noFill/>
-          <a:ln>
-            <a:noFill/>
-          </a:ln>
-        </p:spPr>
-      </p:pic>
-    </p:spTree>
-    <p:extLst>
-      <p:ext uri="{BB962C8B-B14F-4D97-AF65-F5344CB8AC3E}">
-        <p14:creationId xmlns:p14="http://schemas.microsoft.com/office/powerpoint/2010/main" val="1108636262"/>
-      </p:ext>
-    </p:extLst>
-  </p:cSld>
-  <p:clrMapOvr>
-    <a:masterClrMapping/>
-  </p:clrMapOvr>
-</p:sld>
-</file>
-
-<file path=ppt/slides/slide4.xml><?xml version="1.0" encoding="utf-8"?>
-<p:sld xmlns:a="http://schemas.openxmlformats.org/drawingml/2006/main" xmlns:r="http://schemas.openxmlformats.org/officeDocument/2006/relationships" xmlns:p="http://schemas.openxmlformats.org/presentationml/2006/main">
-  <p:cSld>
-    <p:spTree>
-      <p:nvGrpSpPr>
-        <p:cNvPr id="1" name="Shape 260"/>
-        <p:cNvGrpSpPr/>
-        <p:nvPr/>
-      </p:nvGrpSpPr>
-      <p:grpSpPr>
-        <a:xfrm>
-          <a:off x="0" y="0"/>
-          <a:ext cx="0" cy="0"/>
-          <a:chOff x="0" y="0"/>
-          <a:chExt cx="0" cy="0"/>
-        </a:xfrm>
-      </p:grpSpPr>
-      <p:sp>
-        <p:nvSpPr>
-          <p:cNvPr id="261" name="Shape 261"/>
-          <p:cNvSpPr txBox="1">
-            <a:spLocks noGrp="1"/>
-          </p:cNvSpPr>
-          <p:nvPr>
-            <p:ph type="title"/>
-          </p:nvPr>
-        </p:nvSpPr>
-        <p:spPr>
-          <a:xfrm>
-            <a:off x="457200" y="228600"/>
-            <a:ext cx="8229600" cy="838199"/>
-          </a:xfrm>
-          <a:prstGeom prst="rect">
-            <a:avLst/>
-          </a:prstGeom>
-          <a:noFill/>
-          <a:ln>
-            <a:noFill/>
-          </a:ln>
-        </p:spPr>
-        <p:txBody>
-          <a:bodyPr lIns="91425" tIns="45700" rIns="91425" bIns="45700" anchor="t" anchorCtr="0">
-            <a:noAutofit/>
-          </a:bodyPr>
-          <a:lstStyle/>
-          <a:p>
-            <a:pPr marL="0" marR="0" lvl="0" indent="0" algn="ctr" rtl="0">
-              <a:lnSpc>
-                <a:spcPct val="100000"/>
-              </a:lnSpc>
-              <a:spcBef>
-                <a:spcPts val="0"/>
-              </a:spcBef>
-              <a:spcAft>
-                <a:spcPts val="0"/>
-              </a:spcAft>
-              <a:buClr>
-                <a:schemeClr val="dk1"/>
-              </a:buClr>
-              <a:buSzPct val="25000"/>
-              <a:buFont typeface="Calibri"/>
-              <a:buNone/>
-            </a:pPr>
-            <a:r>
-              <a:rPr lang="en-US" sz="3600" b="1" i="0" u="none" strike="noStrike" cap="none">
-                <a:solidFill>
-                  <a:schemeClr val="dk1"/>
-                </a:solidFill>
-                <a:latin typeface="Calibri"/>
-                <a:ea typeface="Calibri"/>
-                <a:cs typeface="Calibri"/>
-                <a:sym typeface="Calibri"/>
-              </a:rPr>
-              <a:t>Waterfall Process Model</a:t>
-            </a:r>
-          </a:p>
-        </p:txBody>
-      </p:sp>
-      <p:pic>
-        <p:nvPicPr>
-          <p:cNvPr id="263" name="Shape 263"/>
-          <p:cNvPicPr preferRelativeResize="0"/>
-          <p:nvPr/>
-        </p:nvPicPr>
-        <p:blipFill rotWithShape="1">
-          <a:blip r:embed="rId3">
-            <a:alphaModFix/>
-          </a:blip>
-          <a:srcRect/>
-          <a:stretch/>
-        </p:blipFill>
-        <p:spPr>
-          <a:xfrm>
-            <a:off x="514350" y="1219200"/>
-            <a:ext cx="8208962" cy="4452936"/>
-          </a:xfrm>
-          <a:prstGeom prst="rect">
-            <a:avLst/>
-          </a:prstGeom>
-          <a:noFill/>
-          <a:ln>
-            <a:noFill/>
-          </a:ln>
-        </p:spPr>
-      </p:pic>
-      <p:sp>
-        <p:nvSpPr>
-          <p:cNvPr id="264" name="Shape 264"/>
-          <p:cNvSpPr txBox="1"/>
-          <p:nvPr/>
-        </p:nvSpPr>
-        <p:spPr>
-          <a:xfrm>
-            <a:off x="1600200" y="5181600"/>
-            <a:ext cx="5867400" cy="685799"/>
-          </a:xfrm>
-          <a:prstGeom prst="rect">
-            <a:avLst/>
-          </a:prstGeom>
-          <a:solidFill>
-            <a:srgbClr val="FFFFFF"/>
-          </a:solidFill>
-          <a:ln>
-            <a:noFill/>
-          </a:ln>
-        </p:spPr>
-        <p:txBody>
-          <a:bodyPr lIns="91425" tIns="45700" rIns="91425" bIns="45700" anchor="ctr" anchorCtr="0">
-            <a:noAutofit/>
-          </a:bodyPr>
-          <a:lstStyle/>
-          <a:p>
-            <a:pPr marL="0" marR="0" lvl="0" indent="0" algn="l" rtl="0">
-              <a:lnSpc>
-                <a:spcPct val="100000"/>
-              </a:lnSpc>
-              <a:spcBef>
-                <a:spcPts val="0"/>
-              </a:spcBef>
-              <a:spcAft>
-                <a:spcPts val="0"/>
-              </a:spcAft>
-              <a:buNone/>
-            </a:pPr>
-            <a:endParaRPr sz="2400" b="0" i="0" u="none">
-              <a:solidFill>
-                <a:schemeClr val="dk1"/>
-              </a:solidFill>
-              <a:latin typeface="Arial"/>
-              <a:ea typeface="Arial"/>
-              <a:cs typeface="Arial"/>
-              <a:sym typeface="Arial"/>
-            </a:endParaRPr>
-          </a:p>
-        </p:txBody>
-      </p:sp>
-      <p:sp>
-        <p:nvSpPr>
-          <p:cNvPr id="265" name="Shape 265"/>
-          <p:cNvSpPr txBox="1"/>
-          <p:nvPr/>
-        </p:nvSpPr>
-        <p:spPr>
-          <a:xfrm>
-            <a:off x="1752600" y="5334000"/>
-            <a:ext cx="5867400" cy="685799"/>
-          </a:xfrm>
-          <a:prstGeom prst="rect">
-            <a:avLst/>
-          </a:prstGeom>
-          <a:solidFill>
-            <a:srgbClr val="FFFFFF"/>
-          </a:solidFill>
-          <a:ln>
-            <a:noFill/>
-          </a:ln>
-        </p:spPr>
-        <p:txBody>
-          <a:bodyPr lIns="91425" tIns="45700" rIns="91425" bIns="45700" anchor="ctr" anchorCtr="0">
-            <a:noAutofit/>
-          </a:bodyPr>
-          <a:lstStyle/>
-          <a:p>
-            <a:pPr marL="0" marR="0" lvl="0" indent="0" algn="ctr" rtl="0">
-              <a:lnSpc>
-                <a:spcPct val="100000"/>
-              </a:lnSpc>
-              <a:spcBef>
-                <a:spcPts val="0"/>
-              </a:spcBef>
-              <a:spcAft>
-                <a:spcPts val="0"/>
-              </a:spcAft>
-              <a:buClr>
-                <a:schemeClr val="dk1"/>
-              </a:buClr>
-              <a:buSzPct val="25000"/>
-              <a:buFont typeface="Calibri"/>
-              <a:buNone/>
-            </a:pPr>
-            <a:r>
-              <a:rPr lang="en-US" sz="3600" b="0" i="0" u="none">
-                <a:solidFill>
-                  <a:schemeClr val="dk1"/>
-                </a:solidFill>
-                <a:latin typeface="Calibri"/>
-                <a:ea typeface="Calibri"/>
-                <a:cs typeface="Calibri"/>
-                <a:sym typeface="Calibri"/>
-              </a:rPr>
-              <a:t>Why does this work poorly?</a:t>
-            </a:r>
-          </a:p>
-        </p:txBody>
-      </p:sp>
-      <p:sp>
-        <p:nvSpPr>
-          <p:cNvPr id="266" name="Shape 266"/>
-          <p:cNvSpPr/>
-          <p:nvPr/>
-        </p:nvSpPr>
-        <p:spPr>
-          <a:xfrm>
-            <a:off x="1981200" y="2514600"/>
-            <a:ext cx="5867400" cy="1752600"/>
-          </a:xfrm>
-          <a:prstGeom prst="ellipse">
-            <a:avLst/>
-          </a:prstGeom>
-          <a:noFill/>
-          <a:ln w="38100" cap="flat" cmpd="sng">
-            <a:solidFill>
-              <a:srgbClr val="FF0000"/>
-            </a:solidFill>
-            <a:prstDash val="solid"/>
-            <a:miter/>
-            <a:headEnd type="none" w="med" len="med"/>
-            <a:tailEnd type="none" w="med" len="med"/>
-          </a:ln>
-          <a:effectLst>
-            <a:outerShdw blurRad="63500" dist="23000" dir="5400000">
-              <a:srgbClr val="808080">
-                <a:alpha val="34901"/>
-              </a:srgbClr>
-            </a:outerShdw>
-          </a:effectLst>
-        </p:spPr>
-        <p:txBody>
-          <a:bodyPr lIns="91425" tIns="45700" rIns="91425" bIns="45700" anchor="ctr" anchorCtr="0">
-            <a:noAutofit/>
-          </a:bodyPr>
-          <a:lstStyle/>
-          <a:p>
-            <a:pPr marL="0" marR="0" lvl="0" indent="0" algn="l" rtl="0">
-              <a:lnSpc>
-                <a:spcPct val="100000"/>
-              </a:lnSpc>
-              <a:spcBef>
-                <a:spcPts val="0"/>
-              </a:spcBef>
-              <a:spcAft>
-                <a:spcPts val="0"/>
-              </a:spcAft>
-              <a:buNone/>
-            </a:pPr>
-            <a:endParaRPr sz="2400" b="0" i="0" u="none">
-              <a:solidFill>
-                <a:schemeClr val="dk1"/>
-              </a:solidFill>
-              <a:latin typeface="Arial"/>
-              <a:ea typeface="Arial"/>
-              <a:cs typeface="Arial"/>
-              <a:sym typeface="Arial"/>
-            </a:endParaRPr>
-          </a:p>
-        </p:txBody>
-      </p:sp>
-      <p:sp>
-        <p:nvSpPr>
-          <p:cNvPr id="267" name="Shape 267"/>
-          <p:cNvSpPr txBox="1"/>
-          <p:nvPr/>
-        </p:nvSpPr>
-        <p:spPr>
-          <a:xfrm>
-            <a:off x="6858000" y="1989136"/>
-            <a:ext cx="2005012" cy="830261"/>
-          </a:xfrm>
-          <a:prstGeom prst="rect">
-            <a:avLst/>
-          </a:prstGeom>
-          <a:noFill/>
-          <a:ln>
-            <a:noFill/>
-          </a:ln>
-        </p:spPr>
-        <p:txBody>
-          <a:bodyPr lIns="91425" tIns="45700" rIns="91425" bIns="45700" anchor="t" anchorCtr="0">
-            <a:noAutofit/>
-          </a:bodyPr>
-          <a:lstStyle/>
-          <a:p>
-            <a:pPr marL="0" marR="0" lvl="0" indent="0" algn="ctr" rtl="0">
-              <a:lnSpc>
-                <a:spcPct val="100000"/>
-              </a:lnSpc>
-              <a:spcBef>
-                <a:spcPts val="0"/>
-              </a:spcBef>
-              <a:spcAft>
-                <a:spcPts val="0"/>
-              </a:spcAft>
-              <a:buClr>
-                <a:srgbClr val="FF0000"/>
-              </a:buClr>
-              <a:buSzPct val="25000"/>
-              <a:buFont typeface="Arial"/>
-              <a:buNone/>
-            </a:pPr>
-            <a:r>
-              <a:rPr lang="en-US" sz="2400" b="0" i="0" u="none">
-                <a:solidFill>
-                  <a:srgbClr val="FF0000"/>
-                </a:solidFill>
-                <a:latin typeface="Arial"/>
-                <a:ea typeface="Arial"/>
-                <a:cs typeface="Arial"/>
-                <a:sym typeface="Arial"/>
-              </a:rPr>
-              <a:t>Software </a:t>
-            </a:r>
-          </a:p>
-          <a:p>
-            <a:pPr marL="0" marR="0" lvl="0" indent="0" algn="ctr" rtl="0">
-              <a:lnSpc>
-                <a:spcPct val="100000"/>
-              </a:lnSpc>
-              <a:spcBef>
-                <a:spcPts val="0"/>
-              </a:spcBef>
-              <a:spcAft>
-                <a:spcPts val="0"/>
-              </a:spcAft>
-              <a:buClr>
-                <a:srgbClr val="FF0000"/>
-              </a:buClr>
-              <a:buSzPct val="25000"/>
-              <a:buFont typeface="Arial"/>
-              <a:buNone/>
-            </a:pPr>
-            <a:r>
-              <a:rPr lang="en-US" sz="2400" b="0" i="0" u="none">
-                <a:solidFill>
-                  <a:srgbClr val="FF0000"/>
-                </a:solidFill>
-                <a:latin typeface="Arial"/>
-                <a:ea typeface="Arial"/>
-                <a:cs typeface="Arial"/>
-                <a:sym typeface="Arial"/>
-              </a:rPr>
-              <a:t>Development</a:t>
-            </a:r>
-          </a:p>
-        </p:txBody>
-      </p:sp>
-    </p:spTree>
-    <p:extLst>
-      <p:ext uri="{BB962C8B-B14F-4D97-AF65-F5344CB8AC3E}">
-        <p14:creationId xmlns:p14="http://schemas.microsoft.com/office/powerpoint/2010/main" val="1629484271"/>
-      </p:ext>
-    </p:extLst>
-  </p:cSld>
-  <p:clrMapOvr>
-    <a:masterClrMapping/>
-  </p:clrMapOvr>
-</p:sld>
-</file>
-
-<file path=ppt/slides/slide5.xml><?xml version="1.0" encoding="utf-8"?>
-<p:sld xmlns:a="http://schemas.openxmlformats.org/drawingml/2006/main" xmlns:r="http://schemas.openxmlformats.org/officeDocument/2006/relationships" xmlns:p="http://schemas.openxmlformats.org/presentationml/2006/main">
-  <p:cSld>
-    <p:spTree>
-      <p:nvGrpSpPr>
-        <p:cNvPr id="1" name="Shape 271"/>
-        <p:cNvGrpSpPr/>
-        <p:nvPr/>
-      </p:nvGrpSpPr>
-      <p:grpSpPr>
-        <a:xfrm>
-          <a:off x="0" y="0"/>
-          <a:ext cx="0" cy="0"/>
-          <a:chOff x="0" y="0"/>
-          <a:chExt cx="0" cy="0"/>
-        </a:xfrm>
-      </p:grpSpPr>
-      <p:sp>
-        <p:nvSpPr>
-          <p:cNvPr id="272" name="Shape 272"/>
-          <p:cNvSpPr txBox="1">
-            <a:spLocks noGrp="1"/>
-          </p:cNvSpPr>
-          <p:nvPr>
-            <p:ph type="title"/>
-          </p:nvPr>
-        </p:nvSpPr>
-        <p:spPr>
-          <a:xfrm>
-            <a:off x="457200" y="381000"/>
-            <a:ext cx="8229600" cy="838199"/>
-          </a:xfrm>
-          <a:prstGeom prst="rect">
-            <a:avLst/>
-          </a:prstGeom>
-          <a:noFill/>
-          <a:ln>
-            <a:noFill/>
-          </a:ln>
-        </p:spPr>
-        <p:txBody>
-          <a:bodyPr lIns="91425" tIns="45700" rIns="91425" bIns="45700" anchor="t" anchorCtr="0">
-            <a:noAutofit/>
-          </a:bodyPr>
-          <a:lstStyle/>
-          <a:p>
-            <a:pPr marL="0" marR="0" lvl="0" indent="0" algn="ctr" rtl="0">
-              <a:lnSpc>
-                <a:spcPct val="100000"/>
-              </a:lnSpc>
-              <a:spcBef>
-                <a:spcPts val="0"/>
-              </a:spcBef>
-              <a:spcAft>
-                <a:spcPts val="0"/>
-              </a:spcAft>
-              <a:buClr>
-                <a:schemeClr val="dk1"/>
-              </a:buClr>
-              <a:buSzPct val="25000"/>
-              <a:buFont typeface="Calibri"/>
-              <a:buNone/>
-            </a:pPr>
-            <a:r>
-              <a:rPr lang="en-US" sz="3600" b="1" i="0" u="none" strike="noStrike" cap="none">
-                <a:solidFill>
-                  <a:schemeClr val="dk1"/>
-                </a:solidFill>
-                <a:latin typeface="Calibri"/>
-                <a:ea typeface="Calibri"/>
-                <a:cs typeface="Calibri"/>
-                <a:sym typeface="Calibri"/>
-              </a:rPr>
-              <a:t>Rapid Prototyping</a:t>
-            </a:r>
-          </a:p>
-        </p:txBody>
-      </p:sp>
-      <p:sp>
-        <p:nvSpPr>
-          <p:cNvPr id="273" name="Shape 273"/>
-          <p:cNvSpPr txBox="1">
-            <a:spLocks noGrp="1"/>
-          </p:cNvSpPr>
-          <p:nvPr>
-            <p:ph type="body" idx="1"/>
-          </p:nvPr>
-        </p:nvSpPr>
-        <p:spPr>
-          <a:xfrm>
-            <a:off x="457200" y="1041400"/>
-            <a:ext cx="8229600" cy="1549400"/>
-          </a:xfrm>
-          <a:prstGeom prst="rect">
-            <a:avLst/>
-          </a:prstGeom>
-          <a:noFill/>
-          <a:ln>
-            <a:noFill/>
-          </a:ln>
-        </p:spPr>
-        <p:txBody>
-          <a:bodyPr lIns="91425" tIns="45700" rIns="91425" bIns="45700" anchor="t" anchorCtr="0">
-            <a:noAutofit/>
-          </a:bodyPr>
-          <a:lstStyle/>
-          <a:p>
-            <a:pPr marL="742950" marR="0" lvl="1" indent="-285750" algn="l" rtl="0">
-              <a:lnSpc>
-                <a:spcPct val="100000"/>
-              </a:lnSpc>
-              <a:spcBef>
-                <a:spcPts val="560"/>
-              </a:spcBef>
-              <a:spcAft>
-                <a:spcPts val="0"/>
-              </a:spcAft>
-              <a:buClr>
-                <a:schemeClr val="dk1"/>
-              </a:buClr>
-              <a:buSzPct val="100000"/>
-              <a:buFont typeface="Arial"/>
-              <a:buChar char="–"/>
-            </a:pPr>
-            <a:endParaRPr lang="en-US" sz="2800" b="0" i="0" u="none" strike="noStrike" cap="none" dirty="0" smtClean="0">
-              <a:solidFill>
-                <a:schemeClr val="dk1"/>
-              </a:solidFill>
-              <a:latin typeface="Calibri"/>
-              <a:ea typeface="Calibri"/>
-              <a:cs typeface="Calibri"/>
-              <a:sym typeface="Calibri"/>
-            </a:endParaRPr>
-          </a:p>
-          <a:p>
-            <a:pPr marL="742950" marR="0" lvl="1" indent="-285750" algn="l" rtl="0">
-              <a:lnSpc>
-                <a:spcPct val="100000"/>
-              </a:lnSpc>
-              <a:spcBef>
-                <a:spcPts val="560"/>
-              </a:spcBef>
-              <a:spcAft>
-                <a:spcPts val="0"/>
-              </a:spcAft>
-              <a:buClr>
-                <a:schemeClr val="dk1"/>
-              </a:buClr>
-              <a:buSzPct val="100000"/>
-              <a:buFont typeface="Arial"/>
-              <a:buChar char="–"/>
-            </a:pPr>
-            <a:r>
-              <a:rPr lang="en-US" sz="2800" b="0" i="0" u="none" strike="noStrike" cap="none" dirty="0" smtClean="0">
-                <a:solidFill>
-                  <a:schemeClr val="dk1"/>
-                </a:solidFill>
-                <a:latin typeface="Calibri"/>
-                <a:ea typeface="Calibri"/>
-                <a:cs typeface="Calibri"/>
-                <a:sym typeface="Calibri"/>
-              </a:rPr>
-              <a:t>Cannot </a:t>
-            </a:r>
-            <a:r>
-              <a:rPr lang="en-US" sz="2800" b="0" i="0" u="none" strike="noStrike" cap="none" dirty="0">
-                <a:solidFill>
-                  <a:schemeClr val="dk1"/>
-                </a:solidFill>
-                <a:latin typeface="Calibri"/>
-                <a:ea typeface="Calibri"/>
-                <a:cs typeface="Calibri"/>
-                <a:sym typeface="Calibri"/>
-              </a:rPr>
-              <a:t>specify all requirements in advance</a:t>
-            </a:r>
-          </a:p>
-        </p:txBody>
-      </p:sp>
-      <p:pic>
-        <p:nvPicPr>
-          <p:cNvPr id="275" name="Shape 275"/>
-          <p:cNvPicPr preferRelativeResize="0"/>
-          <p:nvPr/>
-        </p:nvPicPr>
-        <p:blipFill rotWithShape="1">
-          <a:blip r:embed="rId3">
-            <a:alphaModFix/>
-          </a:blip>
-          <a:srcRect/>
-          <a:stretch/>
-        </p:blipFill>
-        <p:spPr>
-          <a:xfrm>
-            <a:off x="2641600" y="2667000"/>
-            <a:ext cx="4368799" cy="3506786"/>
-          </a:xfrm>
-          <a:prstGeom prst="rect">
-            <a:avLst/>
-          </a:prstGeom>
-          <a:noFill/>
-          <a:ln>
-            <a:noFill/>
-          </a:ln>
-        </p:spPr>
-      </p:pic>
-      <p:cxnSp>
-        <p:nvCxnSpPr>
-          <p:cNvPr id="276" name="Shape 276"/>
-          <p:cNvCxnSpPr/>
-          <p:nvPr/>
-        </p:nvCxnSpPr>
-        <p:spPr>
-          <a:xfrm rot="10800000">
-            <a:off x="4267199" y="2895600"/>
-            <a:ext cx="2057400" cy="685799"/>
-          </a:xfrm>
-          <a:prstGeom prst="straightConnector1">
-            <a:avLst/>
-          </a:prstGeom>
-          <a:noFill/>
-          <a:ln w="25400" cap="flat" cmpd="sng">
-            <a:solidFill>
-              <a:schemeClr val="accent1"/>
-            </a:solidFill>
-            <a:prstDash val="solid"/>
-            <a:miter/>
-            <a:headEnd type="none" w="med" len="med"/>
-            <a:tailEnd type="stealth" w="lg" len="lg"/>
-          </a:ln>
-          <a:effectLst>
-            <a:outerShdw blurRad="63500" dist="20000" dir="5400000">
-              <a:srgbClr val="808080">
-                <a:alpha val="37647"/>
-              </a:srgbClr>
-            </a:outerShdw>
-          </a:effectLst>
-        </p:spPr>
-      </p:cxnSp>
-      <p:sp>
-        <p:nvSpPr>
-          <p:cNvPr id="277" name="Shape 277"/>
-          <p:cNvSpPr txBox="1"/>
-          <p:nvPr/>
-        </p:nvSpPr>
-        <p:spPr>
-          <a:xfrm>
-            <a:off x="5029200" y="2819400"/>
-            <a:ext cx="2609849" cy="369886"/>
-          </a:xfrm>
-          <a:prstGeom prst="rect">
-            <a:avLst/>
-          </a:prstGeom>
-          <a:noFill/>
-          <a:ln>
-            <a:noFill/>
-          </a:ln>
-        </p:spPr>
-        <p:txBody>
-          <a:bodyPr lIns="91425" tIns="45700" rIns="91425" bIns="45700" anchor="t" anchorCtr="0">
-            <a:noAutofit/>
-          </a:bodyPr>
-          <a:lstStyle/>
-          <a:p>
-            <a:pPr marL="0" marR="0" lvl="0" indent="0" algn="l" rtl="0">
-              <a:lnSpc>
-                <a:spcPct val="100000"/>
-              </a:lnSpc>
-              <a:spcBef>
-                <a:spcPts val="0"/>
-              </a:spcBef>
-              <a:spcAft>
-                <a:spcPts val="0"/>
-              </a:spcAft>
-              <a:buClr>
-                <a:schemeClr val="dk1"/>
-              </a:buClr>
-              <a:buSzPct val="25000"/>
-              <a:buFont typeface="Arial"/>
-              <a:buNone/>
-            </a:pPr>
-            <a:r>
-              <a:rPr lang="en-US" sz="1800" b="0" i="0" u="none">
-                <a:solidFill>
-                  <a:schemeClr val="dk1"/>
-                </a:solidFill>
-                <a:latin typeface="Arial"/>
-                <a:ea typeface="Arial"/>
-                <a:cs typeface="Arial"/>
-                <a:sym typeface="Arial"/>
-              </a:rPr>
-              <a:t>Revise the specification</a:t>
-            </a:r>
-          </a:p>
-        </p:txBody>
-      </p:sp>
-      <p:sp>
-        <p:nvSpPr>
-          <p:cNvPr id="278" name="Shape 278"/>
-          <p:cNvSpPr/>
-          <p:nvPr/>
-        </p:nvSpPr>
-        <p:spPr>
-          <a:xfrm>
-            <a:off x="1600200" y="2312986"/>
-            <a:ext cx="7262811" cy="2868611"/>
-          </a:xfrm>
-          <a:prstGeom prst="ellipse">
-            <a:avLst/>
-          </a:prstGeom>
-          <a:noFill/>
-          <a:ln w="38100" cap="flat" cmpd="sng">
-            <a:solidFill>
-              <a:srgbClr val="FF0000"/>
-            </a:solidFill>
-            <a:prstDash val="solid"/>
-            <a:miter/>
-            <a:headEnd type="none" w="med" len="med"/>
-            <a:tailEnd type="none" w="med" len="med"/>
-          </a:ln>
-          <a:effectLst>
-            <a:outerShdw blurRad="63500" dist="23000" dir="5400000">
-              <a:srgbClr val="808080">
-                <a:alpha val="34901"/>
-              </a:srgbClr>
-            </a:outerShdw>
-          </a:effectLst>
-        </p:spPr>
-        <p:txBody>
-          <a:bodyPr lIns="91425" tIns="45700" rIns="91425" bIns="45700" anchor="ctr" anchorCtr="0">
-            <a:noAutofit/>
-          </a:bodyPr>
-          <a:lstStyle/>
-          <a:p>
-            <a:pPr marL="0" marR="0" lvl="0" indent="0" algn="l" rtl="0">
-              <a:lnSpc>
-                <a:spcPct val="100000"/>
-              </a:lnSpc>
-              <a:spcBef>
-                <a:spcPts val="0"/>
-              </a:spcBef>
-              <a:spcAft>
-                <a:spcPts val="0"/>
-              </a:spcAft>
-              <a:buNone/>
-            </a:pPr>
-            <a:endParaRPr sz="2400" b="0" i="0" u="none">
-              <a:solidFill>
-                <a:schemeClr val="dk1"/>
-              </a:solidFill>
-              <a:latin typeface="Arial"/>
-              <a:ea typeface="Arial"/>
-              <a:cs typeface="Arial"/>
-              <a:sym typeface="Arial"/>
-            </a:endParaRPr>
-          </a:p>
-        </p:txBody>
-      </p:sp>
-      <p:sp>
-        <p:nvSpPr>
-          <p:cNvPr id="279" name="Shape 279"/>
-          <p:cNvSpPr txBox="1"/>
-          <p:nvPr/>
-        </p:nvSpPr>
-        <p:spPr>
-          <a:xfrm>
-            <a:off x="457200" y="4648200"/>
-            <a:ext cx="2005012" cy="830261"/>
-          </a:xfrm>
-          <a:prstGeom prst="rect">
-            <a:avLst/>
-          </a:prstGeom>
-          <a:noFill/>
-          <a:ln>
-            <a:noFill/>
-          </a:ln>
-        </p:spPr>
-        <p:txBody>
-          <a:bodyPr lIns="91425" tIns="45700" rIns="91425" bIns="45700" anchor="t" anchorCtr="0">
-            <a:noAutofit/>
-          </a:bodyPr>
-          <a:lstStyle/>
-          <a:p>
-            <a:pPr marL="0" marR="0" lvl="0" indent="0" algn="ctr" rtl="0">
-              <a:lnSpc>
-                <a:spcPct val="100000"/>
-              </a:lnSpc>
-              <a:spcBef>
-                <a:spcPts val="0"/>
-              </a:spcBef>
-              <a:spcAft>
-                <a:spcPts val="0"/>
-              </a:spcAft>
-              <a:buClr>
-                <a:srgbClr val="FF0000"/>
-              </a:buClr>
-              <a:buSzPct val="25000"/>
-              <a:buFont typeface="Arial"/>
-              <a:buNone/>
-            </a:pPr>
-            <a:r>
-              <a:rPr lang="en-US" sz="2400" b="0" i="0" u="none">
-                <a:solidFill>
-                  <a:srgbClr val="FF0000"/>
-                </a:solidFill>
-                <a:latin typeface="Arial"/>
-                <a:ea typeface="Arial"/>
-                <a:cs typeface="Arial"/>
-                <a:sym typeface="Arial"/>
-              </a:rPr>
-              <a:t>Software </a:t>
-            </a:r>
-          </a:p>
-          <a:p>
-            <a:pPr marL="0" marR="0" lvl="0" indent="0" algn="ctr" rtl="0">
-              <a:lnSpc>
-                <a:spcPct val="100000"/>
-              </a:lnSpc>
-              <a:spcBef>
-                <a:spcPts val="0"/>
-              </a:spcBef>
-              <a:spcAft>
-                <a:spcPts val="0"/>
-              </a:spcAft>
-              <a:buClr>
-                <a:srgbClr val="FF0000"/>
-              </a:buClr>
-              <a:buSzPct val="25000"/>
-              <a:buFont typeface="Arial"/>
-              <a:buNone/>
-            </a:pPr>
-            <a:r>
-              <a:rPr lang="en-US" sz="2400" b="0" i="0" u="none">
-                <a:solidFill>
-                  <a:srgbClr val="FF0000"/>
-                </a:solidFill>
-                <a:latin typeface="Arial"/>
-                <a:ea typeface="Arial"/>
-                <a:cs typeface="Arial"/>
-                <a:sym typeface="Arial"/>
-              </a:rPr>
-              <a:t>Development</a:t>
-            </a:r>
-          </a:p>
-        </p:txBody>
-      </p:sp>
-      <p:sp>
-        <p:nvSpPr>
-          <p:cNvPr id="2" name="Rectangle 1"/>
-          <p:cNvSpPr/>
-          <p:nvPr/>
-        </p:nvSpPr>
-        <p:spPr>
-          <a:xfrm>
-            <a:off x="4453217" y="3244334"/>
-            <a:ext cx="343364" cy="369332"/>
-          </a:xfrm>
-          <a:prstGeom prst="rect">
-            <a:avLst/>
-          </a:prstGeom>
-        </p:spPr>
-        <p:txBody>
-          <a:bodyPr wrap="none">
-            <a:spAutoFit/>
-          </a:bodyPr>
-          <a:lstStyle/>
-          <a:p>
-            <a:r>
-              <a:rPr lang="sk-SK" dirty="0"/>
-              <a:t> </a:t>
-            </a:r>
-            <a:r>
-              <a:rPr lang="is-IS" dirty="0"/>
-              <a:t>  </a:t>
-            </a:r>
-            <a:endParaRPr lang="en-US" dirty="0"/>
-          </a:p>
-        </p:txBody>
-      </p:sp>
-    </p:spTree>
-    <p:extLst>
-      <p:ext uri="{BB962C8B-B14F-4D97-AF65-F5344CB8AC3E}">
-        <p14:creationId xmlns:p14="http://schemas.microsoft.com/office/powerpoint/2010/main" val="1763985347"/>
-      </p:ext>
-    </p:extLst>
-  </p:cSld>
-  <p:clrMapOvr>
-    <a:masterClrMapping/>
-  </p:clrMapOvr>
-</p:sld>
-</file>
-
-<file path=ppt/slides/slide6.xml><?xml version="1.0" encoding="utf-8"?>
 <p:sld xmlns:a="http://schemas.openxmlformats.org/drawingml/2006/main" xmlns:r="http://schemas.openxmlformats.org/officeDocument/2006/relationships" xmlns:p="http://schemas.openxmlformats.org/presentationml/2006/main">
   <p:cSld>
     <p:spTree>
@@ -8688,7 +5397,7 @@
 </p:sld>
 </file>
 
-<file path=ppt/slides/slide7.xml><?xml version="1.0" encoding="utf-8"?>
+<file path=ppt/slides/slide4.xml><?xml version="1.0" encoding="utf-8"?>
 <p:sld xmlns:a="http://schemas.openxmlformats.org/drawingml/2006/main" xmlns:r="http://schemas.openxmlformats.org/officeDocument/2006/relationships" xmlns:p="http://schemas.openxmlformats.org/presentationml/2006/main">
   <p:cSld>
     <p:spTree>
@@ -9147,7 +5856,7 @@
 </p:sld>
 </file>
 
-<file path=ppt/slides/slide8.xml><?xml version="1.0" encoding="utf-8"?>
+<file path=ppt/slides/slide5.xml><?xml version="1.0" encoding="utf-8"?>
 <p:sld xmlns:a="http://schemas.openxmlformats.org/drawingml/2006/main" xmlns:r="http://schemas.openxmlformats.org/officeDocument/2006/relationships" xmlns:p="http://schemas.openxmlformats.org/presentationml/2006/main">
   <p:cSld>
     <p:spTree>
@@ -9211,7 +5920,7 @@
               <a:buNone/>
             </a:pPr>
             <a:r>
-              <a:rPr lang="en-US" sz="4800" b="1" dirty="0" smtClean="0">
+              <a:rPr lang="en-US" sz="4800" b="1" dirty="0">
                 <a:solidFill>
                   <a:schemeClr val="dk1"/>
                 </a:solidFill>
@@ -9281,7 +5990,7 @@
               <a:buChar char="•"/>
             </a:pPr>
             <a:r>
-              <a:rPr lang="en-US" sz="4000" b="0" i="0" u="none" dirty="0" smtClean="0">
+              <a:rPr lang="en-US" sz="4000" b="0" i="0" u="none" dirty="0">
                 <a:solidFill>
                   <a:schemeClr val="dk1"/>
                 </a:solidFill>
@@ -9306,7 +6015,7 @@
               <a:buChar char="•"/>
             </a:pPr>
             <a:r>
-              <a:rPr lang="en-US" sz="3600" dirty="0" smtClean="0">
+              <a:rPr lang="en-US" sz="3600" dirty="0">
                 <a:solidFill>
                   <a:schemeClr val="dk1"/>
                 </a:solidFill>
@@ -9329,7 +6038,7 @@
               <a:buSzPct val="100000"/>
             </a:pPr>
             <a:r>
-              <a:rPr lang="en-US" sz="3200" dirty="0" smtClean="0">
+              <a:rPr lang="en-US" sz="3200" dirty="0">
                 <a:solidFill>
                   <a:schemeClr val="dk1"/>
                 </a:solidFill>
@@ -9354,7 +6063,7 @@
               <a:buChar char="•"/>
             </a:pPr>
             <a:r>
-              <a:rPr lang="en-US" sz="3600" dirty="0" smtClean="0">
+              <a:rPr lang="en-US" sz="3600" dirty="0">
                 <a:solidFill>
                   <a:schemeClr val="dk1"/>
                 </a:solidFill>
@@ -9366,7 +6075,7 @@
               <a:t>~5</a:t>
             </a:r>
             <a:r>
-              <a:rPr lang="en-US" sz="3600" b="0" i="0" u="none" dirty="0" smtClean="0">
+              <a:rPr lang="en-US" sz="3600" b="0" i="0" u="none" dirty="0">
                 <a:solidFill>
                   <a:schemeClr val="dk1"/>
                 </a:solidFill>
@@ -9389,7 +6098,7 @@
               <a:buSzPct val="100000"/>
             </a:pPr>
             <a:r>
-              <a:rPr lang="en-US" sz="3200" dirty="0" smtClean="0">
+              <a:rPr lang="en-US" sz="3200" dirty="0">
                 <a:solidFill>
                   <a:schemeClr val="dk1"/>
                 </a:solidFill>
@@ -9400,7 +6109,7 @@
               </a:rPr>
               <a:t>Partner B reviews A’s code</a:t>
             </a:r>
-            <a:endParaRPr lang="en-US" sz="3200" b="0" i="0" u="none" dirty="0" smtClean="0">
+            <a:endParaRPr lang="en-US" sz="3200" b="0" i="0" u="none" dirty="0">
               <a:solidFill>
                 <a:schemeClr val="dk1"/>
               </a:solidFill>
@@ -9423,7 +6132,7 @@
               <a:buChar char="•"/>
             </a:pPr>
             <a:r>
-              <a:rPr lang="en-US" sz="3600" dirty="0" smtClean="0">
+              <a:rPr lang="en-US" sz="3600" strike="sngStrike" dirty="0">
                 <a:solidFill>
                   <a:schemeClr val="dk1"/>
                 </a:solidFill>
@@ -9446,7 +6155,7 @@
               <a:buSzPct val="100000"/>
             </a:pPr>
             <a:r>
-              <a:rPr lang="en-US" sz="3200" b="0" i="0" u="none" dirty="0" smtClean="0">
+              <a:rPr lang="en-US" sz="3200" b="0" i="0" u="none" strike="sngStrike" dirty="0">
                 <a:solidFill>
                   <a:schemeClr val="dk1"/>
                 </a:solidFill>
@@ -9469,7 +6178,7 @@
               <a:buSzPct val="100000"/>
             </a:pPr>
             <a:r>
-              <a:rPr lang="en-US" sz="2800" dirty="0" smtClean="0">
+              <a:rPr lang="en-US" sz="2800" strike="sngStrike" dirty="0">
                 <a:solidFill>
                   <a:schemeClr val="dk1"/>
                 </a:solidFill>
@@ -9492,7 +6201,7 @@
               <a:buSzPct val="100000"/>
             </a:pPr>
             <a:r>
-              <a:rPr lang="en-US" sz="2800" dirty="0" smtClean="0">
+              <a:rPr lang="en-US" sz="2800" strike="sngStrike" dirty="0">
                 <a:solidFill>
                   <a:schemeClr val="dk1"/>
                 </a:solidFill>
@@ -9503,7 +6212,7 @@
               </a:rPr>
               <a:t>About the process</a:t>
             </a:r>
-            <a:endParaRPr lang="en-US" sz="2800" b="0" i="0" u="none" dirty="0">
+            <a:endParaRPr lang="en-US" sz="2800" b="0" i="0" u="none" strike="sngStrike" dirty="0">
               <a:solidFill>
                 <a:schemeClr val="dk1"/>
               </a:solidFill>
@@ -9538,18 +6247,13 @@
           <a:lstStyle/>
           <a:p>
             <a:r>
-              <a:rPr lang="en-US" sz="3200" b="1" dirty="0" smtClean="0">
+              <a:rPr lang="en-US" sz="3200" b="1" dirty="0">
                 <a:solidFill>
                   <a:srgbClr val="FF0000"/>
                 </a:solidFill>
               </a:rPr>
               <a:t>ASK QUESTIONS!</a:t>
             </a:r>
-            <a:endParaRPr lang="en-US" sz="3200" b="1" dirty="0">
-              <a:solidFill>
-                <a:srgbClr val="FF0000"/>
-              </a:solidFill>
-            </a:endParaRPr>
           </a:p>
         </p:txBody>
       </p:sp>
@@ -9566,7 +6270,7 @@
 </p:sld>
 </file>
 
-<file path=ppt/slides/slide9.xml><?xml version="1.0" encoding="utf-8"?>
+<file path=ppt/slides/slide6.xml><?xml version="1.0" encoding="utf-8"?>
 <p:sld xmlns:a="http://schemas.openxmlformats.org/drawingml/2006/main" xmlns:r="http://schemas.openxmlformats.org/officeDocument/2006/relationships" xmlns:p="http://schemas.openxmlformats.org/presentationml/2006/main">
   <p:cSld>
     <p:spTree>
@@ -9630,7 +6334,7 @@
               <a:buNone/>
             </a:pPr>
             <a:r>
-              <a:rPr lang="en-US" sz="4800" b="1" dirty="0" smtClean="0">
+              <a:rPr lang="en-US" sz="4800" b="1" dirty="0">
                 <a:solidFill>
                   <a:schemeClr val="dk1"/>
                 </a:solidFill>
@@ -9700,7 +6404,7 @@
               <a:buChar char="•"/>
             </a:pPr>
             <a:r>
-              <a:rPr lang="en-US" sz="4000" b="0" i="0" u="none" dirty="0" smtClean="0">
+              <a:rPr lang="en-US" sz="4000" b="0" i="0" u="none" dirty="0">
                 <a:solidFill>
                   <a:schemeClr val="dk1"/>
                 </a:solidFill>
@@ -9712,7 +6416,7 @@
               <a:t>This is a safe spac</a:t>
             </a:r>
             <a:r>
-              <a:rPr lang="en-US" sz="4000" dirty="0" smtClean="0">
+              <a:rPr lang="en-US" sz="4000" dirty="0">
                 <a:solidFill>
                   <a:schemeClr val="dk1"/>
                 </a:solidFill>
@@ -9737,7 +6441,7 @@
               <a:buChar char="•"/>
             </a:pPr>
             <a:r>
-              <a:rPr lang="en-US" sz="3600" b="0" i="0" u="none" dirty="0" smtClean="0">
+              <a:rPr lang="en-US" sz="3600" b="0" i="0" u="none" dirty="0">
                 <a:solidFill>
                   <a:schemeClr val="dk1"/>
                 </a:solidFill>
@@ -9762,7 +6466,7 @@
               <a:buChar char="•"/>
             </a:pPr>
             <a:r>
-              <a:rPr lang="en-US" sz="3600" dirty="0" smtClean="0">
+              <a:rPr lang="en-US" sz="3600" dirty="0">
                 <a:solidFill>
                   <a:schemeClr val="dk1"/>
                 </a:solidFill>
@@ -9807,7 +6511,7 @@
               <a:buSzPct val="100000"/>
             </a:pPr>
             <a:r>
-              <a:rPr lang="en-US" sz="4000" dirty="0" smtClean="0">
+              <a:rPr lang="en-US" sz="4000" dirty="0">
                 <a:solidFill>
                   <a:schemeClr val="dk1"/>
                 </a:solidFill>
@@ -9818,7 +6522,7 @@
               </a:rPr>
               <a:t>Follow the template and make notes</a:t>
             </a:r>
-            <a:endParaRPr lang="en-US" sz="4000" b="0" i="0" u="none" dirty="0" smtClean="0">
+            <a:endParaRPr lang="en-US" sz="4000" b="0" i="0" u="none" dirty="0">
               <a:solidFill>
                 <a:schemeClr val="dk1"/>
               </a:solidFill>
@@ -9863,6 +6567,1414 @@
     <p:extLst>
       <p:ext uri="{BB962C8B-B14F-4D97-AF65-F5344CB8AC3E}">
         <p14:creationId xmlns:p14="http://schemas.microsoft.com/office/powerpoint/2010/main" val="1991331248"/>
+      </p:ext>
+    </p:extLst>
+  </p:cSld>
+  <p:clrMapOvr>
+    <a:masterClrMapping/>
+  </p:clrMapOvr>
+</p:sld>
+</file>
+
+<file path=ppt/slides/slide7.xml><?xml version="1.0" encoding="utf-8"?>
+<p:sld xmlns:a="http://schemas.openxmlformats.org/drawingml/2006/main" xmlns:r="http://schemas.openxmlformats.org/officeDocument/2006/relationships" xmlns:p="http://schemas.openxmlformats.org/presentationml/2006/main">
+  <p:cSld>
+    <p:spTree>
+      <p:nvGrpSpPr>
+        <p:cNvPr id="1" name="Shape 372"/>
+        <p:cNvGrpSpPr/>
+        <p:nvPr/>
+      </p:nvGrpSpPr>
+      <p:grpSpPr>
+        <a:xfrm>
+          <a:off x="0" y="0"/>
+          <a:ext cx="0" cy="0"/>
+          <a:chOff x="0" y="0"/>
+          <a:chExt cx="0" cy="0"/>
+        </a:xfrm>
+      </p:grpSpPr>
+      <p:sp>
+        <p:nvSpPr>
+          <p:cNvPr id="373" name="Shape 373"/>
+          <p:cNvSpPr txBox="1">
+            <a:spLocks noGrp="1"/>
+          </p:cNvSpPr>
+          <p:nvPr>
+            <p:ph type="title"/>
+          </p:nvPr>
+        </p:nvSpPr>
+        <p:spPr>
+          <a:xfrm>
+            <a:off x="457200" y="381000"/>
+            <a:ext cx="8229600" cy="838199"/>
+          </a:xfrm>
+          <a:prstGeom prst="rect">
+            <a:avLst/>
+          </a:prstGeom>
+          <a:noFill/>
+          <a:ln>
+            <a:noFill/>
+          </a:ln>
+        </p:spPr>
+        <p:txBody>
+          <a:bodyPr lIns="91425" tIns="45700" rIns="91425" bIns="45700" anchor="t" anchorCtr="0">
+            <a:noAutofit/>
+          </a:bodyPr>
+          <a:lstStyle/>
+          <a:p>
+            <a:pPr marL="0" marR="0" lvl="0" indent="0" algn="ctr" rtl="0">
+              <a:lnSpc>
+                <a:spcPct val="100000"/>
+              </a:lnSpc>
+              <a:spcBef>
+                <a:spcPts val="0"/>
+              </a:spcBef>
+              <a:spcAft>
+                <a:spcPts val="0"/>
+              </a:spcAft>
+              <a:buClr>
+                <a:schemeClr val="dk1"/>
+              </a:buClr>
+              <a:buSzPct val="25000"/>
+              <a:buFont typeface="Calibri"/>
+              <a:buNone/>
+            </a:pPr>
+            <a:r>
+              <a:rPr lang="en-US" sz="3600" b="1" i="0" u="none" strike="noStrike" cap="none">
+                <a:solidFill>
+                  <a:schemeClr val="dk1"/>
+                </a:solidFill>
+                <a:latin typeface="Calibri"/>
+                <a:ea typeface="Calibri"/>
+                <a:cs typeface="Calibri"/>
+                <a:sym typeface="Calibri"/>
+              </a:rPr>
+              <a:t>Technology Review Template</a:t>
+            </a:r>
+          </a:p>
+        </p:txBody>
+      </p:sp>
+      <p:sp>
+        <p:nvSpPr>
+          <p:cNvPr id="374" name="Shape 374"/>
+          <p:cNvSpPr txBox="1">
+            <a:spLocks noGrp="1"/>
+          </p:cNvSpPr>
+          <p:nvPr>
+            <p:ph type="body" idx="1"/>
+          </p:nvPr>
+        </p:nvSpPr>
+        <p:spPr>
+          <a:xfrm>
+            <a:off x="457200" y="1519516"/>
+            <a:ext cx="8229600" cy="1066799"/>
+          </a:xfrm>
+          <a:prstGeom prst="rect">
+            <a:avLst/>
+          </a:prstGeom>
+          <a:noFill/>
+          <a:ln>
+            <a:noFill/>
+          </a:ln>
+        </p:spPr>
+        <p:txBody>
+          <a:bodyPr lIns="91425" tIns="45700" rIns="91425" bIns="45700" anchor="t" anchorCtr="0">
+            <a:noAutofit/>
+          </a:bodyPr>
+          <a:lstStyle/>
+          <a:p>
+            <a:pPr marL="342900" marR="0" lvl="0" indent="-342900" algn="l" rtl="0">
+              <a:lnSpc>
+                <a:spcPct val="100000"/>
+              </a:lnSpc>
+              <a:spcBef>
+                <a:spcPts val="0"/>
+              </a:spcBef>
+              <a:spcAft>
+                <a:spcPts val="0"/>
+              </a:spcAft>
+              <a:buClr>
+                <a:schemeClr val="dk1"/>
+              </a:buClr>
+              <a:buSzPct val="100000"/>
+              <a:buFont typeface="Arial"/>
+              <a:buChar char="•"/>
+            </a:pPr>
+            <a:r>
+              <a:rPr lang="en-US" sz="2800" b="0" i="0" u="none" dirty="0">
+                <a:solidFill>
+                  <a:schemeClr val="dk1"/>
+                </a:solidFill>
+                <a:latin typeface="Calibri"/>
+                <a:ea typeface="Calibri"/>
+                <a:cs typeface="Calibri"/>
+                <a:sym typeface="Calibri"/>
+              </a:rPr>
+              <a:t>Why technology reviews?</a:t>
+            </a:r>
+          </a:p>
+          <a:p>
+            <a:pPr marL="742950" marR="0" lvl="1" indent="-285750" algn="l" rtl="0">
+              <a:lnSpc>
+                <a:spcPct val="100000"/>
+              </a:lnSpc>
+              <a:spcBef>
+                <a:spcPts val="480"/>
+              </a:spcBef>
+              <a:spcAft>
+                <a:spcPts val="0"/>
+              </a:spcAft>
+              <a:buClr>
+                <a:schemeClr val="dk1"/>
+              </a:buClr>
+              <a:buSzPct val="100000"/>
+              <a:buFont typeface="Arial"/>
+              <a:buChar char="–"/>
+            </a:pPr>
+            <a:r>
+              <a:rPr lang="en-US" sz="2400" b="0" i="0" u="none" strike="noStrike" cap="none" dirty="0">
+                <a:solidFill>
+                  <a:schemeClr val="dk1"/>
+                </a:solidFill>
+                <a:latin typeface="Calibri"/>
+                <a:ea typeface="Calibri"/>
+                <a:cs typeface="Calibri"/>
+                <a:sym typeface="Calibri"/>
+              </a:rPr>
+              <a:t>Evaluate a package for deployment in a project</a:t>
+            </a:r>
+          </a:p>
+        </p:txBody>
+      </p:sp>
+      <p:sp>
+        <p:nvSpPr>
+          <p:cNvPr id="376" name="Shape 376"/>
+          <p:cNvSpPr txBox="1"/>
+          <p:nvPr/>
+        </p:nvSpPr>
+        <p:spPr>
+          <a:xfrm>
+            <a:off x="457200" y="2891116"/>
+            <a:ext cx="8229600" cy="3200399"/>
+          </a:xfrm>
+          <a:prstGeom prst="rect">
+            <a:avLst/>
+          </a:prstGeom>
+          <a:solidFill>
+            <a:srgbClr val="D9D9D9"/>
+          </a:solidFill>
+          <a:ln>
+            <a:noFill/>
+          </a:ln>
+        </p:spPr>
+        <p:txBody>
+          <a:bodyPr lIns="91425" tIns="45700" rIns="91425" bIns="45700" anchor="t" anchorCtr="0">
+            <a:noAutofit/>
+          </a:bodyPr>
+          <a:lstStyle/>
+          <a:p>
+            <a:pPr marL="342900" marR="0" lvl="0" indent="-342900" algn="l" rtl="0">
+              <a:lnSpc>
+                <a:spcPct val="100000"/>
+              </a:lnSpc>
+              <a:spcBef>
+                <a:spcPts val="0"/>
+              </a:spcBef>
+              <a:spcAft>
+                <a:spcPts val="0"/>
+              </a:spcAft>
+              <a:buClr>
+                <a:schemeClr val="dk1"/>
+              </a:buClr>
+              <a:buSzPct val="100000"/>
+              <a:buFont typeface="Arial"/>
+              <a:buChar char="•"/>
+            </a:pPr>
+            <a:r>
+              <a:rPr lang="en-US" sz="2800" b="0" i="0" u="none" dirty="0">
+                <a:solidFill>
+                  <a:schemeClr val="dk1"/>
+                </a:solidFill>
+                <a:latin typeface="Calibri"/>
+                <a:ea typeface="Calibri"/>
+                <a:cs typeface="Calibri"/>
+                <a:sym typeface="Calibri"/>
+              </a:rPr>
+              <a:t>Background</a:t>
+            </a:r>
+          </a:p>
+          <a:p>
+            <a:pPr marL="742950" marR="0" lvl="1" indent="-285750" algn="l" rtl="0">
+              <a:lnSpc>
+                <a:spcPct val="100000"/>
+              </a:lnSpc>
+              <a:spcBef>
+                <a:spcPts val="480"/>
+              </a:spcBef>
+              <a:spcAft>
+                <a:spcPts val="0"/>
+              </a:spcAft>
+              <a:buClr>
+                <a:schemeClr val="dk1"/>
+              </a:buClr>
+              <a:buSzPct val="100000"/>
+              <a:buFont typeface="Arial"/>
+              <a:buChar char="–"/>
+            </a:pPr>
+            <a:r>
+              <a:rPr lang="en-US" sz="2400" b="0" i="0" u="none" strike="noStrike" cap="none" dirty="0">
+                <a:solidFill>
+                  <a:schemeClr val="dk1"/>
+                </a:solidFill>
+                <a:latin typeface="Calibri"/>
+                <a:ea typeface="Calibri"/>
+                <a:cs typeface="Calibri"/>
+                <a:sym typeface="Calibri"/>
+              </a:rPr>
+              <a:t>Requirements that indicate a need for the proposed package</a:t>
+            </a:r>
+          </a:p>
+          <a:p>
+            <a:pPr marL="342900" marR="0" lvl="0" indent="-342900" algn="l" rtl="0">
+              <a:lnSpc>
+                <a:spcPct val="100000"/>
+              </a:lnSpc>
+              <a:spcBef>
+                <a:spcPts val="560"/>
+              </a:spcBef>
+              <a:spcAft>
+                <a:spcPts val="0"/>
+              </a:spcAft>
+              <a:buClr>
+                <a:schemeClr val="dk1"/>
+              </a:buClr>
+              <a:buSzPct val="100000"/>
+              <a:buFont typeface="Arial"/>
+              <a:buChar char="•"/>
+            </a:pPr>
+            <a:r>
+              <a:rPr lang="en-US" sz="2800" b="0" i="0" u="none" dirty="0">
+                <a:solidFill>
+                  <a:schemeClr val="dk1"/>
+                </a:solidFill>
+                <a:latin typeface="Calibri"/>
+                <a:ea typeface="Calibri"/>
+                <a:cs typeface="Calibri"/>
+                <a:sym typeface="Calibri"/>
+              </a:rPr>
+              <a:t>Discuss</a:t>
+            </a:r>
+          </a:p>
+          <a:p>
+            <a:pPr marL="742950" marR="0" lvl="1" indent="-285750" algn="l" rtl="0">
+              <a:lnSpc>
+                <a:spcPct val="100000"/>
+              </a:lnSpc>
+              <a:spcBef>
+                <a:spcPts val="480"/>
+              </a:spcBef>
+              <a:spcAft>
+                <a:spcPts val="0"/>
+              </a:spcAft>
+              <a:buClr>
+                <a:schemeClr val="dk1"/>
+              </a:buClr>
+              <a:buSzPct val="100000"/>
+              <a:buFont typeface="Arial"/>
+              <a:buChar char="–"/>
+            </a:pPr>
+            <a:r>
+              <a:rPr lang="en-US" sz="2400" b="0" i="0" u="none" strike="noStrike" cap="none" dirty="0">
+                <a:solidFill>
+                  <a:schemeClr val="dk1"/>
+                </a:solidFill>
+                <a:latin typeface="Calibri"/>
+                <a:ea typeface="Calibri"/>
+                <a:cs typeface="Calibri"/>
+                <a:sym typeface="Calibri"/>
+              </a:rPr>
+              <a:t>How the package works</a:t>
+            </a:r>
+          </a:p>
+          <a:p>
+            <a:pPr marL="742950" marR="0" lvl="1" indent="-285750" algn="l" rtl="0">
+              <a:lnSpc>
+                <a:spcPct val="100000"/>
+              </a:lnSpc>
+              <a:spcBef>
+                <a:spcPts val="480"/>
+              </a:spcBef>
+              <a:spcAft>
+                <a:spcPts val="0"/>
+              </a:spcAft>
+              <a:buClr>
+                <a:schemeClr val="dk1"/>
+              </a:buClr>
+              <a:buSzPct val="100000"/>
+              <a:buFont typeface="Arial"/>
+              <a:buChar char="–"/>
+            </a:pPr>
+            <a:r>
+              <a:rPr lang="en-US" sz="2400" b="0" i="0" u="none" strike="noStrike" cap="none" dirty="0">
+                <a:solidFill>
+                  <a:schemeClr val="dk1"/>
+                </a:solidFill>
+                <a:latin typeface="Calibri"/>
+                <a:ea typeface="Calibri"/>
+                <a:cs typeface="Calibri"/>
+                <a:sym typeface="Calibri"/>
+              </a:rPr>
+              <a:t>Appeal of using the package</a:t>
+            </a:r>
+          </a:p>
+          <a:p>
+            <a:pPr marL="742950" marR="0" lvl="1" indent="-285750" algn="l" rtl="0">
+              <a:lnSpc>
+                <a:spcPct val="100000"/>
+              </a:lnSpc>
+              <a:spcBef>
+                <a:spcPts val="480"/>
+              </a:spcBef>
+              <a:spcAft>
+                <a:spcPts val="0"/>
+              </a:spcAft>
+              <a:buClr>
+                <a:schemeClr val="dk1"/>
+              </a:buClr>
+              <a:buSzPct val="100000"/>
+              <a:buFont typeface="Arial"/>
+              <a:buChar char="–"/>
+            </a:pPr>
+            <a:r>
+              <a:rPr lang="en-US" sz="2400" b="0" i="0" u="none" strike="noStrike" cap="none" dirty="0">
+                <a:solidFill>
+                  <a:schemeClr val="dk1"/>
+                </a:solidFill>
+                <a:latin typeface="Calibri"/>
+                <a:ea typeface="Calibri"/>
+                <a:cs typeface="Calibri"/>
+                <a:sym typeface="Calibri"/>
+              </a:rPr>
+              <a:t>Drawbacks of using the package</a:t>
+            </a:r>
+          </a:p>
+        </p:txBody>
+      </p:sp>
+    </p:spTree>
+    <p:extLst>
+      <p:ext uri="{BB962C8B-B14F-4D97-AF65-F5344CB8AC3E}">
+        <p14:creationId xmlns:p14="http://schemas.microsoft.com/office/powerpoint/2010/main" val="1104241747"/>
+      </p:ext>
+    </p:extLst>
+  </p:cSld>
+  <p:clrMapOvr>
+    <a:masterClrMapping/>
+  </p:clrMapOvr>
+</p:sld>
+</file>
+
+<file path=ppt/slides/slide8.xml><?xml version="1.0" encoding="utf-8"?>
+<p:sld xmlns:a="http://schemas.openxmlformats.org/drawingml/2006/main" xmlns:r="http://schemas.openxmlformats.org/officeDocument/2006/relationships" xmlns:p="http://schemas.openxmlformats.org/presentationml/2006/main">
+  <p:cSld>
+    <p:spTree>
+      <p:nvGrpSpPr>
+        <p:cNvPr id="1" name="Shape 372"/>
+        <p:cNvGrpSpPr/>
+        <p:nvPr/>
+      </p:nvGrpSpPr>
+      <p:grpSpPr>
+        <a:xfrm>
+          <a:off x="0" y="0"/>
+          <a:ext cx="0" cy="0"/>
+          <a:chOff x="0" y="0"/>
+          <a:chExt cx="0" cy="0"/>
+        </a:xfrm>
+      </p:grpSpPr>
+      <p:sp>
+        <p:nvSpPr>
+          <p:cNvPr id="373" name="Shape 373"/>
+          <p:cNvSpPr txBox="1">
+            <a:spLocks noGrp="1"/>
+          </p:cNvSpPr>
+          <p:nvPr>
+            <p:ph type="title"/>
+          </p:nvPr>
+        </p:nvSpPr>
+        <p:spPr>
+          <a:xfrm>
+            <a:off x="457200" y="381000"/>
+            <a:ext cx="8229600" cy="838199"/>
+          </a:xfrm>
+          <a:prstGeom prst="rect">
+            <a:avLst/>
+          </a:prstGeom>
+          <a:noFill/>
+          <a:ln>
+            <a:noFill/>
+          </a:ln>
+        </p:spPr>
+        <p:txBody>
+          <a:bodyPr lIns="91425" tIns="45700" rIns="91425" bIns="45700" anchor="t" anchorCtr="0">
+            <a:noAutofit/>
+          </a:bodyPr>
+          <a:lstStyle/>
+          <a:p>
+            <a:pPr marL="0" marR="0" lvl="0" indent="0" algn="ctr" rtl="0">
+              <a:lnSpc>
+                <a:spcPct val="100000"/>
+              </a:lnSpc>
+              <a:spcBef>
+                <a:spcPts val="0"/>
+              </a:spcBef>
+              <a:spcAft>
+                <a:spcPts val="0"/>
+              </a:spcAft>
+              <a:buClr>
+                <a:schemeClr val="dk1"/>
+              </a:buClr>
+              <a:buSzPct val="25000"/>
+              <a:buFont typeface="Calibri"/>
+              <a:buNone/>
+            </a:pPr>
+            <a:r>
+              <a:rPr lang="en-US" sz="3600" b="1" i="0" u="none" strike="noStrike" cap="none" dirty="0">
+                <a:solidFill>
+                  <a:schemeClr val="dk1"/>
+                </a:solidFill>
+                <a:latin typeface="Calibri"/>
+                <a:ea typeface="Calibri"/>
+                <a:cs typeface="Calibri"/>
+                <a:sym typeface="Calibri"/>
+              </a:rPr>
+              <a:t>Technology Review: NEXT WEEK</a:t>
+            </a:r>
+          </a:p>
+        </p:txBody>
+      </p:sp>
+      <p:sp>
+        <p:nvSpPr>
+          <p:cNvPr id="374" name="Shape 374"/>
+          <p:cNvSpPr txBox="1">
+            <a:spLocks noGrp="1"/>
+          </p:cNvSpPr>
+          <p:nvPr>
+            <p:ph type="body" idx="1"/>
+          </p:nvPr>
+        </p:nvSpPr>
+        <p:spPr>
+          <a:xfrm>
+            <a:off x="457200" y="1519516"/>
+            <a:ext cx="8229600" cy="4988860"/>
+          </a:xfrm>
+          <a:prstGeom prst="rect">
+            <a:avLst/>
+          </a:prstGeom>
+          <a:noFill/>
+          <a:ln>
+            <a:noFill/>
+          </a:ln>
+        </p:spPr>
+        <p:txBody>
+          <a:bodyPr lIns="91425" tIns="45700" rIns="91425" bIns="45700" anchor="t" anchorCtr="0">
+            <a:noAutofit/>
+          </a:bodyPr>
+          <a:lstStyle/>
+          <a:p>
+            <a:pPr marL="342900" marR="0" lvl="0" indent="-342900" algn="l" rtl="0">
+              <a:lnSpc>
+                <a:spcPct val="100000"/>
+              </a:lnSpc>
+              <a:spcBef>
+                <a:spcPts val="0"/>
+              </a:spcBef>
+              <a:spcAft>
+                <a:spcPts val="0"/>
+              </a:spcAft>
+              <a:buClr>
+                <a:schemeClr val="dk1"/>
+              </a:buClr>
+              <a:buSzPct val="100000"/>
+              <a:buFont typeface="Arial"/>
+              <a:buChar char="•"/>
+            </a:pPr>
+            <a:r>
+              <a:rPr lang="en-US" sz="2800" dirty="0">
+                <a:solidFill>
+                  <a:schemeClr val="dk1"/>
+                </a:solidFill>
+                <a:latin typeface="Calibri"/>
+                <a:ea typeface="Calibri"/>
+                <a:cs typeface="Calibri"/>
+                <a:sym typeface="Calibri"/>
+              </a:rPr>
+              <a:t>Next Thu. every project will present</a:t>
+            </a:r>
+          </a:p>
+          <a:p>
+            <a:pPr lvl="1" indent="-342900">
+              <a:spcBef>
+                <a:spcPts val="0"/>
+              </a:spcBef>
+              <a:buClr>
+                <a:schemeClr val="dk1"/>
+              </a:buClr>
+              <a:buSzPct val="100000"/>
+              <a:buFont typeface="Arial"/>
+              <a:buChar char="•"/>
+            </a:pPr>
+            <a:r>
+              <a:rPr lang="en-US" sz="2400" dirty="0">
+                <a:solidFill>
+                  <a:schemeClr val="dk1"/>
+                </a:solidFill>
+                <a:latin typeface="Calibri"/>
+                <a:ea typeface="Calibri"/>
+                <a:cs typeface="Calibri"/>
+                <a:sym typeface="Calibri"/>
+              </a:rPr>
+              <a:t>Max 5 minutes </a:t>
+            </a:r>
+            <a:r>
+              <a:rPr lang="mr-IN" sz="2400" dirty="0">
+                <a:solidFill>
+                  <a:schemeClr val="dk1"/>
+                </a:solidFill>
+                <a:latin typeface="Calibri"/>
+                <a:ea typeface="Calibri"/>
+                <a:cs typeface="Calibri"/>
+                <a:sym typeface="Calibri"/>
+              </a:rPr>
+              <a:t>–</a:t>
+            </a:r>
+            <a:r>
+              <a:rPr lang="en-US" sz="2400" dirty="0">
+                <a:solidFill>
+                  <a:schemeClr val="dk1"/>
+                </a:solidFill>
+                <a:latin typeface="Calibri"/>
+                <a:ea typeface="Calibri"/>
+                <a:cs typeface="Calibri"/>
+                <a:sym typeface="Calibri"/>
+              </a:rPr>
+              <a:t> I will cut you off</a:t>
+            </a:r>
+          </a:p>
+          <a:p>
+            <a:pPr marL="342900" marR="0" lvl="0" indent="-342900" algn="l" rtl="0">
+              <a:lnSpc>
+                <a:spcPct val="100000"/>
+              </a:lnSpc>
+              <a:spcBef>
+                <a:spcPts val="0"/>
+              </a:spcBef>
+              <a:spcAft>
+                <a:spcPts val="0"/>
+              </a:spcAft>
+              <a:buClr>
+                <a:schemeClr val="dk1"/>
+              </a:buClr>
+              <a:buSzPct val="100000"/>
+              <a:buFont typeface="Arial"/>
+              <a:buChar char="•"/>
+            </a:pPr>
+            <a:endParaRPr lang="en-US" sz="2800" dirty="0">
+              <a:solidFill>
+                <a:schemeClr val="dk1"/>
+              </a:solidFill>
+              <a:latin typeface="Calibri"/>
+              <a:ea typeface="Calibri"/>
+              <a:cs typeface="Calibri"/>
+              <a:sym typeface="Calibri"/>
+            </a:endParaRPr>
+          </a:p>
+          <a:p>
+            <a:pPr marL="342900" marR="0" lvl="0" indent="-342900" algn="l" rtl="0">
+              <a:lnSpc>
+                <a:spcPct val="100000"/>
+              </a:lnSpc>
+              <a:spcBef>
+                <a:spcPts val="0"/>
+              </a:spcBef>
+              <a:spcAft>
+                <a:spcPts val="0"/>
+              </a:spcAft>
+              <a:buClr>
+                <a:schemeClr val="dk1"/>
+              </a:buClr>
+              <a:buSzPct val="100000"/>
+              <a:buFont typeface="Arial"/>
+              <a:buChar char="•"/>
+            </a:pPr>
+            <a:r>
+              <a:rPr lang="en-US" sz="2800" b="0" i="0" u="none" strike="noStrike" cap="none" dirty="0">
+                <a:solidFill>
+                  <a:schemeClr val="dk1"/>
+                </a:solidFill>
+                <a:latin typeface="Calibri"/>
+                <a:ea typeface="Calibri"/>
+                <a:cs typeface="Calibri"/>
+                <a:sym typeface="Calibri"/>
+              </a:rPr>
+              <a:t>Everyone in the team will speak</a:t>
+            </a:r>
+          </a:p>
+          <a:p>
+            <a:pPr lvl="1" indent="-342900">
+              <a:spcBef>
+                <a:spcPts val="0"/>
+              </a:spcBef>
+              <a:buClr>
+                <a:schemeClr val="dk1"/>
+              </a:buClr>
+              <a:buSzPct val="100000"/>
+              <a:buFont typeface="Arial"/>
+              <a:buChar char="•"/>
+            </a:pPr>
+            <a:r>
+              <a:rPr lang="en-US" sz="2000" dirty="0">
+                <a:solidFill>
+                  <a:schemeClr val="dk1"/>
+                </a:solidFill>
+                <a:latin typeface="Calibri"/>
+                <a:ea typeface="Calibri"/>
+                <a:cs typeface="Calibri"/>
+                <a:sym typeface="Calibri"/>
+              </a:rPr>
+              <a:t>Background: your application and why you want to use it, 1 slide</a:t>
+            </a:r>
+          </a:p>
+          <a:p>
+            <a:pPr lvl="1" indent="-342900">
+              <a:spcBef>
+                <a:spcPts val="0"/>
+              </a:spcBef>
+              <a:buClr>
+                <a:schemeClr val="dk1"/>
+              </a:buClr>
+              <a:buSzPct val="100000"/>
+              <a:buFont typeface="Arial"/>
+              <a:buChar char="•"/>
+            </a:pPr>
+            <a:r>
+              <a:rPr lang="en-US" sz="2000" b="0" i="0" u="none" strike="noStrike" cap="none" dirty="0">
+                <a:solidFill>
+                  <a:schemeClr val="dk1"/>
+                </a:solidFill>
+                <a:latin typeface="Calibri"/>
+                <a:ea typeface="Calibri"/>
+                <a:cs typeface="Calibri"/>
+                <a:sym typeface="Calibri"/>
+              </a:rPr>
+              <a:t>What technologies you considered: 1 slide</a:t>
+            </a:r>
+          </a:p>
+          <a:p>
+            <a:pPr lvl="1" indent="-342900">
+              <a:spcBef>
+                <a:spcPts val="0"/>
+              </a:spcBef>
+              <a:buClr>
+                <a:schemeClr val="dk1"/>
+              </a:buClr>
+              <a:buSzPct val="100000"/>
+              <a:buFont typeface="Arial"/>
+              <a:buChar char="•"/>
+            </a:pPr>
+            <a:r>
+              <a:rPr lang="en-US" sz="2000" dirty="0">
+                <a:solidFill>
+                  <a:schemeClr val="dk1"/>
+                </a:solidFill>
+                <a:latin typeface="Calibri"/>
+                <a:ea typeface="Calibri"/>
+                <a:cs typeface="Calibri"/>
+                <a:sym typeface="Calibri"/>
+              </a:rPr>
+              <a:t>Choice: what you chose to use, summary  of how it works, 1 slide</a:t>
+            </a:r>
+            <a:endParaRPr lang="en-US" sz="2000" b="0" i="0" u="none" strike="noStrike" cap="none" dirty="0">
+              <a:solidFill>
+                <a:schemeClr val="dk1"/>
+              </a:solidFill>
+              <a:latin typeface="Calibri"/>
+              <a:ea typeface="Calibri"/>
+              <a:cs typeface="Calibri"/>
+              <a:sym typeface="Calibri"/>
+            </a:endParaRPr>
+          </a:p>
+          <a:p>
+            <a:pPr lvl="1" indent="-342900">
+              <a:spcBef>
+                <a:spcPts val="0"/>
+              </a:spcBef>
+              <a:buClr>
+                <a:schemeClr val="dk1"/>
+              </a:buClr>
+              <a:buSzPct val="100000"/>
+              <a:buFont typeface="Arial"/>
+              <a:buChar char="•"/>
+            </a:pPr>
+            <a:r>
+              <a:rPr lang="en-US" sz="2000" dirty="0">
+                <a:solidFill>
+                  <a:schemeClr val="dk1"/>
+                </a:solidFill>
+                <a:latin typeface="Calibri"/>
+                <a:ea typeface="Calibri"/>
+                <a:cs typeface="Calibri"/>
+                <a:sym typeface="Calibri"/>
+              </a:rPr>
+              <a:t>Appeal of choice: 1 slide</a:t>
+            </a:r>
+          </a:p>
+          <a:p>
+            <a:pPr lvl="1" indent="-342900">
+              <a:spcBef>
+                <a:spcPts val="0"/>
+              </a:spcBef>
+              <a:buClr>
+                <a:schemeClr val="dk1"/>
+              </a:buClr>
+              <a:buSzPct val="100000"/>
+              <a:buFont typeface="Arial"/>
+              <a:buChar char="•"/>
+            </a:pPr>
+            <a:r>
+              <a:rPr lang="en-US" sz="2000" b="0" i="0" u="none" strike="noStrike" cap="none" dirty="0">
+                <a:solidFill>
+                  <a:schemeClr val="dk1"/>
+                </a:solidFill>
+                <a:latin typeface="Calibri"/>
+                <a:ea typeface="Calibri"/>
+                <a:cs typeface="Calibri"/>
+                <a:sym typeface="Calibri"/>
+              </a:rPr>
+              <a:t>Drawbacks of choice: 1 slide</a:t>
+            </a:r>
+          </a:p>
+          <a:p>
+            <a:pPr lvl="1" indent="-342900">
+              <a:spcBef>
+                <a:spcPts val="0"/>
+              </a:spcBef>
+              <a:buClr>
+                <a:schemeClr val="dk1"/>
+              </a:buClr>
+              <a:buSzPct val="100000"/>
+              <a:buFont typeface="Arial"/>
+              <a:buChar char="•"/>
+            </a:pPr>
+            <a:endParaRPr lang="en-US" sz="2000" dirty="0">
+              <a:solidFill>
+                <a:schemeClr val="dk1"/>
+              </a:solidFill>
+              <a:latin typeface="Calibri"/>
+              <a:ea typeface="Calibri"/>
+              <a:cs typeface="Calibri"/>
+              <a:sym typeface="Calibri"/>
+            </a:endParaRPr>
+          </a:p>
+          <a:p>
+            <a:pPr>
+              <a:spcBef>
+                <a:spcPts val="0"/>
+              </a:spcBef>
+              <a:buClr>
+                <a:schemeClr val="dk1"/>
+              </a:buClr>
+              <a:buSzPct val="100000"/>
+            </a:pPr>
+            <a:r>
+              <a:rPr lang="en-US" sz="2400" b="0" i="0" u="none" strike="noStrike" cap="none" dirty="0">
+                <a:solidFill>
+                  <a:schemeClr val="dk1"/>
+                </a:solidFill>
+                <a:latin typeface="Calibri"/>
+                <a:ea typeface="Calibri"/>
+                <a:cs typeface="Calibri"/>
+                <a:sym typeface="Calibri"/>
+              </a:rPr>
+              <a:t>Things to think about, as a starting point:</a:t>
+            </a:r>
+          </a:p>
+          <a:p>
+            <a:pPr lvl="1">
+              <a:spcBef>
+                <a:spcPts val="0"/>
+              </a:spcBef>
+              <a:buClr>
+                <a:schemeClr val="dk1"/>
+              </a:buClr>
+              <a:buSzPct val="100000"/>
+            </a:pPr>
+            <a:r>
+              <a:rPr lang="en-US" sz="2000" dirty="0">
+                <a:solidFill>
+                  <a:schemeClr val="dk1"/>
+                </a:solidFill>
+                <a:latin typeface="Calibri"/>
+                <a:ea typeface="Calibri"/>
+                <a:cs typeface="Calibri"/>
+                <a:sym typeface="Calibri"/>
+              </a:rPr>
+              <a:t>Availability of relevant examples</a:t>
+            </a:r>
+          </a:p>
+          <a:p>
+            <a:pPr lvl="1">
+              <a:spcBef>
+                <a:spcPts val="0"/>
+              </a:spcBef>
+              <a:buClr>
+                <a:schemeClr val="dk1"/>
+              </a:buClr>
+              <a:buSzPct val="100000"/>
+            </a:pPr>
+            <a:r>
+              <a:rPr lang="en-US" sz="2000" b="0" i="0" u="none" strike="noStrike" cap="none" dirty="0">
+                <a:solidFill>
+                  <a:schemeClr val="dk1"/>
+                </a:solidFill>
+                <a:latin typeface="Calibri"/>
+                <a:ea typeface="Calibri"/>
+                <a:cs typeface="Calibri"/>
+                <a:sym typeface="Calibri"/>
+              </a:rPr>
+              <a:t>Look at open issues on GitHub</a:t>
+            </a:r>
+          </a:p>
+          <a:p>
+            <a:pPr lvl="1" indent="-342900">
+              <a:spcBef>
+                <a:spcPts val="0"/>
+              </a:spcBef>
+              <a:buClr>
+                <a:schemeClr val="dk1"/>
+              </a:buClr>
+              <a:buSzPct val="100000"/>
+              <a:buFont typeface="Arial"/>
+              <a:buChar char="•"/>
+            </a:pPr>
+            <a:endParaRPr lang="en-US" sz="2000" dirty="0">
+              <a:solidFill>
+                <a:schemeClr val="dk1"/>
+              </a:solidFill>
+              <a:latin typeface="Calibri"/>
+              <a:ea typeface="Calibri"/>
+              <a:cs typeface="Calibri"/>
+              <a:sym typeface="Calibri"/>
+            </a:endParaRPr>
+          </a:p>
+          <a:p>
+            <a:pPr>
+              <a:spcBef>
+                <a:spcPts val="0"/>
+              </a:spcBef>
+              <a:buClr>
+                <a:schemeClr val="dk1"/>
+              </a:buClr>
+              <a:buSzPct val="100000"/>
+            </a:pPr>
+            <a:r>
+              <a:rPr lang="en-US" sz="2400" b="0" i="0" u="none" strike="noStrike" cap="none" dirty="0">
+                <a:solidFill>
+                  <a:schemeClr val="dk1"/>
+                </a:solidFill>
+                <a:latin typeface="Calibri"/>
+                <a:ea typeface="Calibri"/>
+                <a:cs typeface="Calibri"/>
+                <a:sym typeface="Calibri"/>
+              </a:rPr>
+              <a:t>Questions?</a:t>
+            </a:r>
+          </a:p>
+          <a:p>
+            <a:pPr lvl="1" indent="-342900">
+              <a:spcBef>
+                <a:spcPts val="0"/>
+              </a:spcBef>
+              <a:buClr>
+                <a:schemeClr val="dk1"/>
+              </a:buClr>
+              <a:buSzPct val="100000"/>
+              <a:buFont typeface="Arial"/>
+              <a:buChar char="•"/>
+            </a:pPr>
+            <a:endParaRPr lang="en-US" sz="2000" b="0" i="0" u="none" strike="noStrike" cap="none" dirty="0">
+              <a:solidFill>
+                <a:schemeClr val="dk1"/>
+              </a:solidFill>
+              <a:latin typeface="Calibri"/>
+              <a:ea typeface="Calibri"/>
+              <a:cs typeface="Calibri"/>
+              <a:sym typeface="Calibri"/>
+            </a:endParaRPr>
+          </a:p>
+        </p:txBody>
+      </p:sp>
+    </p:spTree>
+    <p:extLst>
+      <p:ext uri="{BB962C8B-B14F-4D97-AF65-F5344CB8AC3E}">
+        <p14:creationId xmlns:p14="http://schemas.microsoft.com/office/powerpoint/2010/main" val="817054824"/>
+      </p:ext>
+    </p:extLst>
+  </p:cSld>
+  <p:clrMapOvr>
+    <a:masterClrMapping/>
+  </p:clrMapOvr>
+</p:sld>
+</file>
+
+<file path=ppt/slides/slide9.xml><?xml version="1.0" encoding="utf-8"?>
+<p:sld xmlns:a="http://schemas.openxmlformats.org/drawingml/2006/main" xmlns:r="http://schemas.openxmlformats.org/officeDocument/2006/relationships" xmlns:p="http://schemas.openxmlformats.org/presentationml/2006/main">
+  <p:cSld>
+    <p:spTree>
+      <p:nvGrpSpPr>
+        <p:cNvPr id="1" name="Shape 411"/>
+        <p:cNvGrpSpPr/>
+        <p:nvPr/>
+      </p:nvGrpSpPr>
+      <p:grpSpPr>
+        <a:xfrm>
+          <a:off x="0" y="0"/>
+          <a:ext cx="0" cy="0"/>
+          <a:chOff x="0" y="0"/>
+          <a:chExt cx="0" cy="0"/>
+        </a:xfrm>
+      </p:grpSpPr>
+      <p:sp>
+        <p:nvSpPr>
+          <p:cNvPr id="412" name="Shape 412"/>
+          <p:cNvSpPr txBox="1">
+            <a:spLocks noGrp="1"/>
+          </p:cNvSpPr>
+          <p:nvPr>
+            <p:ph type="title"/>
+          </p:nvPr>
+        </p:nvSpPr>
+        <p:spPr>
+          <a:xfrm>
+            <a:off x="457200" y="381000"/>
+            <a:ext cx="8229600" cy="838199"/>
+          </a:xfrm>
+          <a:prstGeom prst="rect">
+            <a:avLst/>
+          </a:prstGeom>
+          <a:noFill/>
+          <a:ln>
+            <a:noFill/>
+          </a:ln>
+        </p:spPr>
+        <p:txBody>
+          <a:bodyPr lIns="91425" tIns="45700" rIns="91425" bIns="45700" anchor="t" anchorCtr="0">
+            <a:noAutofit/>
+          </a:bodyPr>
+          <a:lstStyle/>
+          <a:p>
+            <a:pPr marL="0" marR="0" lvl="0" indent="0" algn="ctr" rtl="0">
+              <a:lnSpc>
+                <a:spcPct val="100000"/>
+              </a:lnSpc>
+              <a:spcBef>
+                <a:spcPts val="0"/>
+              </a:spcBef>
+              <a:spcAft>
+                <a:spcPts val="0"/>
+              </a:spcAft>
+              <a:buClr>
+                <a:schemeClr val="dk1"/>
+              </a:buClr>
+              <a:buSzPct val="25000"/>
+              <a:buFont typeface="Calibri"/>
+              <a:buNone/>
+            </a:pPr>
+            <a:r>
+              <a:rPr lang="en-US" sz="3600" b="1" i="0" u="none" strike="noStrike" cap="none">
+                <a:solidFill>
+                  <a:schemeClr val="dk1"/>
+                </a:solidFill>
+                <a:latin typeface="Calibri"/>
+                <a:ea typeface="Calibri"/>
+                <a:cs typeface="Calibri"/>
+                <a:sym typeface="Calibri"/>
+              </a:rPr>
+              <a:t>Standup Template</a:t>
+            </a:r>
+          </a:p>
+        </p:txBody>
+      </p:sp>
+      <p:sp>
+        <p:nvSpPr>
+          <p:cNvPr id="413" name="Shape 413"/>
+          <p:cNvSpPr txBox="1">
+            <a:spLocks noGrp="1"/>
+          </p:cNvSpPr>
+          <p:nvPr>
+            <p:ph type="body" idx="1"/>
+          </p:nvPr>
+        </p:nvSpPr>
+        <p:spPr>
+          <a:xfrm>
+            <a:off x="304800" y="1474692"/>
+            <a:ext cx="8458200" cy="1066799"/>
+          </a:xfrm>
+          <a:prstGeom prst="rect">
+            <a:avLst/>
+          </a:prstGeom>
+          <a:noFill/>
+          <a:ln>
+            <a:noFill/>
+          </a:ln>
+        </p:spPr>
+        <p:txBody>
+          <a:bodyPr lIns="91425" tIns="45700" rIns="91425" bIns="45700" anchor="t" anchorCtr="0">
+            <a:noAutofit/>
+          </a:bodyPr>
+          <a:lstStyle/>
+          <a:p>
+            <a:pPr marL="342900" marR="0" lvl="0" indent="-342900" algn="l" rtl="0">
+              <a:lnSpc>
+                <a:spcPct val="100000"/>
+              </a:lnSpc>
+              <a:spcBef>
+                <a:spcPts val="0"/>
+              </a:spcBef>
+              <a:spcAft>
+                <a:spcPts val="0"/>
+              </a:spcAft>
+              <a:buClr>
+                <a:schemeClr val="dk1"/>
+              </a:buClr>
+              <a:buSzPct val="100000"/>
+              <a:buFont typeface="Arial"/>
+              <a:buChar char="•"/>
+            </a:pPr>
+            <a:r>
+              <a:rPr lang="en-US" sz="2800" b="0" i="0" u="none">
+                <a:solidFill>
+                  <a:schemeClr val="dk1"/>
+                </a:solidFill>
+                <a:latin typeface="Calibri"/>
+                <a:ea typeface="Calibri"/>
+                <a:cs typeface="Calibri"/>
+                <a:sym typeface="Calibri"/>
+              </a:rPr>
+              <a:t>Why standups?</a:t>
+            </a:r>
+          </a:p>
+          <a:p>
+            <a:pPr marL="742950" marR="0" lvl="1" indent="-285750" algn="l" rtl="0">
+              <a:lnSpc>
+                <a:spcPct val="100000"/>
+              </a:lnSpc>
+              <a:spcBef>
+                <a:spcPts val="480"/>
+              </a:spcBef>
+              <a:spcAft>
+                <a:spcPts val="0"/>
+              </a:spcAft>
+              <a:buClr>
+                <a:schemeClr val="dk1"/>
+              </a:buClr>
+              <a:buSzPct val="100000"/>
+              <a:buFont typeface="Arial"/>
+              <a:buChar char="–"/>
+            </a:pPr>
+            <a:r>
+              <a:rPr lang="en-US" sz="2400" b="0" i="0" u="none" strike="noStrike" cap="none">
+                <a:solidFill>
+                  <a:schemeClr val="dk1"/>
+                </a:solidFill>
+                <a:latin typeface="Calibri"/>
+                <a:ea typeface="Calibri"/>
+                <a:cs typeface="Calibri"/>
+                <a:sym typeface="Calibri"/>
+              </a:rPr>
+              <a:t>Communicate status and actions within and between teams</a:t>
+            </a:r>
+          </a:p>
+          <a:p>
+            <a:pPr marL="342900" marR="0" lvl="0" indent="-342900" algn="l" rtl="0">
+              <a:lnSpc>
+                <a:spcPct val="100000"/>
+              </a:lnSpc>
+              <a:spcBef>
+                <a:spcPts val="560"/>
+              </a:spcBef>
+              <a:spcAft>
+                <a:spcPts val="0"/>
+              </a:spcAft>
+              <a:buClr>
+                <a:schemeClr val="dk1"/>
+              </a:buClr>
+              <a:buSzPct val="100000"/>
+              <a:buFont typeface="Arial"/>
+              <a:buChar char="•"/>
+            </a:pPr>
+            <a:r>
+              <a:rPr lang="en-US" sz="2800" b="0" i="0" u="none">
+                <a:solidFill>
+                  <a:schemeClr val="dk1"/>
+                </a:solidFill>
+                <a:latin typeface="Calibri"/>
+                <a:ea typeface="Calibri"/>
+                <a:cs typeface="Calibri"/>
+                <a:sym typeface="Calibri"/>
+              </a:rPr>
+              <a:t>Should be presented in 1-2 minutes</a:t>
+            </a:r>
+          </a:p>
+        </p:txBody>
+      </p:sp>
+      <p:sp>
+        <p:nvSpPr>
+          <p:cNvPr id="415" name="Shape 415"/>
+          <p:cNvSpPr txBox="1"/>
+          <p:nvPr/>
+        </p:nvSpPr>
+        <p:spPr>
+          <a:xfrm>
+            <a:off x="457200" y="3151092"/>
+            <a:ext cx="8229600" cy="3200399"/>
+          </a:xfrm>
+          <a:prstGeom prst="rect">
+            <a:avLst/>
+          </a:prstGeom>
+          <a:solidFill>
+            <a:srgbClr val="D9D9D9"/>
+          </a:solidFill>
+          <a:ln>
+            <a:noFill/>
+          </a:ln>
+        </p:spPr>
+        <p:txBody>
+          <a:bodyPr lIns="91425" tIns="45700" rIns="91425" bIns="45700" anchor="t" anchorCtr="0">
+            <a:noAutofit/>
+          </a:bodyPr>
+          <a:lstStyle/>
+          <a:p>
+            <a:pPr marL="342900" marR="0" lvl="0" indent="-342900" algn="l" rtl="0">
+              <a:lnSpc>
+                <a:spcPct val="100000"/>
+              </a:lnSpc>
+              <a:spcBef>
+                <a:spcPts val="0"/>
+              </a:spcBef>
+              <a:spcAft>
+                <a:spcPts val="0"/>
+              </a:spcAft>
+              <a:buClr>
+                <a:schemeClr val="dk1"/>
+              </a:buClr>
+              <a:buSzPct val="100000"/>
+              <a:buFont typeface="Arial"/>
+              <a:buChar char="•"/>
+            </a:pPr>
+            <a:r>
+              <a:rPr lang="en-US" sz="2800" b="0" i="0" u="none" dirty="0">
+                <a:solidFill>
+                  <a:schemeClr val="dk1"/>
+                </a:solidFill>
+                <a:latin typeface="Calibri"/>
+                <a:ea typeface="Calibri"/>
+                <a:cs typeface="Calibri"/>
+                <a:sym typeface="Calibri"/>
+              </a:rPr>
+              <a:t>Progress this period</a:t>
+            </a:r>
+          </a:p>
+          <a:p>
+            <a:pPr marL="742950" marR="0" lvl="1" indent="-285750" algn="l" rtl="0">
+              <a:lnSpc>
+                <a:spcPct val="100000"/>
+              </a:lnSpc>
+              <a:spcBef>
+                <a:spcPts val="480"/>
+              </a:spcBef>
+              <a:spcAft>
+                <a:spcPts val="0"/>
+              </a:spcAft>
+              <a:buClr>
+                <a:schemeClr val="dk1"/>
+              </a:buClr>
+              <a:buSzPct val="100000"/>
+              <a:buFont typeface="Arial"/>
+              <a:buChar char="–"/>
+            </a:pPr>
+            <a:r>
+              <a:rPr lang="en-US" sz="2400" b="0" i="0" u="none" strike="noStrike" cap="none" dirty="0">
+                <a:solidFill>
+                  <a:schemeClr val="dk1"/>
+                </a:solidFill>
+                <a:latin typeface="Calibri"/>
+                <a:ea typeface="Calibri"/>
+                <a:cs typeface="Calibri"/>
+                <a:sym typeface="Calibri"/>
+              </a:rPr>
+              <a:t>How it compares with the plan</a:t>
+            </a:r>
+          </a:p>
+          <a:p>
+            <a:pPr marL="742950" marR="0" lvl="1" indent="-285750" algn="l" rtl="0">
+              <a:lnSpc>
+                <a:spcPct val="100000"/>
+              </a:lnSpc>
+              <a:spcBef>
+                <a:spcPts val="480"/>
+              </a:spcBef>
+              <a:spcAft>
+                <a:spcPts val="0"/>
+              </a:spcAft>
+              <a:buClr>
+                <a:schemeClr val="dk1"/>
+              </a:buClr>
+              <a:buSzPct val="100000"/>
+              <a:buFont typeface="Arial"/>
+              <a:buChar char="–"/>
+            </a:pPr>
+            <a:r>
+              <a:rPr lang="en-US" sz="2400" b="0" i="0" u="none" strike="noStrike" cap="none" dirty="0">
+                <a:solidFill>
+                  <a:schemeClr val="dk1"/>
+                </a:solidFill>
+                <a:latin typeface="Calibri"/>
+                <a:ea typeface="Calibri"/>
+                <a:cs typeface="Calibri"/>
+                <a:sym typeface="Calibri"/>
+              </a:rPr>
+              <a:t>If behind plan, how compensate to make plan end date</a:t>
+            </a:r>
+          </a:p>
+          <a:p>
+            <a:pPr marL="342900" marR="0" lvl="0" indent="-342900" algn="l" rtl="0">
+              <a:lnSpc>
+                <a:spcPct val="100000"/>
+              </a:lnSpc>
+              <a:spcBef>
+                <a:spcPts val="560"/>
+              </a:spcBef>
+              <a:spcAft>
+                <a:spcPts val="0"/>
+              </a:spcAft>
+              <a:buClr>
+                <a:schemeClr val="dk1"/>
+              </a:buClr>
+              <a:buSzPct val="100000"/>
+              <a:buFont typeface="Arial"/>
+              <a:buChar char="•"/>
+            </a:pPr>
+            <a:r>
+              <a:rPr lang="en-US" sz="2800" b="0" i="0" u="none" dirty="0">
+                <a:solidFill>
+                  <a:schemeClr val="dk1"/>
+                </a:solidFill>
+                <a:latin typeface="Calibri"/>
+                <a:ea typeface="Calibri"/>
+                <a:cs typeface="Calibri"/>
+                <a:sym typeface="Calibri"/>
+              </a:rPr>
+              <a:t>Deliverables for next period</a:t>
+            </a:r>
+          </a:p>
+          <a:p>
+            <a:pPr marL="342900" marR="0" lvl="0" indent="-342900" algn="l" rtl="0">
+              <a:lnSpc>
+                <a:spcPct val="100000"/>
+              </a:lnSpc>
+              <a:spcBef>
+                <a:spcPts val="560"/>
+              </a:spcBef>
+              <a:spcAft>
+                <a:spcPts val="0"/>
+              </a:spcAft>
+              <a:buClr>
+                <a:schemeClr val="dk1"/>
+              </a:buClr>
+              <a:buSzPct val="100000"/>
+              <a:buFont typeface="Arial"/>
+              <a:buChar char="•"/>
+            </a:pPr>
+            <a:r>
+              <a:rPr lang="en-US" sz="2800" b="0" i="0" u="none" dirty="0">
+                <a:solidFill>
+                  <a:schemeClr val="dk1"/>
+                </a:solidFill>
+                <a:latin typeface="Calibri"/>
+                <a:ea typeface="Calibri"/>
+                <a:cs typeface="Calibri"/>
+                <a:sym typeface="Calibri"/>
+              </a:rPr>
+              <a:t>Challenges to making next deliverables such as:</a:t>
+            </a:r>
+          </a:p>
+          <a:p>
+            <a:pPr marL="742950" marR="0" lvl="1" indent="-285750" algn="l" rtl="0">
+              <a:lnSpc>
+                <a:spcPct val="100000"/>
+              </a:lnSpc>
+              <a:spcBef>
+                <a:spcPts val="480"/>
+              </a:spcBef>
+              <a:spcAft>
+                <a:spcPts val="0"/>
+              </a:spcAft>
+              <a:buClr>
+                <a:schemeClr val="dk1"/>
+              </a:buClr>
+              <a:buSzPct val="100000"/>
+              <a:buFont typeface="Arial"/>
+              <a:buChar char="–"/>
+            </a:pPr>
+            <a:r>
+              <a:rPr lang="en-US" sz="2400" b="0" i="0" u="none" strike="noStrike" cap="none" dirty="0">
+                <a:solidFill>
+                  <a:schemeClr val="dk1"/>
+                </a:solidFill>
+                <a:latin typeface="Calibri"/>
+                <a:ea typeface="Calibri"/>
+                <a:cs typeface="Calibri"/>
+                <a:sym typeface="Calibri"/>
+              </a:rPr>
+              <a:t>Technology uncertainties and blockers</a:t>
+            </a:r>
+          </a:p>
+          <a:p>
+            <a:pPr marL="742950" marR="0" lvl="1" indent="-285750" algn="l" rtl="0">
+              <a:lnSpc>
+                <a:spcPct val="100000"/>
+              </a:lnSpc>
+              <a:spcBef>
+                <a:spcPts val="480"/>
+              </a:spcBef>
+              <a:spcAft>
+                <a:spcPts val="0"/>
+              </a:spcAft>
+              <a:buClr>
+                <a:schemeClr val="dk1"/>
+              </a:buClr>
+              <a:buSzPct val="100000"/>
+              <a:buFont typeface="Arial"/>
+              <a:buChar char="–"/>
+            </a:pPr>
+            <a:r>
+              <a:rPr lang="en-US" sz="2400" b="0" i="0" u="none" strike="noStrike" cap="none" dirty="0">
+                <a:solidFill>
+                  <a:schemeClr val="dk1"/>
+                </a:solidFill>
+                <a:latin typeface="Calibri"/>
+                <a:ea typeface="Calibri"/>
+                <a:cs typeface="Calibri"/>
+                <a:sym typeface="Calibri"/>
+              </a:rPr>
+              <a:t>Team issues</a:t>
+            </a:r>
+          </a:p>
+        </p:txBody>
+      </p:sp>
+    </p:spTree>
+    <p:extLst>
+      <p:ext uri="{BB962C8B-B14F-4D97-AF65-F5344CB8AC3E}">
+        <p14:creationId xmlns:p14="http://schemas.microsoft.com/office/powerpoint/2010/main" val="1287804970"/>
       </p:ext>
     </p:extLst>
   </p:cSld>
